--- a/16-tuning_ohai.pptx
+++ b/16-tuning_ohai.pptx
@@ -6,10 +6,10 @@
     <p:sldMasterId id="2147483847" r:id="rId6"/>
   </p:sldMasterIdLst>
   <p:notesMasterIdLst>
-    <p:notesMasterId r:id="rId29"/>
+    <p:notesMasterId r:id="rId30"/>
   </p:notesMasterIdLst>
   <p:handoutMasterIdLst>
-    <p:handoutMasterId r:id="rId30"/>
+    <p:handoutMasterId r:id="rId31"/>
   </p:handoutMasterIdLst>
   <p:sldIdLst>
     <p:sldId id="256" r:id="rId7"/>
@@ -25,15 +25,16 @@
     <p:sldId id="284" r:id="rId17"/>
     <p:sldId id="285" r:id="rId18"/>
     <p:sldId id="286" r:id="rId19"/>
-    <p:sldId id="281" r:id="rId20"/>
-    <p:sldId id="278" r:id="rId21"/>
-    <p:sldId id="277" r:id="rId22"/>
-    <p:sldId id="279" r:id="rId23"/>
-    <p:sldId id="282" r:id="rId24"/>
-    <p:sldId id="280" r:id="rId25"/>
-    <p:sldId id="283" r:id="rId26"/>
-    <p:sldId id="266" r:id="rId27"/>
-    <p:sldId id="265" r:id="rId28"/>
+    <p:sldId id="287" r:id="rId20"/>
+    <p:sldId id="281" r:id="rId21"/>
+    <p:sldId id="278" r:id="rId22"/>
+    <p:sldId id="277" r:id="rId23"/>
+    <p:sldId id="279" r:id="rId24"/>
+    <p:sldId id="282" r:id="rId25"/>
+    <p:sldId id="280" r:id="rId26"/>
+    <p:sldId id="283" r:id="rId27"/>
+    <p:sldId id="266" r:id="rId28"/>
+    <p:sldId id="265" r:id="rId29"/>
   </p:sldIdLst>
   <p:sldSz cx="16256000" cy="9144000"/>
   <p:notesSz cx="6858000" cy="9144000"/>
@@ -247,10 +248,9 @@
               <a:defRPr/>
             </a:pPr>
             <a:r>
-              <a:rPr lang="en-US" smtClean="0"/>
+              <a:rPr lang="en-US"/>
               <a:t>Chef Intermediate</a:t>
             </a:r>
-            <a:endParaRPr lang="en-US"/>
           </a:p>
         </p:txBody>
       </p:sp>
@@ -295,7 +295,7 @@
               <a:defRPr/>
             </a:pPr>
             <a:r>
-              <a:rPr lang="en-US" smtClean="0"/>
+              <a:rPr lang="en-US"/>
               <a:t>Chef Software, Inc.</a:t>
             </a:r>
             <a:endParaRPr lang="en-US" dirty="0"/>
@@ -475,7 +475,7 @@
               <a:defRPr/>
             </a:pPr>
             <a:r>
-              <a:rPr lang="en-US" smtClean="0"/>
+              <a:rPr lang="en-US"/>
               <a:t>Chef Software, Inc.</a:t>
             </a:r>
             <a:endParaRPr lang="en-US" dirty="0"/>
@@ -543,38 +543,37 @@
           <a:p>
             <a:pPr lvl="0"/>
             <a:r>
-              <a:rPr lang="en-US" noProof="0" dirty="0" smtClean="0"/>
+              <a:rPr lang="en-US" noProof="0" dirty="0"/>
               <a:t>Click to edit Master text styles</a:t>
             </a:r>
           </a:p>
           <a:p>
             <a:pPr lvl="1"/>
             <a:r>
-              <a:rPr lang="en-US" noProof="0" dirty="0" smtClean="0"/>
+              <a:rPr lang="en-US" noProof="0" dirty="0"/>
               <a:t>Second level</a:t>
             </a:r>
           </a:p>
           <a:p>
             <a:pPr lvl="2"/>
             <a:r>
-              <a:rPr lang="en-US" noProof="0" dirty="0" smtClean="0"/>
+              <a:rPr lang="en-US" noProof="0" dirty="0"/>
               <a:t>Third level</a:t>
             </a:r>
           </a:p>
           <a:p>
             <a:pPr lvl="3"/>
             <a:r>
-              <a:rPr lang="en-US" noProof="0" dirty="0" smtClean="0"/>
+              <a:rPr lang="en-US" noProof="0" dirty="0"/>
               <a:t>Fourth level</a:t>
             </a:r>
           </a:p>
           <a:p>
             <a:pPr lvl="4"/>
             <a:r>
-              <a:rPr lang="en-US" noProof="0" dirty="0" smtClean="0"/>
+              <a:rPr lang="en-US" noProof="0" dirty="0"/>
               <a:t>Fifth level</a:t>
             </a:r>
-            <a:endParaRPr lang="en-US" noProof="0" dirty="0"/>
           </a:p>
         </p:txBody>
       </p:sp>
@@ -619,10 +618,9 @@
               <a:defRPr/>
             </a:pPr>
             <a:r>
-              <a:rPr lang="en-US" smtClean="0"/>
+              <a:rPr lang="en-US"/>
               <a:t>Chef Intermediate</a:t>
             </a:r>
-            <a:endParaRPr lang="en-US"/>
           </a:p>
         </p:txBody>
       </p:sp>
@@ -850,10 +848,9 @@
               <a:defRPr/>
             </a:pPr>
             <a:r>
-              <a:rPr lang="en-US" smtClean="0"/>
+              <a:rPr lang="en-US"/>
               <a:t>Chef Intermediate</a:t>
             </a:r>
-            <a:endParaRPr lang="en-US"/>
           </a:p>
         </p:txBody>
       </p:sp>
@@ -876,7 +873,7 @@
               <a:defRPr/>
             </a:pPr>
             <a:r>
-              <a:rPr lang="en-US" smtClean="0"/>
+              <a:rPr lang="en-US"/>
               <a:t>Chef Software, Inc.</a:t>
             </a:r>
             <a:endParaRPr lang="en-US" dirty="0"/>
@@ -963,7 +960,7 @@
               <a:defRPr/>
             </a:pPr>
             <a:r>
-              <a:rPr lang="en-US" smtClean="0"/>
+              <a:rPr lang="en-US"/>
               <a:t>Chef Software, Inc.</a:t>
             </a:r>
             <a:endParaRPr lang="en-US" dirty="0"/>
@@ -989,10 +986,9 @@
               <a:defRPr/>
             </a:pPr>
             <a:r>
-              <a:rPr lang="en-US" smtClean="0"/>
+              <a:rPr lang="en-US"/>
               <a:t>Chef Intermediate</a:t>
             </a:r>
-            <a:endParaRPr lang="en-US"/>
           </a:p>
         </p:txBody>
       </p:sp>
@@ -1076,7 +1072,7 @@
               <a:defRPr/>
             </a:pPr>
             <a:r>
-              <a:rPr lang="en-US" smtClean="0"/>
+              <a:rPr lang="en-US"/>
               <a:t>Chef Software, Inc.</a:t>
             </a:r>
             <a:endParaRPr lang="en-US" dirty="0"/>
@@ -1102,10 +1098,9 @@
               <a:defRPr/>
             </a:pPr>
             <a:r>
-              <a:rPr lang="en-US" smtClean="0"/>
+              <a:rPr lang="en-US"/>
               <a:t>Chef Intermediate</a:t>
             </a:r>
-            <a:endParaRPr lang="en-US"/>
           </a:p>
         </p:txBody>
       </p:sp>
@@ -1189,7 +1184,7 @@
               <a:defRPr/>
             </a:pPr>
             <a:r>
-              <a:rPr lang="en-US" smtClean="0"/>
+              <a:rPr lang="en-US"/>
               <a:t>Chef Software, Inc.</a:t>
             </a:r>
             <a:endParaRPr lang="en-US" dirty="0"/>
@@ -1215,10 +1210,9 @@
               <a:defRPr/>
             </a:pPr>
             <a:r>
-              <a:rPr lang="en-US" smtClean="0"/>
+              <a:rPr lang="en-US"/>
               <a:t>Chef Intermediate</a:t>
             </a:r>
-            <a:endParaRPr lang="en-US"/>
           </a:p>
         </p:txBody>
       </p:sp>
@@ -1302,7 +1296,7 @@
               <a:defRPr/>
             </a:pPr>
             <a:r>
-              <a:rPr lang="en-US" smtClean="0"/>
+              <a:rPr lang="en-US"/>
               <a:t>Chef Software, Inc.</a:t>
             </a:r>
             <a:endParaRPr lang="en-US" dirty="0"/>
@@ -1328,10 +1322,9 @@
               <a:defRPr/>
             </a:pPr>
             <a:r>
-              <a:rPr lang="en-US" smtClean="0"/>
+              <a:rPr lang="en-US"/>
               <a:t>Chef Intermediate</a:t>
             </a:r>
-            <a:endParaRPr lang="en-US"/>
           </a:p>
         </p:txBody>
       </p:sp>
@@ -1415,7 +1408,7 @@
               <a:defRPr/>
             </a:pPr>
             <a:r>
-              <a:rPr lang="en-US" smtClean="0"/>
+              <a:rPr lang="en-US"/>
               <a:t>Chef Software, Inc.</a:t>
             </a:r>
             <a:endParaRPr lang="en-US" dirty="0"/>
@@ -1441,17 +1434,16 @@
               <a:defRPr/>
             </a:pPr>
             <a:r>
-              <a:rPr lang="en-US" smtClean="0"/>
+              <a:rPr lang="en-US"/>
               <a:t>Chef Intermediate</a:t>
             </a:r>
-            <a:endParaRPr lang="en-US"/>
           </a:p>
         </p:txBody>
       </p:sp>
     </p:spTree>
     <p:extLst>
       <p:ext uri="{BB962C8B-B14F-4D97-AF65-F5344CB8AC3E}">
-        <p14:creationId xmlns:p14="http://schemas.microsoft.com/office/powerpoint/2010/main" val="222938662"/>
+        <p14:creationId xmlns:p14="http://schemas.microsoft.com/office/powerpoint/2010/main" val="3567091794"/>
       </p:ext>
     </p:extLst>
   </p:cSld>
@@ -1528,7 +1520,7 @@
               <a:defRPr/>
             </a:pPr>
             <a:r>
-              <a:rPr lang="en-US" smtClean="0"/>
+              <a:rPr lang="en-US"/>
               <a:t>Chef Software, Inc.</a:t>
             </a:r>
             <a:endParaRPr lang="en-US" dirty="0"/>
@@ -1554,17 +1546,16 @@
               <a:defRPr/>
             </a:pPr>
             <a:r>
-              <a:rPr lang="en-US" smtClean="0"/>
+              <a:rPr lang="en-US"/>
               <a:t>Chef Intermediate</a:t>
             </a:r>
-            <a:endParaRPr lang="en-US"/>
           </a:p>
         </p:txBody>
       </p:sp>
     </p:spTree>
     <p:extLst>
       <p:ext uri="{BB962C8B-B14F-4D97-AF65-F5344CB8AC3E}">
-        <p14:creationId xmlns:p14="http://schemas.microsoft.com/office/powerpoint/2010/main" val="1138680893"/>
+        <p14:creationId xmlns:p14="http://schemas.microsoft.com/office/powerpoint/2010/main" val="222938662"/>
       </p:ext>
     </p:extLst>
   </p:cSld>
@@ -1641,7 +1632,7 @@
               <a:defRPr/>
             </a:pPr>
             <a:r>
-              <a:rPr lang="en-US" smtClean="0"/>
+              <a:rPr lang="en-US"/>
               <a:t>Chef Software, Inc.</a:t>
             </a:r>
             <a:endParaRPr lang="en-US" dirty="0"/>
@@ -1667,17 +1658,16 @@
               <a:defRPr/>
             </a:pPr>
             <a:r>
-              <a:rPr lang="en-US" smtClean="0"/>
+              <a:rPr lang="en-US"/>
               <a:t>Chef Intermediate</a:t>
             </a:r>
-            <a:endParaRPr lang="en-US"/>
           </a:p>
         </p:txBody>
       </p:sp>
     </p:spTree>
     <p:extLst>
       <p:ext uri="{BB962C8B-B14F-4D97-AF65-F5344CB8AC3E}">
-        <p14:creationId xmlns:p14="http://schemas.microsoft.com/office/powerpoint/2010/main" val="69993268"/>
+        <p14:creationId xmlns:p14="http://schemas.microsoft.com/office/powerpoint/2010/main" val="1138680893"/>
       </p:ext>
     </p:extLst>
   </p:cSld>
@@ -1754,7 +1744,7 @@
               <a:defRPr/>
             </a:pPr>
             <a:r>
-              <a:rPr lang="en-US" smtClean="0"/>
+              <a:rPr lang="en-US"/>
               <a:t>Chef Software, Inc.</a:t>
             </a:r>
             <a:endParaRPr lang="en-US" dirty="0"/>
@@ -1780,17 +1770,16 @@
               <a:defRPr/>
             </a:pPr>
             <a:r>
-              <a:rPr lang="en-US" smtClean="0"/>
+              <a:rPr lang="en-US"/>
               <a:t>Chef Intermediate</a:t>
             </a:r>
-            <a:endParaRPr lang="en-US"/>
           </a:p>
         </p:txBody>
       </p:sp>
     </p:spTree>
     <p:extLst>
       <p:ext uri="{BB962C8B-B14F-4D97-AF65-F5344CB8AC3E}">
-        <p14:creationId xmlns:p14="http://schemas.microsoft.com/office/powerpoint/2010/main" val="1757980169"/>
+        <p14:creationId xmlns:p14="http://schemas.microsoft.com/office/powerpoint/2010/main" val="69993268"/>
       </p:ext>
     </p:extLst>
   </p:cSld>
@@ -1867,7 +1856,7 @@
               <a:defRPr/>
             </a:pPr>
             <a:r>
-              <a:rPr lang="en-US" smtClean="0"/>
+              <a:rPr lang="en-US"/>
               <a:t>Chef Software, Inc.</a:t>
             </a:r>
             <a:endParaRPr lang="en-US" dirty="0"/>
@@ -1893,17 +1882,16 @@
               <a:defRPr/>
             </a:pPr>
             <a:r>
-              <a:rPr lang="en-US" smtClean="0"/>
+              <a:rPr lang="en-US"/>
               <a:t>Chef Intermediate</a:t>
             </a:r>
-            <a:endParaRPr lang="en-US"/>
           </a:p>
         </p:txBody>
       </p:sp>
     </p:spTree>
     <p:extLst>
       <p:ext uri="{BB962C8B-B14F-4D97-AF65-F5344CB8AC3E}">
-        <p14:creationId xmlns:p14="http://schemas.microsoft.com/office/powerpoint/2010/main" val="20882053"/>
+        <p14:creationId xmlns:p14="http://schemas.microsoft.com/office/powerpoint/2010/main" val="1757980169"/>
       </p:ext>
     </p:extLst>
   </p:cSld>
@@ -1980,7 +1968,7 @@
               <a:defRPr/>
             </a:pPr>
             <a:r>
-              <a:rPr lang="en-US" smtClean="0"/>
+              <a:rPr lang="en-US"/>
               <a:t>Chef Software, Inc.</a:t>
             </a:r>
             <a:endParaRPr lang="en-US" dirty="0"/>
@@ -2006,17 +1994,16 @@
               <a:defRPr/>
             </a:pPr>
             <a:r>
-              <a:rPr lang="en-US" smtClean="0"/>
+              <a:rPr lang="en-US"/>
               <a:t>Chef Intermediate</a:t>
             </a:r>
-            <a:endParaRPr lang="en-US"/>
           </a:p>
         </p:txBody>
       </p:sp>
     </p:spTree>
     <p:extLst>
       <p:ext uri="{BB962C8B-B14F-4D97-AF65-F5344CB8AC3E}">
-        <p14:creationId xmlns:p14="http://schemas.microsoft.com/office/powerpoint/2010/main" val="827122139"/>
+        <p14:creationId xmlns:p14="http://schemas.microsoft.com/office/powerpoint/2010/main" val="20882053"/>
       </p:ext>
     </p:extLst>
   </p:cSld>
@@ -2071,11 +2058,11 @@
           <a:lstStyle/>
           <a:p>
             <a:r>
-              <a:rPr lang="en-US" dirty="0" smtClean="0"/>
+              <a:rPr lang="en-US" dirty="0"/>
               <a:t>After completing this module you will be able to</a:t>
             </a:r>
             <a:r>
-              <a:rPr lang="en-US" baseline="0" dirty="0" smtClean="0"/>
+              <a:rPr lang="en-US" baseline="0" dirty="0"/>
               <a:t> </a:t>
             </a:r>
             <a:endParaRPr lang="en-US" dirty="0"/>
@@ -2101,10 +2088,9 @@
               <a:defRPr/>
             </a:pPr>
             <a:r>
-              <a:rPr lang="en-US" smtClean="0"/>
+              <a:rPr lang="en-US"/>
               <a:t>Chef Intermediate</a:t>
             </a:r>
-            <a:endParaRPr lang="en-US"/>
           </a:p>
         </p:txBody>
       </p:sp>
@@ -2127,7 +2113,7 @@
               <a:defRPr/>
             </a:pPr>
             <a:r>
-              <a:rPr lang="en-US" smtClean="0"/>
+              <a:rPr lang="en-US"/>
               <a:t>Chef Software, Inc.</a:t>
             </a:r>
             <a:endParaRPr lang="en-US" dirty="0"/>
@@ -2214,7 +2200,7 @@
               <a:defRPr/>
             </a:pPr>
             <a:r>
-              <a:rPr lang="en-US" smtClean="0"/>
+              <a:rPr lang="en-US"/>
               <a:t>Chef Software, Inc.</a:t>
             </a:r>
             <a:endParaRPr lang="en-US" dirty="0"/>
@@ -2240,17 +2226,16 @@
               <a:defRPr/>
             </a:pPr>
             <a:r>
-              <a:rPr lang="en-US" smtClean="0"/>
+              <a:rPr lang="en-US"/>
               <a:t>Chef Intermediate</a:t>
             </a:r>
-            <a:endParaRPr lang="en-US"/>
           </a:p>
         </p:txBody>
       </p:sp>
     </p:spTree>
     <p:extLst>
       <p:ext uri="{BB962C8B-B14F-4D97-AF65-F5344CB8AC3E}">
-        <p14:creationId xmlns:p14="http://schemas.microsoft.com/office/powerpoint/2010/main" val="716701317"/>
+        <p14:creationId xmlns:p14="http://schemas.microsoft.com/office/powerpoint/2010/main" val="827122139"/>
       </p:ext>
     </p:extLst>
   </p:cSld>
@@ -2327,7 +2312,7 @@
               <a:defRPr/>
             </a:pPr>
             <a:r>
-              <a:rPr lang="en-US" smtClean="0"/>
+              <a:rPr lang="en-US"/>
               <a:t>Chef Software, Inc.</a:t>
             </a:r>
             <a:endParaRPr lang="en-US" dirty="0"/>
@@ -2353,17 +2338,16 @@
               <a:defRPr/>
             </a:pPr>
             <a:r>
-              <a:rPr lang="en-US" smtClean="0"/>
+              <a:rPr lang="en-US"/>
               <a:t>Chef Intermediate</a:t>
             </a:r>
-            <a:endParaRPr lang="en-US"/>
           </a:p>
         </p:txBody>
       </p:sp>
     </p:spTree>
     <p:extLst>
       <p:ext uri="{BB962C8B-B14F-4D97-AF65-F5344CB8AC3E}">
-        <p14:creationId xmlns:p14="http://schemas.microsoft.com/office/powerpoint/2010/main" val="1179805278"/>
+        <p14:creationId xmlns:p14="http://schemas.microsoft.com/office/powerpoint/2010/main" val="716701317"/>
       </p:ext>
     </p:extLst>
   </p:cSld>
@@ -2440,7 +2424,7 @@
               <a:defRPr/>
             </a:pPr>
             <a:r>
-              <a:rPr lang="en-US" smtClean="0"/>
+              <a:rPr lang="en-US"/>
               <a:t>Chef Software, Inc.</a:t>
             </a:r>
             <a:endParaRPr lang="en-US" dirty="0"/>
@@ -2466,10 +2450,121 @@
               <a:defRPr/>
             </a:pPr>
             <a:r>
-              <a:rPr lang="en-US" smtClean="0"/>
+              <a:rPr lang="en-US"/>
               <a:t>Chef Intermediate</a:t>
             </a:r>
+          </a:p>
+        </p:txBody>
+      </p:sp>
+    </p:spTree>
+    <p:extLst>
+      <p:ext uri="{BB962C8B-B14F-4D97-AF65-F5344CB8AC3E}">
+        <p14:creationId xmlns:p14="http://schemas.microsoft.com/office/powerpoint/2010/main" val="1179805278"/>
+      </p:ext>
+    </p:extLst>
+  </p:cSld>
+  <p:clrMapOvr>
+    <a:masterClrMapping/>
+  </p:clrMapOvr>
+</p:notes>
+</file>
+
+<file path=ppt/notesSlides/notesSlide23.xml><?xml version="1.0" encoding="utf-8"?>
+<p:notes xmlns:a="http://schemas.openxmlformats.org/drawingml/2006/main" xmlns:r="http://schemas.openxmlformats.org/officeDocument/2006/relationships" xmlns:p="http://schemas.openxmlformats.org/presentationml/2006/main">
+  <p:cSld>
+    <p:spTree>
+      <p:nvGrpSpPr>
+        <p:cNvPr id="1" name=""/>
+        <p:cNvGrpSpPr/>
+        <p:nvPr/>
+      </p:nvGrpSpPr>
+      <p:grpSpPr>
+        <a:xfrm>
+          <a:off x="0" y="0"/>
+          <a:ext cx="0" cy="0"/>
+          <a:chOff x="0" y="0"/>
+          <a:chExt cx="0" cy="0"/>
+        </a:xfrm>
+      </p:grpSpPr>
+      <p:sp>
+        <p:nvSpPr>
+          <p:cNvPr id="2" name="Slide Image Placeholder 1"/>
+          <p:cNvSpPr>
+            <a:spLocks noGrp="1" noRot="1" noChangeAspect="1"/>
+          </p:cNvSpPr>
+          <p:nvPr>
+            <p:ph type="sldImg"/>
+          </p:nvPr>
+        </p:nvSpPr>
+        <p:spPr/>
+      </p:sp>
+      <p:sp>
+        <p:nvSpPr>
+          <p:cNvPr id="3" name="Notes Placeholder 2"/>
+          <p:cNvSpPr>
+            <a:spLocks noGrp="1"/>
+          </p:cNvSpPr>
+          <p:nvPr>
+            <p:ph type="body" idx="1"/>
+          </p:nvPr>
+        </p:nvSpPr>
+        <p:spPr/>
+        <p:txBody>
+          <a:bodyPr/>
+          <a:lstStyle/>
+          <a:p>
             <a:endParaRPr lang="en-US"/>
+          </a:p>
+        </p:txBody>
+      </p:sp>
+      <p:sp>
+        <p:nvSpPr>
+          <p:cNvPr id="4" name="Date Placeholder 3"/>
+          <p:cNvSpPr>
+            <a:spLocks noGrp="1"/>
+          </p:cNvSpPr>
+          <p:nvPr>
+            <p:ph type="dt" idx="10"/>
+          </p:nvPr>
+        </p:nvSpPr>
+        <p:spPr/>
+        <p:txBody>
+          <a:bodyPr/>
+          <a:lstStyle/>
+          <a:p>
+            <a:pPr>
+              <a:defRPr/>
+            </a:pPr>
+            <a:r>
+              <a:rPr lang="en-US"/>
+              <a:t>Chef Software, Inc.</a:t>
+            </a:r>
+            <a:endParaRPr lang="en-US" dirty="0"/>
+          </a:p>
+        </p:txBody>
+      </p:sp>
+      <p:sp>
+        <p:nvSpPr>
+          <p:cNvPr id="5" name="Header Placeholder 4"/>
+          <p:cNvSpPr>
+            <a:spLocks noGrp="1"/>
+          </p:cNvSpPr>
+          <p:nvPr>
+            <p:ph type="hdr" sz="quarter" idx="11"/>
+          </p:nvPr>
+        </p:nvSpPr>
+        <p:spPr/>
+        <p:txBody>
+          <a:bodyPr/>
+          <a:lstStyle/>
+          <a:p>
+            <a:pPr>
+              <a:defRPr/>
+            </a:pPr>
+            <a:r>
+              <a:rPr lang="en-US"/>
+              <a:t>Chef Intermediate</a:t>
+            </a:r>
           </a:p>
         </p:txBody>
       </p:sp>
@@ -2553,7 +2648,7 @@
               <a:defRPr/>
             </a:pPr>
             <a:r>
-              <a:rPr lang="en-US" smtClean="0"/>
+              <a:rPr lang="en-US"/>
               <a:t>Chef Software, Inc.</a:t>
             </a:r>
             <a:endParaRPr lang="en-US" dirty="0"/>
@@ -2579,10 +2674,9 @@
               <a:defRPr/>
             </a:pPr>
             <a:r>
-              <a:rPr lang="en-US" smtClean="0"/>
+              <a:rPr lang="en-US"/>
               <a:t>Chef Intermediate</a:t>
             </a:r>
-            <a:endParaRPr lang="en-US"/>
           </a:p>
         </p:txBody>
       </p:sp>
@@ -2666,7 +2760,7 @@
               <a:defRPr/>
             </a:pPr>
             <a:r>
-              <a:rPr lang="en-US" smtClean="0"/>
+              <a:rPr lang="en-US"/>
               <a:t>Chef Software, Inc.</a:t>
             </a:r>
             <a:endParaRPr lang="en-US" dirty="0"/>
@@ -2692,10 +2786,9 @@
               <a:defRPr/>
             </a:pPr>
             <a:r>
-              <a:rPr lang="en-US" smtClean="0"/>
+              <a:rPr lang="en-US"/>
               <a:t>Chef Intermediate</a:t>
             </a:r>
-            <a:endParaRPr lang="en-US"/>
           </a:p>
         </p:txBody>
       </p:sp>
@@ -2773,7 +2866,7 @@
               <a:tabLst/>
               <a:defRPr/>
             </a:pPr>
-            <a:endParaRPr lang="en-US" baseline="0" dirty="0" smtClean="0"/>
+            <a:endParaRPr lang="en-US" baseline="0" dirty="0"/>
           </a:p>
         </p:txBody>
       </p:sp>
@@ -2796,10 +2889,9 @@
               <a:defRPr/>
             </a:pPr>
             <a:r>
-              <a:rPr lang="en-US" smtClean="0"/>
+              <a:rPr lang="en-US"/>
               <a:t>Chef Intermediate</a:t>
             </a:r>
-            <a:endParaRPr lang="en-US"/>
           </a:p>
         </p:txBody>
       </p:sp>
@@ -2822,7 +2914,7 @@
               <a:defRPr/>
             </a:pPr>
             <a:r>
-              <a:rPr lang="en-US" smtClean="0"/>
+              <a:rPr lang="en-US"/>
               <a:t>Chef Software, Inc.</a:t>
             </a:r>
             <a:endParaRPr lang="en-US" dirty="0"/>
@@ -2909,7 +3001,7 @@
               <a:defRPr/>
             </a:pPr>
             <a:r>
-              <a:rPr lang="en-US" smtClean="0"/>
+              <a:rPr lang="en-US"/>
               <a:t>Chef Software, Inc.</a:t>
             </a:r>
             <a:endParaRPr lang="en-US" dirty="0"/>
@@ -2935,10 +3027,9 @@
               <a:defRPr/>
             </a:pPr>
             <a:r>
-              <a:rPr lang="en-US" smtClean="0"/>
+              <a:rPr lang="en-US"/>
               <a:t>Chef Intermediate</a:t>
             </a:r>
-            <a:endParaRPr lang="en-US"/>
           </a:p>
         </p:txBody>
       </p:sp>
@@ -2999,7 +3090,24 @@
           <a:bodyPr/>
           <a:lstStyle/>
           <a:p>
-            <a:endParaRPr lang="en-US"/>
+            <a:r>
+              <a:rPr lang="en-US" dirty="0"/>
+              <a:t>Source code for chef-client cookbook: https://github.com/chef-cookbooks/chef-client</a:t>
+            </a:r>
+          </a:p>
+          <a:p>
+            <a:r>
+              <a:rPr lang="en-US" dirty="0"/>
+              <a:t>Link to chef-client::</a:t>
+            </a:r>
+            <a:r>
+              <a:rPr lang="en-US" dirty="0" err="1"/>
+              <a:t>config.rb</a:t>
+            </a:r>
+            <a:r>
+              <a:rPr lang="en-US" dirty="0"/>
+              <a:t> https://github.com/chef-cookbooks/chef-client/blob/master/recipes/config.rb</a:t>
+            </a:r>
           </a:p>
         </p:txBody>
       </p:sp>
@@ -3022,7 +3130,7 @@
               <a:defRPr/>
             </a:pPr>
             <a:r>
-              <a:rPr lang="en-US" smtClean="0"/>
+              <a:rPr lang="en-US"/>
               <a:t>Chef Software, Inc.</a:t>
             </a:r>
             <a:endParaRPr lang="en-US" dirty="0"/>
@@ -3048,10 +3156,9 @@
               <a:defRPr/>
             </a:pPr>
             <a:r>
-              <a:rPr lang="en-US" smtClean="0"/>
+              <a:rPr lang="en-US"/>
               <a:t>Chef Intermediate</a:t>
             </a:r>
-            <a:endParaRPr lang="en-US"/>
           </a:p>
         </p:txBody>
       </p:sp>
@@ -3135,7 +3242,7 @@
               <a:defRPr/>
             </a:pPr>
             <a:r>
-              <a:rPr lang="en-US" smtClean="0"/>
+              <a:rPr lang="en-US"/>
               <a:t>Chef Software, Inc.</a:t>
             </a:r>
             <a:endParaRPr lang="en-US" dirty="0"/>
@@ -3161,10 +3268,9 @@
               <a:defRPr/>
             </a:pPr>
             <a:r>
-              <a:rPr lang="en-US" smtClean="0"/>
+              <a:rPr lang="en-US"/>
               <a:t>Chef Intermediate</a:t>
             </a:r>
-            <a:endParaRPr lang="en-US"/>
           </a:p>
         </p:txBody>
       </p:sp>
@@ -3248,7 +3354,7 @@
               <a:defRPr/>
             </a:pPr>
             <a:r>
-              <a:rPr lang="en-US" smtClean="0"/>
+              <a:rPr lang="en-US"/>
               <a:t>Chef Software, Inc.</a:t>
             </a:r>
             <a:endParaRPr lang="en-US" dirty="0"/>
@@ -3274,10 +3380,9 @@
               <a:defRPr/>
             </a:pPr>
             <a:r>
-              <a:rPr lang="en-US" smtClean="0"/>
+              <a:rPr lang="en-US"/>
               <a:t>Chef Intermediate</a:t>
             </a:r>
-            <a:endParaRPr lang="en-US"/>
           </a:p>
         </p:txBody>
       </p:sp>
@@ -3357,7 +3462,7 @@
           </a:lstStyle>
           <a:p>
             <a:r>
-              <a:rPr lang="en-US" smtClean="0"/>
+              <a:rPr lang="en-US"/>
               <a:t>Click to edit Master title style</a:t>
             </a:r>
             <a:endParaRPr lang="en-US" dirty="0"/>
@@ -3415,7 +3520,7 @@
           <a:p>
             <a:pPr lvl="0"/>
             <a:r>
-              <a:rPr lang="en-US" smtClean="0"/>
+              <a:rPr lang="en-US"/>
               <a:t>Click to edit Master text styles</a:t>
             </a:r>
           </a:p>
@@ -3497,7 +3602,7 @@
           </a:lstStyle>
           <a:p>
             <a:r>
-              <a:rPr lang="en-US" smtClean="0"/>
+              <a:rPr lang="en-US"/>
               <a:t>Click to edit Master title style</a:t>
             </a:r>
             <a:endParaRPr lang="en-US" dirty="0"/>
@@ -3555,7 +3660,7 @@
           <a:p>
             <a:pPr lvl="0"/>
             <a:r>
-              <a:rPr lang="en-US" dirty="0" smtClean="0"/>
+              <a:rPr lang="en-US" dirty="0"/>
               <a:t>source code</a:t>
             </a:r>
           </a:p>
@@ -3601,28 +3706,28 @@
           <a:p>
             <a:pPr lvl="0"/>
             <a:r>
-              <a:rPr lang="en-US" smtClean="0"/>
+              <a:rPr lang="en-US"/>
               <a:t>Click to edit Master text styles</a:t>
             </a:r>
           </a:p>
           <a:p>
             <a:pPr lvl="1"/>
             <a:r>
-              <a:rPr lang="en-US" smtClean="0"/>
+              <a:rPr lang="en-US"/>
               <a:t>Second level</a:t>
             </a:r>
           </a:p>
           <a:p>
             <a:pPr lvl="2"/>
             <a:r>
-              <a:rPr lang="en-US" smtClean="0"/>
+              <a:rPr lang="en-US"/>
               <a:t>Third level</a:t>
             </a:r>
           </a:p>
           <a:p>
             <a:pPr lvl="3"/>
             <a:r>
-              <a:rPr lang="en-US" smtClean="0"/>
+              <a:rPr lang="en-US"/>
               <a:t>Fourth level</a:t>
             </a:r>
           </a:p>
@@ -3666,7 +3771,7 @@
           <a:p>
             <a:pPr lvl="0"/>
             <a:r>
-              <a:rPr lang="en-US" dirty="0" smtClean="0"/>
+              <a:rPr lang="en-US" dirty="0"/>
               <a:t>-</a:t>
             </a:r>
           </a:p>
@@ -3710,7 +3815,7 @@
           <a:p>
             <a:pPr lvl="0"/>
             <a:r>
-              <a:rPr lang="en-US" dirty="0" smtClean="0"/>
+              <a:rPr lang="en-US" dirty="0"/>
               <a:t>+</a:t>
             </a:r>
           </a:p>
@@ -3859,14 +3964,14 @@
           </a:ln>
           <a:extLst>
             <a:ext uri="{909E8E84-426E-40dd-AFC4-6F175D3DCCD1}">
-              <a14:hiddenFill xmlns:a14="http://schemas.microsoft.com/office/drawing/2010/main" xmlns="">
+              <a14:hiddenFill xmlns="" xmlns:a14="http://schemas.microsoft.com/office/drawing/2010/main">
                 <a:solidFill>
                   <a:srgbClr val="FFFFFF"/>
                 </a:solidFill>
               </a14:hiddenFill>
             </a:ext>
             <a:ext uri="{91240B29-F687-4f45-9708-019B960494DF}">
-              <a14:hiddenLine xmlns:a14="http://schemas.microsoft.com/office/drawing/2010/main" xmlns="" w="9525">
+              <a14:hiddenLine xmlns="" xmlns:a14="http://schemas.microsoft.com/office/drawing/2010/main" w="9525">
                 <a:solidFill>
                   <a:srgbClr val="000000"/>
                 </a:solidFill>
@@ -4014,14 +4119,14 @@
           </a:ln>
           <a:extLst>
             <a:ext uri="{909E8E84-426E-40dd-AFC4-6F175D3DCCD1}">
-              <a14:hiddenFill xmlns:a14="http://schemas.microsoft.com/office/drawing/2010/main" xmlns="">
+              <a14:hiddenFill xmlns="" xmlns:a14="http://schemas.microsoft.com/office/drawing/2010/main">
                 <a:solidFill>
                   <a:srgbClr val="FFFFFF"/>
                 </a:solidFill>
               </a14:hiddenFill>
             </a:ext>
             <a:ext uri="{91240B29-F687-4f45-9708-019B960494DF}">
-              <a14:hiddenLine xmlns:a14="http://schemas.microsoft.com/office/drawing/2010/main" xmlns="" w="9525">
+              <a14:hiddenLine xmlns="" xmlns:a14="http://schemas.microsoft.com/office/drawing/2010/main" w="9525">
                 <a:solidFill>
                   <a:srgbClr val="000000"/>
                 </a:solidFill>
@@ -4249,21 +4354,21 @@
           <a:p>
             <a:pPr lvl="0"/>
             <a:r>
-              <a:rPr lang="en-US" smtClean="0"/>
+              <a:rPr lang="en-US"/>
               <a:t>Click to edit Master text styles</a:t>
             </a:r>
           </a:p>
           <a:p>
             <a:pPr lvl="1"/>
             <a:r>
-              <a:rPr lang="en-US" smtClean="0"/>
+              <a:rPr lang="en-US"/>
               <a:t>Second level</a:t>
             </a:r>
           </a:p>
           <a:p>
             <a:pPr lvl="2"/>
             <a:r>
-              <a:rPr lang="en-US" smtClean="0"/>
+              <a:rPr lang="en-US"/>
               <a:t>Third level</a:t>
             </a:r>
           </a:p>
@@ -4309,21 +4414,21 @@
           <a:p>
             <a:pPr lvl="0"/>
             <a:r>
-              <a:rPr lang="en-US" smtClean="0"/>
+              <a:rPr lang="en-US"/>
               <a:t>Click to edit Master text styles</a:t>
             </a:r>
           </a:p>
           <a:p>
             <a:pPr lvl="1"/>
             <a:r>
-              <a:rPr lang="en-US" smtClean="0"/>
+              <a:rPr lang="en-US"/>
               <a:t>Second level</a:t>
             </a:r>
           </a:p>
           <a:p>
             <a:pPr lvl="2"/>
             <a:r>
-              <a:rPr lang="en-US" smtClean="0"/>
+              <a:rPr lang="en-US"/>
               <a:t>Third level</a:t>
             </a:r>
           </a:p>
@@ -4363,7 +4468,7 @@
           <a:p>
             <a:pPr lvl="0"/>
             <a:r>
-              <a:rPr lang="en-US" dirty="0" smtClean="0"/>
+              <a:rPr lang="en-US" dirty="0"/>
               <a:t>A</a:t>
             </a:r>
           </a:p>
@@ -4403,7 +4508,7 @@
           <a:p>
             <a:pPr lvl="0"/>
             <a:r>
-              <a:rPr lang="en-US" dirty="0" smtClean="0"/>
+              <a:rPr lang="en-US" dirty="0"/>
               <a:t>B</a:t>
             </a:r>
           </a:p>
@@ -4512,14 +4617,14 @@
           </a:ln>
           <a:extLst>
             <a:ext uri="{909E8E84-426E-40dd-AFC4-6F175D3DCCD1}">
-              <a14:hiddenFill xmlns:a14="http://schemas.microsoft.com/office/drawing/2010/main" xmlns="">
+              <a14:hiddenFill xmlns="" xmlns:a14="http://schemas.microsoft.com/office/drawing/2010/main">
                 <a:solidFill>
                   <a:srgbClr val="FFFFFF"/>
                 </a:solidFill>
               </a14:hiddenFill>
             </a:ext>
             <a:ext uri="{91240B29-F687-4f45-9708-019B960494DF}">
-              <a14:hiddenLine xmlns:a14="http://schemas.microsoft.com/office/drawing/2010/main" xmlns="" w="9525">
+              <a14:hiddenLine xmlns="" xmlns:a14="http://schemas.microsoft.com/office/drawing/2010/main" w="9525">
                 <a:solidFill>
                   <a:srgbClr val="000000"/>
                 </a:solidFill>
@@ -4682,10 +4787,9 @@
           </a:lstStyle>
           <a:p>
             <a:r>
-              <a:rPr lang="en-US" dirty="0" smtClean="0"/>
+              <a:rPr lang="en-US" dirty="0"/>
               <a:t>Concept</a:t>
             </a:r>
-            <a:endParaRPr lang="en-US" dirty="0"/>
           </a:p>
         </p:txBody>
       </p:sp>
@@ -4812,7 +4916,7 @@
           </a:lstStyle>
           <a:p>
             <a:r>
-              <a:rPr lang="en-US" dirty="0" smtClean="0"/>
+              <a:rPr lang="en-US" dirty="0"/>
               <a:t>Click to edit Master subtitle style</a:t>
             </a:r>
           </a:p>
@@ -4969,10 +5073,9 @@
           </a:lstStyle>
           <a:p>
             <a:r>
-              <a:rPr lang="en-US" dirty="0" smtClean="0"/>
+              <a:rPr lang="en-US" dirty="0"/>
               <a:t>Motivation</a:t>
             </a:r>
-            <a:endParaRPr lang="en-US" dirty="0"/>
           </a:p>
         </p:txBody>
       </p:sp>
@@ -5099,7 +5202,7 @@
           </a:lstStyle>
           <a:p>
             <a:r>
-              <a:rPr lang="en-US" dirty="0" smtClean="0"/>
+              <a:rPr lang="en-US" dirty="0"/>
               <a:t>Click to edit Master subtitle style</a:t>
             </a:r>
           </a:p>
@@ -5256,10 +5359,9 @@
           </a:lstStyle>
           <a:p>
             <a:r>
-              <a:rPr lang="en-US" dirty="0" smtClean="0"/>
+              <a:rPr lang="en-US" dirty="0"/>
               <a:t>Problem</a:t>
             </a:r>
-            <a:endParaRPr lang="en-US" dirty="0"/>
           </a:p>
         </p:txBody>
       </p:sp>
@@ -5386,7 +5488,7 @@
           </a:lstStyle>
           <a:p>
             <a:r>
-              <a:rPr lang="en-US" dirty="0" smtClean="0"/>
+              <a:rPr lang="en-US" dirty="0"/>
               <a:t>Click to edit Master subtitle style</a:t>
             </a:r>
           </a:p>
@@ -5459,7 +5561,7 @@
               <a:defRPr/>
             </a:pPr>
             <a:r>
-              <a:rPr lang="en-US" sz="16933" dirty="0" smtClean="0">
+              <a:rPr lang="en-US" sz="16933" dirty="0">
                 <a:ln w="18415" cmpd="sng">
                   <a:solidFill>
                     <a:srgbClr val="FFFFFF"/>
@@ -5478,23 +5580,6 @@
               </a:rPr>
               <a:t>REFERENCE</a:t>
             </a:r>
-            <a:endParaRPr lang="en-US" sz="16933" dirty="0">
-              <a:ln w="18415" cmpd="sng">
-                <a:solidFill>
-                  <a:srgbClr val="FFFFFF"/>
-                </a:solidFill>
-                <a:prstDash val="solid"/>
-              </a:ln>
-              <a:solidFill>
-                <a:schemeClr val="bg2">
-                  <a:lumMod val="95000"/>
-                  <a:alpha val="50000"/>
-                </a:schemeClr>
-              </a:solidFill>
-              <a:latin typeface="+mn-lt"/>
-              <a:ea typeface="+mn-ea"/>
-              <a:cs typeface="+mn-cs"/>
-            </a:endParaRPr>
           </a:p>
         </p:txBody>
       </p:sp>
@@ -5560,10 +5645,9 @@
           </a:lstStyle>
           <a:p>
             <a:r>
-              <a:rPr lang="en-US" dirty="0" smtClean="0"/>
+              <a:rPr lang="en-US" dirty="0"/>
               <a:t>Documentation</a:t>
             </a:r>
-            <a:endParaRPr lang="en-US" dirty="0"/>
           </a:p>
         </p:txBody>
       </p:sp>
@@ -5690,7 +5774,7 @@
           </a:lstStyle>
           <a:p>
             <a:r>
-              <a:rPr lang="en-US" dirty="0" smtClean="0"/>
+              <a:rPr lang="en-US" dirty="0"/>
               <a:t>Click to edit Master subtitle style</a:t>
             </a:r>
           </a:p>
@@ -5730,14 +5814,14 @@
           <a:p>
             <a:pPr lvl="0"/>
             <a:r>
-              <a:rPr lang="en-US" dirty="0" smtClean="0"/>
+              <a:rPr lang="en-US" dirty="0"/>
               <a:t>http://</a:t>
             </a:r>
             <a:r>
-              <a:rPr lang="en-US" dirty="0" err="1" smtClean="0"/>
+              <a:rPr lang="en-US" dirty="0" err="1"/>
               <a:t>docs.chef.io</a:t>
             </a:r>
-            <a:endParaRPr lang="en-US" dirty="0" smtClean="0"/>
+            <a:endParaRPr lang="en-US" dirty="0"/>
           </a:p>
         </p:txBody>
       </p:sp>
@@ -5892,10 +5976,9 @@
           </a:lstStyle>
           <a:p>
             <a:r>
-              <a:rPr lang="en-US" dirty="0" smtClean="0"/>
+              <a:rPr lang="en-US" dirty="0"/>
               <a:t>Concept</a:t>
             </a:r>
-            <a:endParaRPr lang="en-US" dirty="0"/>
           </a:p>
         </p:txBody>
       </p:sp>
@@ -6022,7 +6105,7 @@
           </a:lstStyle>
           <a:p>
             <a:r>
-              <a:rPr lang="en-US" dirty="0" smtClean="0"/>
+              <a:rPr lang="en-US" dirty="0"/>
               <a:t>Click to edit Master subtitle style</a:t>
             </a:r>
           </a:p>
@@ -6179,10 +6262,9 @@
           </a:lstStyle>
           <a:p>
             <a:r>
-              <a:rPr lang="en-US" dirty="0" smtClean="0"/>
+              <a:rPr lang="en-US" dirty="0"/>
               <a:t>Group Exercise</a:t>
             </a:r>
-            <a:endParaRPr lang="en-US" dirty="0"/>
           </a:p>
         </p:txBody>
       </p:sp>
@@ -6227,7 +6309,7 @@
           <a:p>
             <a:pPr lvl="0"/>
             <a:r>
-              <a:rPr lang="en-US" dirty="0" smtClean="0"/>
+              <a:rPr lang="en-US" dirty="0"/>
               <a:t>Click to edit Master text styles</a:t>
             </a:r>
           </a:p>
@@ -6255,14 +6337,14 @@
           </a:ln>
           <a:extLst>
             <a:ext uri="{909E8E84-426E-40dd-AFC4-6F175D3DCCD1}">
-              <a14:hiddenFill xmlns:a14="http://schemas.microsoft.com/office/drawing/2010/main" xmlns="">
+              <a14:hiddenFill xmlns="" xmlns:a14="http://schemas.microsoft.com/office/drawing/2010/main">
                 <a:solidFill>
                   <a:srgbClr val="FFFFFF"/>
                 </a:solidFill>
               </a14:hiddenFill>
             </a:ext>
             <a:ext uri="{91240B29-F687-4f45-9708-019B960494DF}">
-              <a14:hiddenLine xmlns:a14="http://schemas.microsoft.com/office/drawing/2010/main" xmlns="" w="9525">
+              <a14:hiddenLine xmlns="" xmlns:a14="http://schemas.microsoft.com/office/drawing/2010/main" w="9525">
                 <a:solidFill>
                   <a:srgbClr val="000000"/>
                 </a:solidFill>
@@ -6422,28 +6504,28 @@
           <a:p>
             <a:pPr lvl="0"/>
             <a:r>
-              <a:rPr lang="en-US" dirty="0" smtClean="0"/>
+              <a:rPr lang="en-US" dirty="0"/>
               <a:t>Click to edit Master text styles</a:t>
             </a:r>
           </a:p>
           <a:p>
             <a:pPr lvl="1"/>
             <a:r>
-              <a:rPr lang="en-US" dirty="0" smtClean="0"/>
+              <a:rPr lang="en-US" dirty="0"/>
               <a:t>Second level</a:t>
             </a:r>
           </a:p>
           <a:p>
             <a:pPr lvl="2"/>
             <a:r>
-              <a:rPr lang="en-US" dirty="0" smtClean="0"/>
+              <a:rPr lang="en-US" dirty="0"/>
               <a:t>Third level</a:t>
             </a:r>
           </a:p>
           <a:p>
             <a:pPr lvl="3"/>
             <a:r>
-              <a:rPr lang="en-US" dirty="0" smtClean="0"/>
+              <a:rPr lang="en-US" dirty="0"/>
               <a:t>Fourth level</a:t>
             </a:r>
           </a:p>
@@ -6600,10 +6682,9 @@
           </a:lstStyle>
           <a:p>
             <a:r>
-              <a:rPr lang="en-US" dirty="0" smtClean="0"/>
+              <a:rPr lang="en-US" dirty="0"/>
               <a:t>Lab</a:t>
             </a:r>
-            <a:endParaRPr lang="en-US" dirty="0"/>
           </a:p>
         </p:txBody>
       </p:sp>
@@ -6731,7 +6812,7 @@
           </a:lstStyle>
           <a:p>
             <a:r>
-              <a:rPr lang="en-US" dirty="0" smtClean="0"/>
+              <a:rPr lang="en-US" dirty="0"/>
               <a:t>Click to edit Master subtitle style</a:t>
             </a:r>
           </a:p>
@@ -6802,7 +6883,7 @@
           <a:lstStyle/>
           <a:p>
             <a:r>
-              <a:rPr lang="en-US" smtClean="0"/>
+              <a:rPr lang="en-US"/>
               <a:t>Click to edit Master title style</a:t>
             </a:r>
             <a:endParaRPr lang="en-US" dirty="0"/>
@@ -6894,21 +6975,21 @@
           <a:p>
             <a:pPr lvl="0"/>
             <a:r>
-              <a:rPr lang="en-US" smtClean="0"/>
+              <a:rPr lang="en-US"/>
               <a:t>Click to edit Master text styles</a:t>
             </a:r>
           </a:p>
           <a:p>
             <a:pPr lvl="1"/>
             <a:r>
-              <a:rPr lang="en-US" smtClean="0"/>
+              <a:rPr lang="en-US"/>
               <a:t>Second level</a:t>
             </a:r>
           </a:p>
           <a:p>
             <a:pPr lvl="2"/>
             <a:r>
-              <a:rPr lang="en-US" smtClean="0"/>
+              <a:rPr lang="en-US"/>
               <a:t>Third level</a:t>
             </a:r>
           </a:p>
@@ -7065,10 +7146,9 @@
           </a:lstStyle>
           <a:p>
             <a:r>
-              <a:rPr lang="en-US" dirty="0" smtClean="0"/>
+              <a:rPr lang="en-US" dirty="0"/>
               <a:t>Commit</a:t>
             </a:r>
-            <a:endParaRPr lang="en-US" dirty="0"/>
           </a:p>
         </p:txBody>
       </p:sp>
@@ -7197,30 +7277,30 @@
           </a:lstStyle>
           <a:p>
             <a:r>
-              <a:rPr lang="en-US" dirty="0" smtClean="0"/>
+              <a:rPr lang="en-US" dirty="0"/>
               <a:t>$ cd repo</a:t>
             </a:r>
           </a:p>
           <a:p>
             <a:r>
-              <a:rPr lang="en-US" dirty="0" smtClean="0"/>
+              <a:rPr lang="en-US" dirty="0"/>
               <a:t>$ git </a:t>
             </a:r>
             <a:r>
-              <a:rPr lang="en-US" dirty="0" err="1" smtClean="0"/>
+              <a:rPr lang="en-US" dirty="0" err="1"/>
               <a:t>init</a:t>
             </a:r>
-            <a:endParaRPr lang="en-US" dirty="0" smtClean="0"/>
-          </a:p>
-          <a:p>
-            <a:r>
-              <a:rPr lang="en-US" dirty="0" smtClean="0"/>
+            <a:endParaRPr lang="en-US" dirty="0"/>
+          </a:p>
+          <a:p>
+            <a:r>
+              <a:rPr lang="en-US" dirty="0"/>
               <a:t>$ git add .</a:t>
             </a:r>
           </a:p>
           <a:p>
             <a:r>
-              <a:rPr lang="en-US" dirty="0" smtClean="0"/>
+              <a:rPr lang="en-US" dirty="0"/>
               <a:t>$ git commit -m "Work Complete"</a:t>
             </a:r>
           </a:p>
@@ -7293,7 +7373,7 @@
               <a:defRPr/>
             </a:pPr>
             <a:r>
-              <a:rPr lang="en-US" sz="16933" dirty="0" smtClean="0">
+              <a:rPr lang="en-US" sz="16933" dirty="0">
                 <a:ln w="18415" cmpd="sng">
                   <a:solidFill>
                     <a:srgbClr val="FFFFFF"/>
@@ -7312,23 +7392,6 @@
               </a:rPr>
               <a:t>DISCUSSION</a:t>
             </a:r>
-            <a:endParaRPr lang="en-US" sz="16933" dirty="0">
-              <a:ln w="18415" cmpd="sng">
-                <a:solidFill>
-                  <a:srgbClr val="FFFFFF"/>
-                </a:solidFill>
-                <a:prstDash val="solid"/>
-              </a:ln>
-              <a:solidFill>
-                <a:schemeClr val="bg2">
-                  <a:lumMod val="95000"/>
-                  <a:alpha val="50000"/>
-                </a:schemeClr>
-              </a:solidFill>
-              <a:latin typeface="+mn-lt"/>
-              <a:ea typeface="+mn-ea"/>
-              <a:cs typeface="+mn-cs"/>
-            </a:endParaRPr>
           </a:p>
         </p:txBody>
       </p:sp>
@@ -7394,10 +7457,9 @@
           </a:lstStyle>
           <a:p>
             <a:r>
-              <a:rPr lang="en-US" dirty="0" smtClean="0"/>
+              <a:rPr lang="en-US" dirty="0"/>
               <a:t>Discussion</a:t>
             </a:r>
-            <a:endParaRPr lang="en-US" dirty="0"/>
           </a:p>
         </p:txBody>
       </p:sp>
@@ -7524,7 +7586,7 @@
           </a:lstStyle>
           <a:p>
             <a:r>
-              <a:rPr lang="en-US" dirty="0" smtClean="0"/>
+              <a:rPr lang="en-US" dirty="0"/>
               <a:t>Questions</a:t>
             </a:r>
           </a:p>
@@ -7606,7 +7668,7 @@
           </a:lstStyle>
           <a:p>
             <a:r>
-              <a:rPr lang="en-US" smtClean="0"/>
+              <a:rPr lang="en-US"/>
               <a:t>Click to edit Master title style</a:t>
             </a:r>
             <a:endParaRPr lang="en-US" dirty="0"/>
@@ -7667,7 +7729,7 @@
           <a:p>
             <a:pPr lvl="0"/>
             <a:r>
-              <a:rPr lang="en-US" dirty="0" smtClean="0"/>
+              <a:rPr lang="en-US" dirty="0"/>
               <a:t>source code</a:t>
             </a:r>
           </a:p>
@@ -7716,21 +7778,21 @@
           <a:p>
             <a:pPr lvl="0"/>
             <a:r>
-              <a:rPr lang="en-US" smtClean="0"/>
+              <a:rPr lang="en-US"/>
               <a:t>Click to edit Master text styles</a:t>
             </a:r>
           </a:p>
           <a:p>
             <a:pPr lvl="1"/>
             <a:r>
-              <a:rPr lang="en-US" smtClean="0"/>
+              <a:rPr lang="en-US"/>
               <a:t>Second level</a:t>
             </a:r>
           </a:p>
           <a:p>
             <a:pPr lvl="2"/>
             <a:r>
-              <a:rPr lang="en-US" smtClean="0"/>
+              <a:rPr lang="en-US"/>
               <a:t>Third level</a:t>
             </a:r>
           </a:p>
@@ -7777,7 +7839,7 @@
           <a:p>
             <a:pPr lvl="0"/>
             <a:r>
-              <a:rPr lang="en-US" dirty="0" smtClean="0"/>
+              <a:rPr lang="en-US" dirty="0"/>
               <a:t>-</a:t>
             </a:r>
           </a:p>
@@ -7824,7 +7886,7 @@
           <a:p>
             <a:pPr lvl="0"/>
             <a:r>
-              <a:rPr lang="en-US" dirty="0" smtClean="0"/>
+              <a:rPr lang="en-US" dirty="0"/>
               <a:t>+</a:t>
             </a:r>
           </a:p>
@@ -7895,7 +7957,7 @@
           <a:lstStyle/>
           <a:p>
             <a:r>
-              <a:rPr lang="en-US" smtClean="0"/>
+              <a:rPr lang="en-US"/>
               <a:t>Click to edit Master title style</a:t>
             </a:r>
             <a:endParaRPr lang="en-US" dirty="0"/>
@@ -7990,21 +8052,21 @@
           <a:p>
             <a:pPr lvl="0"/>
             <a:r>
-              <a:rPr lang="en-US" smtClean="0"/>
+              <a:rPr lang="en-US"/>
               <a:t>Click to edit Master text styles</a:t>
             </a:r>
           </a:p>
           <a:p>
             <a:pPr lvl="1"/>
             <a:r>
-              <a:rPr lang="en-US" smtClean="0"/>
+              <a:rPr lang="en-US"/>
               <a:t>Second level</a:t>
             </a:r>
           </a:p>
           <a:p>
             <a:pPr lvl="2"/>
             <a:r>
-              <a:rPr lang="en-US" smtClean="0"/>
+              <a:rPr lang="en-US"/>
               <a:t>Third level</a:t>
             </a:r>
           </a:p>
@@ -8096,14 +8158,14 @@
           </a:ln>
           <a:extLst>
             <a:ext uri="{909E8E84-426E-40dd-AFC4-6F175D3DCCD1}">
-              <a14:hiddenFill xmlns:a14="http://schemas.microsoft.com/office/drawing/2010/main" xmlns="">
+              <a14:hiddenFill xmlns="" xmlns:a14="http://schemas.microsoft.com/office/drawing/2010/main">
                 <a:solidFill>
                   <a:srgbClr val="FFFFFF"/>
                 </a:solidFill>
               </a14:hiddenFill>
             </a:ext>
             <a:ext uri="{91240B29-F687-4f45-9708-019B960494DF}">
-              <a14:hiddenLine xmlns:a14="http://schemas.microsoft.com/office/drawing/2010/main" xmlns="" w="9525">
+              <a14:hiddenLine xmlns="" xmlns:a14="http://schemas.microsoft.com/office/drawing/2010/main" w="9525">
                 <a:solidFill>
                   <a:srgbClr val="000000"/>
                 </a:solidFill>
@@ -8140,7 +8202,7 @@
           </a:lstStyle>
           <a:p>
             <a:r>
-              <a:rPr lang="en-US" smtClean="0"/>
+              <a:rPr lang="en-US"/>
               <a:t>Click to edit Master title style</a:t>
             </a:r>
             <a:endParaRPr lang="en-US" dirty="0"/>
@@ -8213,7 +8275,7 @@
           <a:p>
             <a:pPr lvl="0"/>
             <a:r>
-              <a:rPr lang="en-US" dirty="0" smtClean="0"/>
+              <a:rPr lang="en-US" dirty="0"/>
               <a:t>SOURCE</a:t>
             </a:r>
           </a:p>
@@ -8260,22 +8322,22 @@
           <a:p>
             <a:pPr lvl="0"/>
             <a:r>
-              <a:rPr lang="en-US" dirty="0" smtClean="0"/>
+              <a:rPr lang="en-US" dirty="0"/>
               <a:t>/</a:t>
             </a:r>
             <a:r>
-              <a:rPr lang="en-US" dirty="0" err="1" smtClean="0"/>
+              <a:rPr lang="en-US" dirty="0" err="1"/>
               <a:t>filepath</a:t>
             </a:r>
             <a:r>
-              <a:rPr lang="en-US" dirty="0" smtClean="0"/>
+              <a:rPr lang="en-US" dirty="0"/>
               <a:t>/</a:t>
             </a:r>
             <a:r>
-              <a:rPr lang="en-US" dirty="0" err="1" smtClean="0"/>
+              <a:rPr lang="en-US" dirty="0" err="1"/>
               <a:t>file.rb</a:t>
             </a:r>
-            <a:endParaRPr lang="en-US" dirty="0" smtClean="0"/>
+            <a:endParaRPr lang="en-US" dirty="0"/>
           </a:p>
         </p:txBody>
       </p:sp>
@@ -8320,7 +8382,7 @@
           <a:p>
             <a:pPr lvl="0"/>
             <a:r>
-              <a:rPr lang="en-US" dirty="0" smtClean="0"/>
+              <a:rPr lang="en-US" dirty="0"/>
               <a:t>-</a:t>
             </a:r>
           </a:p>
@@ -8367,7 +8429,7 @@
           <a:p>
             <a:pPr lvl="0"/>
             <a:r>
-              <a:rPr lang="en-US" dirty="0" smtClean="0"/>
+              <a:rPr lang="en-US" dirty="0"/>
               <a:t>+</a:t>
             </a:r>
           </a:p>
@@ -8459,14 +8521,14 @@
           </a:ln>
           <a:extLst>
             <a:ext uri="{909E8E84-426E-40dd-AFC4-6F175D3DCCD1}">
-              <a14:hiddenFill xmlns:a14="http://schemas.microsoft.com/office/drawing/2010/main" xmlns="">
+              <a14:hiddenFill xmlns="" xmlns:a14="http://schemas.microsoft.com/office/drawing/2010/main">
                 <a:solidFill>
                   <a:srgbClr val="FFFFFF"/>
                 </a:solidFill>
               </a14:hiddenFill>
             </a:ext>
             <a:ext uri="{91240B29-F687-4f45-9708-019B960494DF}">
-              <a14:hiddenLine xmlns:a14="http://schemas.microsoft.com/office/drawing/2010/main" xmlns="" w="9525">
+              <a14:hiddenLine xmlns="" xmlns:a14="http://schemas.microsoft.com/office/drawing/2010/main" w="9525">
                 <a:solidFill>
                   <a:srgbClr val="000000"/>
                 </a:solidFill>
@@ -8598,7 +8660,7 @@
           <a:p>
             <a:pPr lvl="0"/>
             <a:r>
-              <a:rPr lang="en-US" dirty="0" smtClean="0"/>
+              <a:rPr lang="en-US" dirty="0"/>
               <a:t>RESULT</a:t>
             </a:r>
           </a:p>
@@ -8645,7 +8707,7 @@
           <a:p>
             <a:pPr lvl="0"/>
             <a:r>
-              <a:rPr lang="en-US" dirty="0" smtClean="0"/>
+              <a:rPr lang="en-US" dirty="0"/>
               <a:t>&gt; command</a:t>
             </a:r>
           </a:p>
@@ -8697,7 +8759,7 @@
           <a:p>
             <a:pPr lvl="0"/>
             <a:r>
-              <a:rPr lang="en-US" dirty="0" smtClean="0"/>
+              <a:rPr lang="en-US" dirty="0"/>
               <a:t> </a:t>
             </a:r>
           </a:p>
@@ -8725,7 +8787,7 @@
           </a:lstStyle>
           <a:p>
             <a:r>
-              <a:rPr lang="en-US" smtClean="0"/>
+              <a:rPr lang="en-US"/>
               <a:t>Click to edit Master title style</a:t>
             </a:r>
             <a:endParaRPr lang="en-US" dirty="0"/>
@@ -8808,7 +8870,7 @@
           </a:lstStyle>
           <a:p>
             <a:r>
-              <a:rPr lang="en-US" smtClean="0"/>
+              <a:rPr lang="en-US"/>
               <a:t>Click to edit Master title style</a:t>
             </a:r>
             <a:endParaRPr lang="en-US" dirty="0"/>
@@ -8872,7 +8934,7 @@
           <a:p>
             <a:pPr lvl="0"/>
             <a:r>
-              <a:rPr lang="en-US" dirty="0" smtClean="0"/>
+              <a:rPr lang="en-US" dirty="0"/>
               <a:t>command or result</a:t>
             </a:r>
           </a:p>
@@ -8918,21 +8980,21 @@
           <a:p>
             <a:pPr lvl="0"/>
             <a:r>
-              <a:rPr lang="en-US" smtClean="0"/>
+              <a:rPr lang="en-US"/>
               <a:t>Click to edit Master text styles</a:t>
             </a:r>
           </a:p>
           <a:p>
             <a:pPr lvl="1"/>
             <a:r>
-              <a:rPr lang="en-US" smtClean="0"/>
+              <a:rPr lang="en-US"/>
               <a:t>Second level</a:t>
             </a:r>
           </a:p>
           <a:p>
             <a:pPr lvl="2"/>
             <a:r>
-              <a:rPr lang="en-US" smtClean="0"/>
+              <a:rPr lang="en-US"/>
               <a:t>Third level</a:t>
             </a:r>
           </a:p>
@@ -9024,14 +9086,14 @@
           </a:ln>
           <a:extLst>
             <a:ext uri="{909E8E84-426E-40dd-AFC4-6F175D3DCCD1}">
-              <a14:hiddenFill xmlns:a14="http://schemas.microsoft.com/office/drawing/2010/main" xmlns="">
+              <a14:hiddenFill xmlns="" xmlns:a14="http://schemas.microsoft.com/office/drawing/2010/main">
                 <a:solidFill>
                   <a:srgbClr val="FFFFFF"/>
                 </a:solidFill>
               </a14:hiddenFill>
             </a:ext>
             <a:ext uri="{91240B29-F687-4f45-9708-019B960494DF}">
-              <a14:hiddenLine xmlns:a14="http://schemas.microsoft.com/office/drawing/2010/main" xmlns="" w="9525">
+              <a14:hiddenLine xmlns="" xmlns:a14="http://schemas.microsoft.com/office/drawing/2010/main" w="9525">
                 <a:solidFill>
                   <a:srgbClr val="000000"/>
                 </a:solidFill>
@@ -9103,7 +9165,7 @@
           </a:lstStyle>
           <a:p>
             <a:r>
-              <a:rPr lang="en-US" smtClean="0"/>
+              <a:rPr lang="en-US"/>
               <a:t>Click to edit Master title style</a:t>
             </a:r>
             <a:endParaRPr lang="en-US" dirty="0"/>
@@ -9197,7 +9259,7 @@
           <a:p>
             <a:pPr lvl="0"/>
             <a:r>
-              <a:rPr lang="en-US" dirty="0" smtClean="0"/>
+              <a:rPr lang="en-US" dirty="0"/>
               <a:t>RESULT</a:t>
             </a:r>
           </a:p>
@@ -9246,7 +9308,7 @@
           <a:p>
             <a:pPr lvl="0"/>
             <a:r>
-              <a:rPr lang="en-US" dirty="0" smtClean="0"/>
+              <a:rPr lang="en-US" dirty="0"/>
               <a:t>&gt; command</a:t>
             </a:r>
           </a:p>
@@ -9298,7 +9360,7 @@
           <a:p>
             <a:pPr lvl="0"/>
             <a:r>
-              <a:rPr lang="en-US" dirty="0" smtClean="0"/>
+              <a:rPr lang="en-US" dirty="0"/>
               <a:t> </a:t>
             </a:r>
           </a:p>
@@ -9380,7 +9442,7 @@
           </a:lstStyle>
           <a:p>
             <a:r>
-              <a:rPr lang="en-US" smtClean="0"/>
+              <a:rPr lang="en-US"/>
               <a:t>Click to edit Master title style</a:t>
             </a:r>
             <a:endParaRPr lang="en-US" dirty="0"/>
@@ -9446,7 +9508,7 @@
           <a:p>
             <a:pPr lvl="0"/>
             <a:r>
-              <a:rPr lang="en-US" dirty="0" smtClean="0"/>
+              <a:rPr lang="en-US" dirty="0"/>
               <a:t>command or result</a:t>
             </a:r>
           </a:p>
@@ -9492,21 +9554,21 @@
           <a:p>
             <a:pPr lvl="0"/>
             <a:r>
-              <a:rPr lang="en-US" smtClean="0"/>
+              <a:rPr lang="en-US"/>
               <a:t>Click to edit Master text styles</a:t>
             </a:r>
           </a:p>
           <a:p>
             <a:pPr lvl="1"/>
             <a:r>
-              <a:rPr lang="en-US" smtClean="0"/>
+              <a:rPr lang="en-US"/>
               <a:t>Second level</a:t>
             </a:r>
           </a:p>
           <a:p>
             <a:pPr lvl="2"/>
             <a:r>
-              <a:rPr lang="en-US" smtClean="0"/>
+              <a:rPr lang="en-US"/>
               <a:t>Third level</a:t>
             </a:r>
           </a:p>
@@ -9598,14 +9660,14 @@
           </a:ln>
           <a:extLst>
             <a:ext uri="{909E8E84-426E-40dd-AFC4-6F175D3DCCD1}">
-              <a14:hiddenFill xmlns:a14="http://schemas.microsoft.com/office/drawing/2010/main" xmlns="">
+              <a14:hiddenFill xmlns="" xmlns:a14="http://schemas.microsoft.com/office/drawing/2010/main">
                 <a:solidFill>
                   <a:srgbClr val="FFFFFF"/>
                 </a:solidFill>
               </a14:hiddenFill>
             </a:ext>
             <a:ext uri="{91240B29-F687-4f45-9708-019B960494DF}">
-              <a14:hiddenLine xmlns:a14="http://schemas.microsoft.com/office/drawing/2010/main" xmlns="" w="9525">
+              <a14:hiddenLine xmlns="" xmlns:a14="http://schemas.microsoft.com/office/drawing/2010/main" w="9525">
                 <a:solidFill>
                   <a:srgbClr val="000000"/>
                 </a:solidFill>
@@ -9642,7 +9704,7 @@
           </a:lstStyle>
           <a:p>
             <a:r>
-              <a:rPr lang="en-US" smtClean="0"/>
+              <a:rPr lang="en-US"/>
               <a:t>Click to edit Master title style</a:t>
             </a:r>
             <a:endParaRPr lang="en-US" dirty="0"/>
@@ -9712,7 +9774,7 @@
           <a:p>
             <a:pPr lvl="0"/>
             <a:r>
-              <a:rPr lang="en-US" dirty="0" smtClean="0"/>
+              <a:rPr lang="en-US" dirty="0"/>
               <a:t>SOURCE</a:t>
             </a:r>
           </a:p>
@@ -9756,22 +9818,22 @@
           <a:p>
             <a:pPr lvl="0"/>
             <a:r>
-              <a:rPr lang="en-US" dirty="0" smtClean="0"/>
+              <a:rPr lang="en-US" dirty="0"/>
               <a:t>/</a:t>
             </a:r>
             <a:r>
-              <a:rPr lang="en-US" dirty="0" err="1" smtClean="0"/>
+              <a:rPr lang="en-US" dirty="0" err="1"/>
               <a:t>filepath</a:t>
             </a:r>
             <a:r>
-              <a:rPr lang="en-US" dirty="0" smtClean="0"/>
+              <a:rPr lang="en-US" dirty="0"/>
               <a:t>/</a:t>
             </a:r>
             <a:r>
-              <a:rPr lang="en-US" dirty="0" err="1" smtClean="0"/>
+              <a:rPr lang="en-US" dirty="0" err="1"/>
               <a:t>file.rb</a:t>
             </a:r>
-            <a:endParaRPr lang="en-US" dirty="0" smtClean="0"/>
+            <a:endParaRPr lang="en-US" dirty="0"/>
           </a:p>
         </p:txBody>
       </p:sp>
@@ -9813,7 +9875,7 @@
           <a:p>
             <a:pPr lvl="0"/>
             <a:r>
-              <a:rPr lang="en-US" dirty="0" smtClean="0"/>
+              <a:rPr lang="en-US" dirty="0"/>
               <a:t>-</a:t>
             </a:r>
           </a:p>
@@ -9857,7 +9919,7 @@
           <a:p>
             <a:pPr lvl="0"/>
             <a:r>
-              <a:rPr lang="en-US" dirty="0" smtClean="0"/>
+              <a:rPr lang="en-US" dirty="0"/>
               <a:t>+</a:t>
             </a:r>
           </a:p>
@@ -9939,7 +10001,7 @@
           </a:lstStyle>
           <a:p>
             <a:r>
-              <a:rPr lang="en-US" smtClean="0"/>
+              <a:rPr lang="en-US"/>
               <a:t>Click to edit Master title style</a:t>
             </a:r>
             <a:endParaRPr lang="en-US" dirty="0"/>
@@ -9997,7 +10059,7 @@
           <a:p>
             <a:pPr lvl="0"/>
             <a:r>
-              <a:rPr lang="en-US" dirty="0" smtClean="0"/>
+              <a:rPr lang="en-US" dirty="0"/>
               <a:t>source code without a file</a:t>
             </a:r>
           </a:p>
@@ -10041,7 +10103,7 @@
           <a:p>
             <a:pPr lvl="0"/>
             <a:r>
-              <a:rPr lang="en-US" dirty="0" smtClean="0"/>
+              <a:rPr lang="en-US" dirty="0"/>
               <a:t>-</a:t>
             </a:r>
           </a:p>
@@ -10085,7 +10147,7 @@
           <a:p>
             <a:pPr lvl="0"/>
             <a:r>
-              <a:rPr lang="en-US" dirty="0" smtClean="0"/>
+              <a:rPr lang="en-US" dirty="0"/>
               <a:t>+</a:t>
             </a:r>
           </a:p>
@@ -10167,7 +10229,7 @@
           </a:lstStyle>
           <a:p>
             <a:r>
-              <a:rPr lang="en-US" smtClean="0"/>
+              <a:rPr lang="en-US"/>
               <a:t>Click to edit Master title style</a:t>
             </a:r>
             <a:endParaRPr lang="en-US" dirty="0"/>
@@ -10225,7 +10287,7 @@
           <a:p>
             <a:pPr lvl="0"/>
             <a:r>
-              <a:rPr lang="en-US" dirty="0" smtClean="0"/>
+              <a:rPr lang="en-US" dirty="0"/>
               <a:t>source code</a:t>
             </a:r>
           </a:p>
@@ -10271,21 +10333,21 @@
           <a:p>
             <a:pPr lvl="0"/>
             <a:r>
-              <a:rPr lang="en-US" smtClean="0"/>
+              <a:rPr lang="en-US"/>
               <a:t>Click to edit Master text styles</a:t>
             </a:r>
           </a:p>
           <a:p>
             <a:pPr lvl="1"/>
             <a:r>
-              <a:rPr lang="en-US" smtClean="0"/>
+              <a:rPr lang="en-US"/>
               <a:t>Second level</a:t>
             </a:r>
           </a:p>
           <a:p>
             <a:pPr lvl="2"/>
             <a:r>
-              <a:rPr lang="en-US" smtClean="0"/>
+              <a:rPr lang="en-US"/>
               <a:t>Third level</a:t>
             </a:r>
           </a:p>
@@ -10329,7 +10391,7 @@
           <a:p>
             <a:pPr lvl="0"/>
             <a:r>
-              <a:rPr lang="en-US" dirty="0" smtClean="0"/>
+              <a:rPr lang="en-US" dirty="0"/>
               <a:t>-</a:t>
             </a:r>
           </a:p>
@@ -10373,7 +10435,7 @@
           <a:p>
             <a:pPr lvl="0"/>
             <a:r>
-              <a:rPr lang="en-US" dirty="0" smtClean="0"/>
+              <a:rPr lang="en-US" dirty="0"/>
               <a:t>+</a:t>
             </a:r>
           </a:p>
@@ -10456,7 +10518,7 @@
           <a:lstStyle/>
           <a:p>
             <a:r>
-              <a:rPr lang="en-CA" dirty="0" smtClean="0"/>
+              <a:rPr lang="en-CA" dirty="0"/>
               <a:t>Title Text</a:t>
             </a:r>
             <a:endParaRPr lang="en-US" dirty="0"/>
@@ -10490,21 +10552,21 @@
           <a:p>
             <a:pPr lvl="0"/>
             <a:r>
-              <a:rPr lang="en-US" dirty="0" smtClean="0"/>
+              <a:rPr lang="en-US" dirty="0"/>
               <a:t>Click to edit Master text styles</a:t>
             </a:r>
           </a:p>
           <a:p>
             <a:pPr lvl="1"/>
             <a:r>
-              <a:rPr lang="en-US" dirty="0" smtClean="0"/>
+              <a:rPr lang="en-US" dirty="0"/>
               <a:t>Second level</a:t>
             </a:r>
           </a:p>
           <a:p>
             <a:pPr lvl="2"/>
             <a:r>
-              <a:rPr lang="en-US" dirty="0" smtClean="0"/>
+              <a:rPr lang="en-US" dirty="0"/>
               <a:t>Third level</a:t>
             </a:r>
           </a:p>
@@ -10545,14 +10607,14 @@
           </a:ln>
           <a:extLst>
             <a:ext uri="{909E8E84-426E-40dd-AFC4-6F175D3DCCD1}">
-              <a14:hiddenFill xmlns:a14="http://schemas.microsoft.com/office/drawing/2010/main" xmlns="">
+              <a14:hiddenFill xmlns="" xmlns:a14="http://schemas.microsoft.com/office/drawing/2010/main">
                 <a:solidFill>
                   <a:srgbClr val="FFFFFF"/>
                 </a:solidFill>
               </a14:hiddenFill>
             </a:ext>
             <a:ext uri="{91240B29-F687-4f45-9708-019B960494DF}">
-              <a14:hiddenLine xmlns:a14="http://schemas.microsoft.com/office/drawing/2010/main" xmlns="" w="9525">
+              <a14:hiddenLine xmlns="" xmlns:a14="http://schemas.microsoft.com/office/drawing/2010/main" w="9525">
                 <a:solidFill>
                   <a:srgbClr val="000000"/>
                 </a:solidFill>
@@ -10632,39 +10694,6 @@
               <a:defRPr/>
             </a:pPr>
             <a:r>
-              <a:rPr lang="en-US" dirty="0" smtClean="0">
-                <a:solidFill>
-                  <a:srgbClr val="7D868C"/>
-                </a:solidFill>
-                <a:latin typeface="+mn-lt"/>
-                <a:ea typeface="+mn-ea"/>
-                <a:cs typeface="+mn-cs"/>
-              </a:rPr>
-              <a:t>©</a:t>
-            </a:r>
-            <a:r>
-              <a:rPr lang="is-IS" dirty="0" smtClean="0">
-                <a:solidFill>
-                  <a:srgbClr val="7D868C"/>
-                </a:solidFill>
-                <a:latin typeface="+mn-lt"/>
-                <a:ea typeface="+mn-ea"/>
-                <a:cs typeface="+mn-cs"/>
-              </a:rPr>
-              <a:t>2017</a:t>
-            </a:r>
-            <a:r>
-              <a:rPr lang="en-US" dirty="0" smtClean="0">
-                <a:solidFill>
-                  <a:srgbClr val="7D868C"/>
-                </a:solidFill>
-                <a:latin typeface="+mn-lt"/>
-                <a:ea typeface="+mn-ea"/>
-                <a:cs typeface="+mn-cs"/>
-              </a:rPr>
-              <a:t> </a:t>
-            </a:r>
-            <a:r>
               <a:rPr lang="en-US" dirty="0">
                 <a:solidFill>
                   <a:srgbClr val="7D868C"/>
@@ -10673,7 +10702,29 @@
                 <a:ea typeface="+mn-ea"/>
                 <a:cs typeface="+mn-cs"/>
               </a:rPr>
-              <a:t>Chef Software Inc</a:t>
+              <a:t>©</a:t>
+            </a:r>
+            <a:r>
+              <a:rPr lang="is-IS" dirty="0">
+                <a:solidFill>
+                  <a:srgbClr val="7D868C"/>
+                </a:solidFill>
+                <a:latin typeface="+mn-lt"/>
+                <a:ea typeface="+mn-ea"/>
+                <a:cs typeface="+mn-cs"/>
+              </a:rPr>
+              <a:t>2017</a:t>
+            </a:r>
+            <a:r>
+              <a:rPr lang="en-US" dirty="0">
+                <a:solidFill>
+                  <a:srgbClr val="7D868C"/>
+                </a:solidFill>
+                <a:latin typeface="+mn-lt"/>
+                <a:ea typeface="+mn-ea"/>
+                <a:cs typeface="+mn-cs"/>
+              </a:rPr>
+              <a:t> Chef Software Inc</a:t>
             </a:r>
             <a:r>
               <a:rPr lang="en-US" dirty="0">
@@ -10733,7 +10784,7 @@
               <a:defRPr/>
             </a:pPr>
             <a:r>
-              <a:rPr lang="en-US" dirty="0" smtClean="0">
+              <a:rPr lang="en-US" dirty="0">
                 <a:solidFill>
                   <a:srgbClr val="7F7F7F"/>
                 </a:solidFill>
@@ -10795,13 +10846,6 @@
   <p:transition spd="med">
     <p:fade/>
   </p:transition>
-  <p:timing>
-    <p:tnLst>
-      <p:par>
-        <p:cTn id="1" dur="indefinite" restart="never" nodeType="tmRoot"/>
-      </p:par>
-    </p:tnLst>
-  </p:timing>
   <p:hf hdr="0" dt="0"/>
   <p:txStyles>
     <p:titleStyle>
@@ -11284,7 +11328,7 @@
           <a:lstStyle/>
           <a:p>
             <a:r>
-              <a:rPr lang="en-CA" dirty="0" smtClean="0"/>
+              <a:rPr lang="en-CA" dirty="0"/>
               <a:t>Title Text</a:t>
             </a:r>
             <a:endParaRPr lang="en-US" dirty="0"/>
@@ -11326,14 +11370,14 @@
           </a:ln>
           <a:extLst>
             <a:ext uri="{909E8E84-426E-40dd-AFC4-6F175D3DCCD1}">
-              <a14:hiddenFill xmlns:a14="http://schemas.microsoft.com/office/drawing/2010/main" xmlns="">
+              <a14:hiddenFill xmlns="" xmlns:a14="http://schemas.microsoft.com/office/drawing/2010/main">
                 <a:solidFill>
                   <a:srgbClr val="FFFFFF"/>
                 </a:solidFill>
               </a14:hiddenFill>
             </a:ext>
             <a:ext uri="{91240B29-F687-4f45-9708-019B960494DF}">
-              <a14:hiddenLine xmlns:a14="http://schemas.microsoft.com/office/drawing/2010/main" xmlns="" w="9525">
+              <a14:hiddenLine xmlns="" xmlns:a14="http://schemas.microsoft.com/office/drawing/2010/main" w="9525">
                 <a:solidFill>
                   <a:srgbClr val="000000"/>
                 </a:solidFill>
@@ -11413,39 +11457,6 @@
               <a:defRPr/>
             </a:pPr>
             <a:r>
-              <a:rPr lang="en-US" dirty="0" smtClean="0">
-                <a:solidFill>
-                  <a:srgbClr val="7D868C"/>
-                </a:solidFill>
-                <a:latin typeface="+mn-lt"/>
-                <a:ea typeface="+mn-ea"/>
-                <a:cs typeface="+mn-cs"/>
-              </a:rPr>
-              <a:t>©</a:t>
-            </a:r>
-            <a:r>
-              <a:rPr lang="is-IS" dirty="0" smtClean="0">
-                <a:solidFill>
-                  <a:srgbClr val="7D868C"/>
-                </a:solidFill>
-                <a:latin typeface="+mn-lt"/>
-                <a:ea typeface="+mn-ea"/>
-                <a:cs typeface="+mn-cs"/>
-              </a:rPr>
-              <a:t>2017</a:t>
-            </a:r>
-            <a:r>
-              <a:rPr lang="en-US" dirty="0" smtClean="0">
-                <a:solidFill>
-                  <a:srgbClr val="7D868C"/>
-                </a:solidFill>
-                <a:latin typeface="+mn-lt"/>
-                <a:ea typeface="+mn-ea"/>
-                <a:cs typeface="+mn-cs"/>
-              </a:rPr>
-              <a:t> </a:t>
-            </a:r>
-            <a:r>
               <a:rPr lang="en-US" dirty="0">
                 <a:solidFill>
                   <a:srgbClr val="7D868C"/>
@@ -11454,7 +11465,29 @@
                 <a:ea typeface="+mn-ea"/>
                 <a:cs typeface="+mn-cs"/>
               </a:rPr>
-              <a:t>Chef Software Inc</a:t>
+              <a:t>©</a:t>
+            </a:r>
+            <a:r>
+              <a:rPr lang="is-IS" dirty="0">
+                <a:solidFill>
+                  <a:srgbClr val="7D868C"/>
+                </a:solidFill>
+                <a:latin typeface="+mn-lt"/>
+                <a:ea typeface="+mn-ea"/>
+                <a:cs typeface="+mn-cs"/>
+              </a:rPr>
+              <a:t>2017</a:t>
+            </a:r>
+            <a:r>
+              <a:rPr lang="en-US" dirty="0">
+                <a:solidFill>
+                  <a:srgbClr val="7D868C"/>
+                </a:solidFill>
+                <a:latin typeface="+mn-lt"/>
+                <a:ea typeface="+mn-ea"/>
+                <a:cs typeface="+mn-cs"/>
+              </a:rPr>
+              <a:t> Chef Software Inc</a:t>
             </a:r>
             <a:r>
               <a:rPr lang="en-US" dirty="0">
@@ -11514,7 +11547,7 @@
               <a:defRPr/>
             </a:pPr>
             <a:r>
-              <a:rPr lang="en-US" dirty="0" smtClean="0">
+              <a:rPr lang="en-US" dirty="0">
                 <a:solidFill>
                   <a:srgbClr val="7F7F7F"/>
                 </a:solidFill>
@@ -11649,13 +11682,6 @@
   <p:transition spd="med">
     <p:fade/>
   </p:transition>
-  <p:timing>
-    <p:tnLst>
-      <p:par>
-        <p:cTn id="1" dur="indefinite" restart="never" nodeType="tmRoot"/>
-      </p:par>
-    </p:tnLst>
-  </p:timing>
   <p:hf hdr="0" dt="0"/>
   <p:txStyles>
     <p:titleStyle>
@@ -12110,11 +12136,11 @@
           <a:lstStyle/>
           <a:p>
             <a:r>
-              <a:rPr lang="en-US" dirty="0" smtClean="0"/>
+              <a:rPr lang="en-US" dirty="0"/>
               <a:t>Tuning </a:t>
             </a:r>
             <a:r>
-              <a:rPr lang="en-US" dirty="0" err="1" smtClean="0"/>
+              <a:rPr lang="en-US" dirty="0" err="1"/>
               <a:t>Ohai</a:t>
             </a:r>
             <a:endParaRPr lang="en-US" dirty="0"/>
@@ -12153,13 +12179,6 @@
   <p:transition spd="med">
     <p:fade/>
   </p:transition>
-  <p:timing>
-    <p:tnLst>
-      <p:par>
-        <p:cTn id="1" dur="indefinite" restart="never" nodeType="tmRoot"/>
-      </p:par>
-    </p:tnLst>
-  </p:timing>
 </p:sld>
 </file>
 
@@ -12198,18 +12217,17 @@
           <a:lstStyle/>
           <a:p>
             <a:r>
-              <a:rPr lang="en-US" dirty="0" smtClean="0"/>
+              <a:rPr lang="en-US" dirty="0"/>
               <a:t>Run </a:t>
             </a:r>
             <a:r>
-              <a:rPr lang="en-US" dirty="0" err="1" smtClean="0"/>
+              <a:rPr lang="en-US" dirty="0" err="1"/>
               <a:t>Ohai</a:t>
             </a:r>
             <a:r>
-              <a:rPr lang="en-US" dirty="0" smtClean="0"/>
+              <a:rPr lang="en-US" dirty="0"/>
               <a:t> Smoother</a:t>
             </a:r>
-            <a:endParaRPr lang="en-US" dirty="0"/>
           </a:p>
         </p:txBody>
       </p:sp>
@@ -12229,18 +12247,17 @@
           <a:lstStyle/>
           <a:p>
             <a:r>
-              <a:rPr lang="en-US" dirty="0" smtClean="0"/>
+              <a:rPr lang="en-US" dirty="0"/>
               <a:t>There are a few more things to learn about </a:t>
             </a:r>
             <a:r>
-              <a:rPr lang="en-US" dirty="0" err="1" smtClean="0"/>
+              <a:rPr lang="en-US" dirty="0" err="1"/>
               <a:t>Ohai</a:t>
             </a:r>
             <a:r>
-              <a:rPr lang="en-US" dirty="0" smtClean="0"/>
+              <a:rPr lang="en-US" dirty="0"/>
               <a:t> that could help increase performance.</a:t>
             </a:r>
-            <a:endParaRPr lang="en-US" dirty="0"/>
           </a:p>
         </p:txBody>
       </p:sp>
@@ -12264,19 +12281,15 @@
               <a:buChar char="ü"/>
             </a:pPr>
             <a:r>
-              <a:rPr lang="en-US" dirty="0" smtClean="0"/>
-              <a:t>Configure </a:t>
-            </a:r>
-            <a:r>
               <a:rPr lang="en-US" dirty="0"/>
-              <a:t>the node to automatically load </a:t>
-            </a:r>
-            <a:r>
-              <a:rPr lang="en-US" dirty="0" err="1" smtClean="0"/>
+              <a:t>Configure the node to automatically load </a:t>
+            </a:r>
+            <a:r>
+              <a:rPr lang="en-US" dirty="0" err="1"/>
               <a:t>ohai</a:t>
             </a:r>
             <a:r>
-              <a:rPr lang="en-US" dirty="0" smtClean="0"/>
+              <a:rPr lang="en-US" dirty="0"/>
               <a:t> plugins</a:t>
             </a:r>
           </a:p>
@@ -12295,13 +12308,8 @@
             </a:r>
             <a:r>
               <a:rPr lang="en-US" dirty="0"/>
-              <a:t> </a:t>
-            </a:r>
-            <a:r>
-              <a:rPr lang="en-US" dirty="0" smtClean="0"/>
-              <a:t>hints</a:t>
-            </a:r>
-            <a:endParaRPr lang="en-US" dirty="0"/>
+              <a:t> hints</a:t>
+            </a:r>
           </a:p>
           <a:p>
             <a:pPr marL="457200" indent="-457200">
@@ -12309,18 +12317,9 @@
               <a:buChar char="q"/>
             </a:pPr>
             <a:r>
-              <a:rPr lang="en-US" dirty="0" smtClean="0"/>
-              <a:t>Remove </a:t>
-            </a:r>
-            <a:r>
               <a:rPr lang="en-US" dirty="0"/>
-              <a:t>plugins that you do not want </a:t>
-            </a:r>
-            <a:r>
-              <a:rPr lang="en-US" dirty="0" smtClean="0"/>
-              <a:t>executed</a:t>
-            </a:r>
-            <a:endParaRPr lang="en-US" dirty="0"/>
+              <a:t>Remove plugins that you do not want executed</a:t>
+            </a:r>
           </a:p>
           <a:p>
             <a:pPr marL="457200" indent="-457200">
@@ -12328,10 +12327,9 @@
               <a:buChar char="q"/>
             </a:pPr>
             <a:r>
-              <a:rPr lang="en-US" dirty="0" smtClean="0"/>
+              <a:rPr lang="en-US" dirty="0"/>
               <a:t>Choose only the plugins you want executed</a:t>
             </a:r>
-            <a:endParaRPr lang="en-US" dirty="0"/>
           </a:p>
           <a:p>
             <a:pPr marL="342900" indent="-342900">
@@ -12393,10 +12391,9 @@
           <a:lstStyle/>
           <a:p>
             <a:r>
-              <a:rPr lang="en-US" dirty="0" smtClean="0"/>
+              <a:rPr lang="en-US" dirty="0"/>
               <a:t>Not all Node Plugins are Executed</a:t>
             </a:r>
-            <a:endParaRPr lang="en-US" dirty="0"/>
           </a:p>
         </p:txBody>
       </p:sp>
@@ -12416,7 +12413,7 @@
           <a:lstStyle/>
           <a:p>
             <a:r>
-              <a:rPr lang="en-US" dirty="0" smtClean="0"/>
+              <a:rPr lang="en-US" dirty="0"/>
               <a:t>Some of the plugins will not automatically run against your node. This is particularly true of the cloud provider plugins. As the node does not often know the environment in which is being run.</a:t>
             </a:r>
           </a:p>
@@ -12473,14 +12470,13 @@
           <a:lstStyle/>
           <a:p>
             <a:r>
-              <a:rPr lang="en-US" dirty="0" err="1" smtClean="0"/>
+              <a:rPr lang="en-US" dirty="0" err="1"/>
               <a:t>Ohai</a:t>
             </a:r>
             <a:r>
-              <a:rPr lang="en-US" dirty="0" smtClean="0"/>
+              <a:rPr lang="en-US" dirty="0"/>
               <a:t> Hints</a:t>
             </a:r>
-            <a:endParaRPr lang="en-US" dirty="0"/>
           </a:p>
         </p:txBody>
       </p:sp>
@@ -12500,10 +12496,9 @@
           <a:lstStyle/>
           <a:p>
             <a:r>
-              <a:rPr lang="en-US" dirty="0" smtClean="0"/>
+              <a:rPr lang="en-US" dirty="0"/>
               <a:t>For those plugins that are not executed you can leave them a hint file that will ensure they are executed.</a:t>
             </a:r>
-            <a:endParaRPr lang="en-US" dirty="0"/>
           </a:p>
         </p:txBody>
       </p:sp>
@@ -12558,10 +12553,9 @@
           <a:lstStyle/>
           <a:p>
             <a:r>
-              <a:rPr lang="en-US" dirty="0" smtClean="0"/>
+              <a:rPr lang="en-US" dirty="0"/>
               <a:t>The Work</a:t>
             </a:r>
-            <a:endParaRPr lang="en-US" dirty="0"/>
           </a:p>
         </p:txBody>
       </p:sp>
@@ -12589,20 +12583,12 @@
               <a:t>Add the </a:t>
             </a:r>
             <a:r>
-              <a:rPr lang="en-US" dirty="0" err="1" smtClean="0"/>
+              <a:rPr lang="en-US" dirty="0" err="1"/>
               <a:t>ohai</a:t>
             </a:r>
             <a:r>
-              <a:rPr lang="en-US" dirty="0" smtClean="0"/>
-              <a:t> cookbook </a:t>
-            </a:r>
-            <a:r>
               <a:rPr lang="en-US" dirty="0"/>
-              <a:t>to your cookbook </a:t>
-            </a:r>
-            <a:r>
-              <a:rPr lang="en-US" dirty="0" smtClean="0"/>
-              <a:t>collection</a:t>
+              <a:t> cookbook to your cookbook collection</a:t>
             </a:r>
           </a:p>
           <a:p>
@@ -12611,23 +12597,23 @@
               <a:buChar char="•"/>
             </a:pPr>
             <a:r>
-              <a:rPr lang="en-US" dirty="0" smtClean="0"/>
+              <a:rPr lang="en-US" dirty="0"/>
               <a:t>Define a recipe that uses the </a:t>
             </a:r>
             <a:r>
-              <a:rPr lang="en-US" dirty="0" err="1" smtClean="0"/>
+              <a:rPr lang="en-US" dirty="0" err="1"/>
               <a:t>ohai</a:t>
             </a:r>
             <a:r>
-              <a:rPr lang="en-US" dirty="0" smtClean="0"/>
+              <a:rPr lang="en-US" dirty="0"/>
               <a:t> cookbook's </a:t>
             </a:r>
             <a:r>
-              <a:rPr lang="en-US" dirty="0" err="1" smtClean="0"/>
+              <a:rPr lang="en-US" dirty="0" err="1"/>
               <a:t>ohai_hint</a:t>
             </a:r>
             <a:r>
-              <a:rPr lang="en-US" dirty="0" smtClean="0"/>
+              <a:rPr lang="en-US" dirty="0"/>
               <a:t> resource</a:t>
             </a:r>
           </a:p>
@@ -12638,16 +12624,46 @@
             </a:pPr>
             <a:r>
               <a:rPr lang="en-US" dirty="0"/>
-              <a:t>Add </a:t>
-            </a:r>
-            <a:r>
-              <a:rPr lang="en-US" dirty="0" smtClean="0"/>
-              <a:t>this recipe to </a:t>
-            </a:r>
-            <a:r>
-              <a:rPr lang="en-US" dirty="0"/>
-              <a:t>every node's run list</a:t>
-            </a:r>
+              <a:t>Add this recipe to every node's run list</a:t>
+            </a:r>
+          </a:p>
+        </p:txBody>
+      </p:sp>
+      <p:sp>
+        <p:nvSpPr>
+          <p:cNvPr id="2" name="TextBox 1">
+            <a:extLst>
+              <a:ext uri="{FF2B5EF4-FFF2-40B4-BE49-F238E27FC236}">
+                <a16:creationId xmlns:a16="http://schemas.microsoft.com/office/drawing/2014/main" id="{5525A3D1-CCA3-44F7-8421-5D16B9488552}"/>
+              </a:ext>
+            </a:extLst>
+          </p:cNvPr>
+          <p:cNvSpPr txBox="1"/>
+          <p:nvPr/>
+        </p:nvSpPr>
+        <p:spPr bwMode="white">
+          <a:xfrm>
+            <a:off x="4718050" y="7467600"/>
+            <a:ext cx="6819900" cy="514350"/>
+          </a:xfrm>
+          <a:prstGeom prst="rect">
+            <a:avLst/>
+          </a:prstGeom>
+        </p:spPr>
+        <p:txBody>
+          <a:bodyPr vert="horz" wrap="square" lIns="91440" tIns="91440" rIns="91440" bIns="91440" rtlCol="0">
+            <a:normAutofit lnSpcReduction="10000"/>
+          </a:bodyPr>
+          <a:lstStyle/>
+          <a:p>
+            <a:pPr algn="ctr"/>
+            <a:r>
+              <a:rPr lang="en-US" dirty="0">
+                <a:hlinkClick r:id="rId3"/>
+              </a:rPr>
+              <a:t>https://github.com/chef-cookbooks/ohai</a:t>
+            </a:r>
+            <a:endParaRPr lang="en-US" dirty="0"/>
           </a:p>
         </p:txBody>
       </p:sp>
@@ -12686,7 +12702,7 @@
       </p:grpSpPr>
       <p:sp>
         <p:nvSpPr>
-          <p:cNvPr id="2" name="Title 1"/>
+          <p:cNvPr id="4" name="Title 3"/>
           <p:cNvSpPr>
             <a:spLocks noGrp="1"/>
           </p:cNvSpPr>
@@ -12702,29 +12718,20 @@
           <a:lstStyle/>
           <a:p>
             <a:r>
-              <a:rPr lang="en-US" dirty="0" smtClean="0"/>
-              <a:t>Run </a:t>
-            </a:r>
-            <a:r>
-              <a:rPr lang="en-US" dirty="0" err="1" smtClean="0"/>
-              <a:t>Ohai</a:t>
-            </a:r>
-            <a:r>
-              <a:rPr lang="en-US" dirty="0" smtClean="0"/>
-              <a:t> Smoother</a:t>
-            </a:r>
-            <a:endParaRPr lang="en-US" dirty="0"/>
-          </a:p>
-        </p:txBody>
-      </p:sp>
-      <p:sp>
-        <p:nvSpPr>
-          <p:cNvPr id="3" name="Content Placeholder 2"/>
-          <p:cNvSpPr>
-            <a:spLocks noGrp="1"/>
-          </p:cNvSpPr>
-          <p:nvPr>
-            <p:ph sz="quarter" idx="11"/>
+              <a:rPr lang="en-US" dirty="0"/>
+              <a:t> </a:t>
+            </a:r>
+          </a:p>
+        </p:txBody>
+      </p:sp>
+      <p:sp>
+        <p:nvSpPr>
+          <p:cNvPr id="5" name="Subtitle 4"/>
+          <p:cNvSpPr>
+            <a:spLocks noGrp="1"/>
+          </p:cNvSpPr>
+          <p:nvPr>
+            <p:ph type="subTitle" idx="1"/>
           </p:nvPr>
         </p:nvSpPr>
         <p:spPr/>
@@ -12733,123 +12740,46 @@
           <a:lstStyle/>
           <a:p>
             <a:r>
-              <a:rPr lang="en-US" dirty="0" smtClean="0"/>
-              <a:t>There are a few more things to learn about </a:t>
-            </a:r>
-            <a:r>
-              <a:rPr lang="en-US" dirty="0" err="1" smtClean="0"/>
-              <a:t>Ohai</a:t>
-            </a:r>
-            <a:r>
-              <a:rPr lang="en-US" dirty="0" smtClean="0"/>
-              <a:t> that could help increase performance.</a:t>
-            </a:r>
-            <a:endParaRPr lang="en-US" dirty="0"/>
-          </a:p>
-        </p:txBody>
-      </p:sp>
-      <p:sp>
-        <p:nvSpPr>
-          <p:cNvPr id="4" name="Text Placeholder 3"/>
-          <p:cNvSpPr>
-            <a:spLocks noGrp="1"/>
-          </p:cNvSpPr>
-          <p:nvPr>
-            <p:ph type="body" sz="quarter" idx="10"/>
-          </p:nvPr>
-        </p:nvSpPr>
-        <p:spPr/>
-        <p:txBody>
-          <a:bodyPr/>
-          <a:lstStyle/>
-          <a:p>
-            <a:pPr marL="457200" indent="-457200">
-              <a:buFont typeface="Wingdings" charset="2"/>
-              <a:buChar char="ü"/>
-            </a:pPr>
-            <a:r>
-              <a:rPr lang="en-US" dirty="0" smtClean="0"/>
-              <a:t>Configure </a:t>
-            </a:r>
-            <a:r>
-              <a:rPr lang="en-US" dirty="0"/>
-              <a:t>the node to automatically load </a:t>
-            </a:r>
-            <a:r>
-              <a:rPr lang="en-US" dirty="0" err="1" smtClean="0"/>
-              <a:t>ohai</a:t>
-            </a:r>
-            <a:r>
-              <a:rPr lang="en-US" dirty="0" smtClean="0"/>
-              <a:t> plugins</a:t>
-            </a:r>
-          </a:p>
-          <a:p>
-            <a:pPr marL="457200" indent="-457200">
-              <a:buFont typeface="Wingdings" charset="2"/>
-              <a:buChar char="ü"/>
-            </a:pPr>
-            <a:r>
-              <a:rPr lang="en-US" dirty="0"/>
-              <a:t>Enable </a:t>
-            </a:r>
-            <a:r>
-              <a:rPr lang="en-US" dirty="0" err="1"/>
-              <a:t>ohai</a:t>
-            </a:r>
-            <a:r>
               <a:rPr lang="en-US" dirty="0"/>
               <a:t> </a:t>
             </a:r>
-            <a:r>
-              <a:rPr lang="en-US" dirty="0" smtClean="0"/>
-              <a:t>hints</a:t>
-            </a:r>
-            <a:endParaRPr lang="en-US" dirty="0"/>
-          </a:p>
-          <a:p>
-            <a:pPr marL="457200" indent="-457200">
-              <a:buFont typeface="Wingdings" charset="2"/>
-              <a:buChar char="q"/>
-            </a:pPr>
-            <a:r>
-              <a:rPr lang="en-US" dirty="0" smtClean="0"/>
-              <a:t>Remove </a:t>
-            </a:r>
-            <a:r>
-              <a:rPr lang="en-US" dirty="0"/>
-              <a:t>plugins that you do not want </a:t>
-            </a:r>
-            <a:r>
-              <a:rPr lang="en-US" dirty="0" smtClean="0"/>
-              <a:t>executed</a:t>
-            </a:r>
-            <a:endParaRPr lang="en-US" dirty="0"/>
-          </a:p>
-          <a:p>
-            <a:pPr marL="457200" indent="-457200">
-              <a:buFont typeface="Wingdings" charset="2"/>
-              <a:buChar char="q"/>
-            </a:pPr>
-            <a:r>
-              <a:rPr lang="en-US" dirty="0" smtClean="0"/>
-              <a:t>Choose only the plugins you want executed</a:t>
-            </a:r>
-            <a:endParaRPr lang="en-US" dirty="0"/>
-          </a:p>
-          <a:p>
-            <a:pPr marL="342900" indent="-342900">
-              <a:buFont typeface="Wingdings" charset="2"/>
-              <a:buChar char="q"/>
-            </a:pPr>
-            <a:endParaRPr lang="en-US" dirty="0"/>
-          </a:p>
-        </p:txBody>
-      </p:sp>
+          </a:p>
+        </p:txBody>
+      </p:sp>
+      <p:pic>
+        <p:nvPicPr>
+          <p:cNvPr id="3" name="Picture 2">
+            <a:extLst>
+              <a:ext uri="{FF2B5EF4-FFF2-40B4-BE49-F238E27FC236}">
+                <a16:creationId xmlns:a16="http://schemas.microsoft.com/office/drawing/2014/main" id="{EE303063-E7CB-49DE-826F-7BC93ED02751}"/>
+              </a:ext>
+            </a:extLst>
+          </p:cNvPr>
+          <p:cNvPicPr>
+            <a:picLocks noChangeAspect="1"/>
+          </p:cNvPicPr>
+          <p:nvPr/>
+        </p:nvPicPr>
+        <p:blipFill>
+          <a:blip r:embed="rId3"/>
+          <a:stretch>
+            <a:fillRect/>
+          </a:stretch>
+        </p:blipFill>
+        <p:spPr>
+          <a:xfrm>
+            <a:off x="3668713" y="2720974"/>
+            <a:ext cx="9285288" cy="5432425"/>
+          </a:xfrm>
+          <a:prstGeom prst="rect">
+            <a:avLst/>
+          </a:prstGeom>
+        </p:spPr>
+      </p:pic>
     </p:spTree>
     <p:extLst>
       <p:ext uri="{BB962C8B-B14F-4D97-AF65-F5344CB8AC3E}">
-        <p14:creationId xmlns:p14="http://schemas.microsoft.com/office/powerpoint/2010/main" val="118661711"/>
+        <p14:creationId xmlns:p14="http://schemas.microsoft.com/office/powerpoint/2010/main" val="1286879662"/>
       </p:ext>
     </p:extLst>
   </p:cSld>
@@ -12881,6 +12811,180 @@
       </p:grpSpPr>
       <p:sp>
         <p:nvSpPr>
+          <p:cNvPr id="2" name="Title 1"/>
+          <p:cNvSpPr>
+            <a:spLocks noGrp="1"/>
+          </p:cNvSpPr>
+          <p:nvPr>
+            <p:ph type="ctrTitle"/>
+          </p:nvPr>
+        </p:nvSpPr>
+        <p:spPr/>
+        <p:txBody>
+          <a:bodyPr>
+            <a:normAutofit fontScale="90000"/>
+          </a:bodyPr>
+          <a:lstStyle/>
+          <a:p>
+            <a:r>
+              <a:rPr lang="en-US" dirty="0"/>
+              <a:t>Run </a:t>
+            </a:r>
+            <a:r>
+              <a:rPr lang="en-US" dirty="0" err="1"/>
+              <a:t>Ohai</a:t>
+            </a:r>
+            <a:r>
+              <a:rPr lang="en-US" dirty="0"/>
+              <a:t> Smoother</a:t>
+            </a:r>
+          </a:p>
+        </p:txBody>
+      </p:sp>
+      <p:sp>
+        <p:nvSpPr>
+          <p:cNvPr id="3" name="Content Placeholder 2"/>
+          <p:cNvSpPr>
+            <a:spLocks noGrp="1"/>
+          </p:cNvSpPr>
+          <p:nvPr>
+            <p:ph sz="quarter" idx="11"/>
+          </p:nvPr>
+        </p:nvSpPr>
+        <p:spPr/>
+        <p:txBody>
+          <a:bodyPr/>
+          <a:lstStyle/>
+          <a:p>
+            <a:r>
+              <a:rPr lang="en-US" dirty="0"/>
+              <a:t>There are a few more things to learn about </a:t>
+            </a:r>
+            <a:r>
+              <a:rPr lang="en-US" dirty="0" err="1"/>
+              <a:t>Ohai</a:t>
+            </a:r>
+            <a:r>
+              <a:rPr lang="en-US" dirty="0"/>
+              <a:t> that could help increase performance.</a:t>
+            </a:r>
+          </a:p>
+        </p:txBody>
+      </p:sp>
+      <p:sp>
+        <p:nvSpPr>
+          <p:cNvPr id="4" name="Text Placeholder 3"/>
+          <p:cNvSpPr>
+            <a:spLocks noGrp="1"/>
+          </p:cNvSpPr>
+          <p:nvPr>
+            <p:ph type="body" sz="quarter" idx="10"/>
+          </p:nvPr>
+        </p:nvSpPr>
+        <p:spPr/>
+        <p:txBody>
+          <a:bodyPr/>
+          <a:lstStyle/>
+          <a:p>
+            <a:pPr marL="457200" indent="-457200">
+              <a:buFont typeface="Wingdings" charset="2"/>
+              <a:buChar char="ü"/>
+            </a:pPr>
+            <a:r>
+              <a:rPr lang="en-US" dirty="0"/>
+              <a:t>Configure the node to automatically load </a:t>
+            </a:r>
+            <a:r>
+              <a:rPr lang="en-US" dirty="0" err="1"/>
+              <a:t>ohai</a:t>
+            </a:r>
+            <a:r>
+              <a:rPr lang="en-US" dirty="0"/>
+              <a:t> plugins</a:t>
+            </a:r>
+          </a:p>
+          <a:p>
+            <a:pPr marL="457200" indent="-457200">
+              <a:buFont typeface="Wingdings" charset="2"/>
+              <a:buChar char="ü"/>
+            </a:pPr>
+            <a:r>
+              <a:rPr lang="en-US" dirty="0"/>
+              <a:t>Enable </a:t>
+            </a:r>
+            <a:r>
+              <a:rPr lang="en-US" dirty="0" err="1"/>
+              <a:t>ohai</a:t>
+            </a:r>
+            <a:r>
+              <a:rPr lang="en-US" dirty="0"/>
+              <a:t> hints</a:t>
+            </a:r>
+          </a:p>
+          <a:p>
+            <a:pPr marL="457200" indent="-457200">
+              <a:buFont typeface="Wingdings" charset="2"/>
+              <a:buChar char="q"/>
+            </a:pPr>
+            <a:r>
+              <a:rPr lang="en-US" dirty="0"/>
+              <a:t>Remove plugins that you do not want executed</a:t>
+            </a:r>
+          </a:p>
+          <a:p>
+            <a:pPr marL="457200" indent="-457200">
+              <a:buFont typeface="Wingdings" charset="2"/>
+              <a:buChar char="q"/>
+            </a:pPr>
+            <a:r>
+              <a:rPr lang="en-US" dirty="0"/>
+              <a:t>Choose only the plugins you want executed</a:t>
+            </a:r>
+          </a:p>
+          <a:p>
+            <a:pPr marL="342900" indent="-342900">
+              <a:buFont typeface="Wingdings" charset="2"/>
+              <a:buChar char="q"/>
+            </a:pPr>
+            <a:endParaRPr lang="en-US" dirty="0"/>
+          </a:p>
+        </p:txBody>
+      </p:sp>
+    </p:spTree>
+    <p:extLst>
+      <p:ext uri="{BB962C8B-B14F-4D97-AF65-F5344CB8AC3E}">
+        <p14:creationId xmlns:p14="http://schemas.microsoft.com/office/powerpoint/2010/main" val="118661711"/>
+      </p:ext>
+    </p:extLst>
+  </p:cSld>
+  <p:clrMapOvr>
+    <a:masterClrMapping/>
+  </p:clrMapOvr>
+  <p:transition spd="med">
+    <p:fade/>
+  </p:transition>
+</p:sld>
+</file>
+
+<file path=ppt/slides/slide16.xml><?xml version="1.0" encoding="utf-8"?>
+<p:sld xmlns:a="http://schemas.openxmlformats.org/drawingml/2006/main" xmlns:r="http://schemas.openxmlformats.org/officeDocument/2006/relationships" xmlns:p="http://schemas.openxmlformats.org/presentationml/2006/main">
+  <p:cSld>
+    <p:spTree>
+      <p:nvGrpSpPr>
+        <p:cNvPr id="1" name=""/>
+        <p:cNvGrpSpPr/>
+        <p:nvPr/>
+      </p:nvGrpSpPr>
+      <p:grpSpPr>
+        <a:xfrm>
+          <a:off x="0" y="0"/>
+          <a:ext cx="0" cy="0"/>
+          <a:chOff x="0" y="0"/>
+          <a:chExt cx="0" cy="0"/>
+        </a:xfrm>
+      </p:grpSpPr>
+      <p:sp>
+        <p:nvSpPr>
           <p:cNvPr id="11" name="Title 10"/>
           <p:cNvSpPr>
             <a:spLocks noGrp="1"/>
@@ -12921,7 +13025,7 @@
                 <a:ea typeface="Courier New" charset="0"/>
                 <a:cs typeface="Courier New" charset="0"/>
               </a:rPr>
-              <a:t>&lt;% if </a:t>
+              <a:t>&lt;% unless node["</a:t>
             </a:r>
             <a:r>
               <a:rPr lang="en-US" sz="2400" b="1" dirty="0" err="1">
@@ -12929,7 +13033,7 @@
                 <a:ea typeface="Courier New" charset="0"/>
                 <a:cs typeface="Courier New" charset="0"/>
               </a:rPr>
-              <a:t>node.attribute</a:t>
+              <a:t>ohai</a:t>
             </a:r>
             <a:r>
               <a:rPr lang="en-US" sz="2400" b="1" dirty="0">
@@ -12937,7 +13041,7 @@
                 <a:ea typeface="Courier New" charset="0"/>
                 <a:cs typeface="Courier New" charset="0"/>
               </a:rPr>
-              <a:t>?("</a:t>
+              <a:t>"]["</a:t>
             </a:r>
             <a:r>
               <a:rPr lang="en-US" sz="2400" b="1" dirty="0" err="1">
@@ -12945,7 +13049,7 @@
                 <a:ea typeface="Courier New" charset="0"/>
                 <a:cs typeface="Courier New" charset="0"/>
               </a:rPr>
-              <a:t>ohai</a:t>
+              <a:t>plugin_path</a:t>
             </a:r>
             <a:r>
               <a:rPr lang="en-US" sz="2400" b="1" dirty="0">
@@ -12953,15 +13057,17 @@
                 <a:ea typeface="Courier New" charset="0"/>
                 <a:cs typeface="Courier New" charset="0"/>
               </a:rPr>
-              <a:t>") &amp;&amp; node["</a:t>
-            </a:r>
+              <a:t>"].nil? -%&gt;</a:t>
+            </a:r>
+          </a:p>
+          <a:p>
             <a:r>
               <a:rPr lang="en-US" sz="2400" b="1" dirty="0" err="1">
                 <a:latin typeface="Courier New" charset="0"/>
                 <a:ea typeface="Courier New" charset="0"/>
                 <a:cs typeface="Courier New" charset="0"/>
               </a:rPr>
-              <a:t>ohai</a:t>
+              <a:t>ohai.plugin_path</a:t>
             </a:r>
             <a:r>
               <a:rPr lang="en-US" sz="2400" b="1" dirty="0">
@@ -12969,7 +13075,7 @@
                 <a:ea typeface="Courier New" charset="0"/>
                 <a:cs typeface="Courier New" charset="0"/>
               </a:rPr>
-              <a:t>"].attribute?("</a:t>
+              <a:t> &lt;&lt; "&lt;%= node["</a:t>
             </a:r>
             <a:r>
               <a:rPr lang="en-US" sz="2400" b="1" dirty="0" err="1">
@@ -12977,7 +13083,7 @@
                 <a:ea typeface="Courier New" charset="0"/>
                 <a:cs typeface="Courier New" charset="0"/>
               </a:rPr>
-              <a:t>plugin_path</a:t>
+              <a:t>ohai</a:t>
             </a:r>
             <a:r>
               <a:rPr lang="en-US" sz="2400" b="1" dirty="0">
@@ -12985,7 +13091,167 @@
                 <a:ea typeface="Courier New" charset="0"/>
                 <a:cs typeface="Courier New" charset="0"/>
               </a:rPr>
-              <a:t>") -%&gt;</a:t>
+              <a:t>"]["</a:t>
+            </a:r>
+            <a:r>
+              <a:rPr lang="en-US" sz="2400" b="1" dirty="0" err="1">
+                <a:latin typeface="Courier New" charset="0"/>
+                <a:ea typeface="Courier New" charset="0"/>
+                <a:cs typeface="Courier New" charset="0"/>
+              </a:rPr>
+              <a:t>plugin_path</a:t>
+            </a:r>
+            <a:r>
+              <a:rPr lang="en-US" sz="2400" b="1" dirty="0">
+                <a:latin typeface="Courier New" charset="0"/>
+                <a:ea typeface="Courier New" charset="0"/>
+                <a:cs typeface="Courier New" charset="0"/>
+              </a:rPr>
+              <a:t>"] %&gt;"</a:t>
+            </a:r>
+          </a:p>
+          <a:p>
+            <a:r>
+              <a:rPr lang="en-US" sz="2400" b="1" dirty="0">
+                <a:latin typeface="Courier New" charset="0"/>
+                <a:ea typeface="Courier New" charset="0"/>
+                <a:cs typeface="Courier New" charset="0"/>
+              </a:rPr>
+              <a:t>&lt;% end -%&gt;</a:t>
+            </a:r>
+          </a:p>
+          <a:p>
+            <a:r>
+              <a:rPr lang="en-US" sz="2400" b="1" dirty="0">
+                <a:latin typeface="Courier New" charset="0"/>
+                <a:ea typeface="Courier New" charset="0"/>
+                <a:cs typeface="Courier New" charset="0"/>
+              </a:rPr>
+              <a:t>&lt;% unless @</a:t>
+            </a:r>
+            <a:r>
+              <a:rPr lang="en-US" sz="2400" b="1" dirty="0" err="1">
+                <a:latin typeface="Courier New" charset="0"/>
+                <a:ea typeface="Courier New" charset="0"/>
+                <a:cs typeface="Courier New" charset="0"/>
+              </a:rPr>
+              <a:t>ohai_disabled_plugins.empty</a:t>
+            </a:r>
+            <a:r>
+              <a:rPr lang="en-US" sz="2400" b="1" dirty="0">
+                <a:latin typeface="Courier New" charset="0"/>
+                <a:ea typeface="Courier New" charset="0"/>
+                <a:cs typeface="Courier New" charset="0"/>
+              </a:rPr>
+              <a:t>? -%&gt;</a:t>
+            </a:r>
+          </a:p>
+          <a:p>
+            <a:r>
+              <a:rPr lang="en-US" sz="2400" b="1" dirty="0" err="1">
+                <a:latin typeface="Courier New" charset="0"/>
+                <a:ea typeface="Courier New" charset="0"/>
+                <a:cs typeface="Courier New" charset="0"/>
+              </a:rPr>
+              <a:t>ohai.disabled_plugins</a:t>
+            </a:r>
+            <a:r>
+              <a:rPr lang="en-US" sz="2400" b="1" dirty="0">
+                <a:latin typeface="Courier New" charset="0"/>
+                <a:ea typeface="Courier New" charset="0"/>
+                <a:cs typeface="Courier New" charset="0"/>
+              </a:rPr>
+              <a:t> = [&lt;%= @</a:t>
+            </a:r>
+            <a:r>
+              <a:rPr lang="en-US" sz="2400" b="1" dirty="0" err="1">
+                <a:latin typeface="Courier New" charset="0"/>
+                <a:ea typeface="Courier New" charset="0"/>
+                <a:cs typeface="Courier New" charset="0"/>
+              </a:rPr>
+              <a:t>ohai_disabled_plugins.map</a:t>
+            </a:r>
+            <a:r>
+              <a:rPr lang="en-US" sz="2400" b="1" dirty="0">
+                <a:latin typeface="Courier New" charset="0"/>
+                <a:ea typeface="Courier New" charset="0"/>
+                <a:cs typeface="Courier New" charset="0"/>
+              </a:rPr>
+              <a:t> { |k| </a:t>
+            </a:r>
+            <a:r>
+              <a:rPr lang="en-US" sz="2400" b="1" dirty="0" err="1">
+                <a:latin typeface="Courier New" charset="0"/>
+                <a:ea typeface="Courier New" charset="0"/>
+                <a:cs typeface="Courier New" charset="0"/>
+              </a:rPr>
+              <a:t>k.match</a:t>
+            </a:r>
+            <a:r>
+              <a:rPr lang="en-US" sz="2400" b="1" dirty="0">
+                <a:latin typeface="Courier New" charset="0"/>
+                <a:ea typeface="Courier New" charset="0"/>
+                <a:cs typeface="Courier New" charset="0"/>
+              </a:rPr>
+              <a:t>(/:/) ? </a:t>
+            </a:r>
+            <a:r>
+              <a:rPr lang="en-US" sz="2400" b="1" dirty="0" err="1">
+                <a:latin typeface="Courier New" charset="0"/>
+                <a:ea typeface="Courier New" charset="0"/>
+                <a:cs typeface="Courier New" charset="0"/>
+              </a:rPr>
+              <a:t>k.gsub</a:t>
+            </a:r>
+            <a:r>
+              <a:rPr lang="en-US" sz="2400" b="1" dirty="0">
+                <a:latin typeface="Courier New" charset="0"/>
+                <a:ea typeface="Courier New" charset="0"/>
+                <a:cs typeface="Courier New" charset="0"/>
+              </a:rPr>
+              <a:t>(/^:/, '').</a:t>
+            </a:r>
+            <a:r>
+              <a:rPr lang="en-US" sz="2400" b="1" dirty="0" err="1">
+                <a:latin typeface="Courier New" charset="0"/>
+                <a:ea typeface="Courier New" charset="0"/>
+                <a:cs typeface="Courier New" charset="0"/>
+              </a:rPr>
+              <a:t>to_sym.inspect</a:t>
+            </a:r>
+            <a:r>
+              <a:rPr lang="en-US" sz="2400" b="1" dirty="0">
+                <a:latin typeface="Courier New" charset="0"/>
+                <a:ea typeface="Courier New" charset="0"/>
+                <a:cs typeface="Courier New" charset="0"/>
+              </a:rPr>
+              <a:t> : </a:t>
+            </a:r>
+            <a:r>
+              <a:rPr lang="en-US" sz="2400" b="1" dirty="0" err="1">
+                <a:latin typeface="Courier New" charset="0"/>
+                <a:ea typeface="Courier New" charset="0"/>
+                <a:cs typeface="Courier New" charset="0"/>
+              </a:rPr>
+              <a:t>k.inspect</a:t>
+            </a:r>
+            <a:r>
+              <a:rPr lang="en-US" sz="2400" b="1" dirty="0">
+                <a:latin typeface="Courier New" charset="0"/>
+                <a:ea typeface="Courier New" charset="0"/>
+                <a:cs typeface="Courier New" charset="0"/>
+              </a:rPr>
+              <a:t> }.join(",") %&gt;]</a:t>
+            </a:r>
+          </a:p>
+          <a:p>
+            <a:r>
+              <a:rPr lang="en-US" sz="2400" b="1" dirty="0">
+                <a:latin typeface="Courier New" charset="0"/>
+                <a:ea typeface="Courier New" charset="0"/>
+                <a:cs typeface="Courier New" charset="0"/>
+              </a:rPr>
+              <a:t>&lt;% end -%&gt;</a:t>
             </a:r>
           </a:p>
           <a:p>
@@ -12995,214 +13261,6 @@
               <a:cs typeface="Courier New" charset="0"/>
             </a:endParaRPr>
           </a:p>
-          <a:p>
-            <a:r>
-              <a:rPr lang="en-US" sz="2400" b="1" dirty="0" err="1">
-                <a:latin typeface="Courier New" charset="0"/>
-                <a:ea typeface="Courier New" charset="0"/>
-                <a:cs typeface="Courier New" charset="0"/>
-              </a:rPr>
-              <a:t>Ohai</a:t>
-            </a:r>
-            <a:r>
-              <a:rPr lang="en-US" sz="2400" b="1" dirty="0">
-                <a:latin typeface="Courier New" charset="0"/>
-                <a:ea typeface="Courier New" charset="0"/>
-                <a:cs typeface="Courier New" charset="0"/>
-              </a:rPr>
-              <a:t>::</a:t>
-            </a:r>
-            <a:r>
-              <a:rPr lang="en-US" sz="2400" b="1" dirty="0" err="1">
-                <a:latin typeface="Courier New" charset="0"/>
-                <a:ea typeface="Courier New" charset="0"/>
-                <a:cs typeface="Courier New" charset="0"/>
-              </a:rPr>
-              <a:t>Config</a:t>
-            </a:r>
-            <a:r>
-              <a:rPr lang="en-US" sz="2400" b="1" dirty="0">
-                <a:latin typeface="Courier New" charset="0"/>
-                <a:ea typeface="Courier New" charset="0"/>
-                <a:cs typeface="Courier New" charset="0"/>
-              </a:rPr>
-              <a:t>[:</a:t>
-            </a:r>
-            <a:r>
-              <a:rPr lang="en-US" sz="2400" b="1" dirty="0" err="1">
-                <a:latin typeface="Courier New" charset="0"/>
-                <a:ea typeface="Courier New" charset="0"/>
-                <a:cs typeface="Courier New" charset="0"/>
-              </a:rPr>
-              <a:t>plugin_path</a:t>
-            </a:r>
-            <a:r>
-              <a:rPr lang="en-US" sz="2400" b="1" dirty="0">
-                <a:latin typeface="Courier New" charset="0"/>
-                <a:ea typeface="Courier New" charset="0"/>
-                <a:cs typeface="Courier New" charset="0"/>
-              </a:rPr>
-              <a:t>] &lt;&lt; "&lt;%= node["</a:t>
-            </a:r>
-            <a:r>
-              <a:rPr lang="en-US" sz="2400" b="1" dirty="0" err="1">
-                <a:latin typeface="Courier New" charset="0"/>
-                <a:ea typeface="Courier New" charset="0"/>
-                <a:cs typeface="Courier New" charset="0"/>
-              </a:rPr>
-              <a:t>ohai</a:t>
-            </a:r>
-            <a:r>
-              <a:rPr lang="en-US" sz="2400" b="1" dirty="0">
-                <a:latin typeface="Courier New" charset="0"/>
-                <a:ea typeface="Courier New" charset="0"/>
-                <a:cs typeface="Courier New" charset="0"/>
-              </a:rPr>
-              <a:t>"]["</a:t>
-            </a:r>
-            <a:r>
-              <a:rPr lang="en-US" sz="2400" b="1" dirty="0" err="1">
-                <a:latin typeface="Courier New" charset="0"/>
-                <a:ea typeface="Courier New" charset="0"/>
-                <a:cs typeface="Courier New" charset="0"/>
-              </a:rPr>
-              <a:t>plugin_path</a:t>
-            </a:r>
-            <a:r>
-              <a:rPr lang="en-US" sz="2400" b="1" dirty="0">
-                <a:latin typeface="Courier New" charset="0"/>
-                <a:ea typeface="Courier New" charset="0"/>
-                <a:cs typeface="Courier New" charset="0"/>
-              </a:rPr>
-              <a:t>"] %&gt;"</a:t>
-            </a:r>
-          </a:p>
-          <a:p>
-            <a:r>
-              <a:rPr lang="en-US" sz="2400" b="1" dirty="0">
-                <a:latin typeface="Courier New" charset="0"/>
-                <a:ea typeface="Courier New" charset="0"/>
-                <a:cs typeface="Courier New" charset="0"/>
-              </a:rPr>
-              <a:t>&lt;% end -%&gt;</a:t>
-            </a:r>
-          </a:p>
-          <a:p>
-            <a:r>
-              <a:rPr lang="en-US" sz="2400" b="1" dirty="0">
-                <a:latin typeface="Courier New" charset="0"/>
-                <a:ea typeface="Courier New" charset="0"/>
-                <a:cs typeface="Courier New" charset="0"/>
-              </a:rPr>
-              <a:t>&lt;% unless @</a:t>
-            </a:r>
-            <a:r>
-              <a:rPr lang="en-US" sz="2400" b="1" dirty="0" err="1">
-                <a:latin typeface="Courier New" charset="0"/>
-                <a:ea typeface="Courier New" charset="0"/>
-                <a:cs typeface="Courier New" charset="0"/>
-              </a:rPr>
-              <a:t>ohai_disabled_plugins.empty</a:t>
-            </a:r>
-            <a:r>
-              <a:rPr lang="en-US" sz="2400" b="1" dirty="0">
-                <a:latin typeface="Courier New" charset="0"/>
-                <a:ea typeface="Courier New" charset="0"/>
-                <a:cs typeface="Courier New" charset="0"/>
-              </a:rPr>
-              <a:t>? -%&gt;</a:t>
-            </a:r>
-          </a:p>
-          <a:p>
-            <a:r>
-              <a:rPr lang="en-US" sz="2400" b="1" dirty="0" err="1">
-                <a:latin typeface="Courier New" charset="0"/>
-                <a:ea typeface="Courier New" charset="0"/>
-                <a:cs typeface="Courier New" charset="0"/>
-              </a:rPr>
-              <a:t>Ohai</a:t>
-            </a:r>
-            <a:r>
-              <a:rPr lang="en-US" sz="2400" b="1" dirty="0">
-                <a:latin typeface="Courier New" charset="0"/>
-                <a:ea typeface="Courier New" charset="0"/>
-                <a:cs typeface="Courier New" charset="0"/>
-              </a:rPr>
-              <a:t>::</a:t>
-            </a:r>
-            <a:r>
-              <a:rPr lang="en-US" sz="2400" b="1" dirty="0" err="1">
-                <a:latin typeface="Courier New" charset="0"/>
-                <a:ea typeface="Courier New" charset="0"/>
-                <a:cs typeface="Courier New" charset="0"/>
-              </a:rPr>
-              <a:t>Config</a:t>
-            </a:r>
-            <a:r>
-              <a:rPr lang="en-US" sz="2400" b="1" dirty="0">
-                <a:latin typeface="Courier New" charset="0"/>
-                <a:ea typeface="Courier New" charset="0"/>
-                <a:cs typeface="Courier New" charset="0"/>
-              </a:rPr>
-              <a:t>[:</a:t>
-            </a:r>
-            <a:r>
-              <a:rPr lang="en-US" sz="2400" b="1" dirty="0" err="1">
-                <a:latin typeface="Courier New" charset="0"/>
-                <a:ea typeface="Courier New" charset="0"/>
-                <a:cs typeface="Courier New" charset="0"/>
-              </a:rPr>
-              <a:t>disabled_plugins</a:t>
-            </a:r>
-            <a:r>
-              <a:rPr lang="en-US" sz="2400" b="1" dirty="0">
-                <a:latin typeface="Courier New" charset="0"/>
-                <a:ea typeface="Courier New" charset="0"/>
-                <a:cs typeface="Courier New" charset="0"/>
-              </a:rPr>
-              <a:t>] = [&lt;%= @</a:t>
-            </a:r>
-            <a:r>
-              <a:rPr lang="en-US" sz="2400" b="1" dirty="0" err="1">
-                <a:latin typeface="Courier New" charset="0"/>
-                <a:ea typeface="Courier New" charset="0"/>
-                <a:cs typeface="Courier New" charset="0"/>
-              </a:rPr>
-              <a:t>ohai_disabled_plugins.map</a:t>
-            </a:r>
-            <a:r>
-              <a:rPr lang="en-US" sz="2400" b="1" dirty="0">
-                <a:latin typeface="Courier New" charset="0"/>
-                <a:ea typeface="Courier New" charset="0"/>
-                <a:cs typeface="Courier New" charset="0"/>
-              </a:rPr>
-              <a:t> { |k| k...</a:t>
-            </a:r>
-          </a:p>
-          <a:p>
-            <a:endParaRPr lang="en-US" sz="2400" b="1" dirty="0">
-              <a:latin typeface="Courier New" charset="0"/>
-              <a:ea typeface="Courier New" charset="0"/>
-              <a:cs typeface="Courier New" charset="0"/>
-            </a:endParaRPr>
-          </a:p>
-          <a:p>
-            <a:r>
-              <a:rPr lang="en-US" sz="2400" b="1" dirty="0">
-                <a:latin typeface="Courier New" charset="0"/>
-                <a:ea typeface="Courier New" charset="0"/>
-                <a:cs typeface="Courier New" charset="0"/>
-              </a:rPr>
-              <a:t>&lt;% end -%&gt;</a:t>
-            </a:r>
-          </a:p>
-          <a:p>
-            <a:endParaRPr lang="en-US" sz="2400" b="1" dirty="0">
-              <a:latin typeface="Courier New" charset="0"/>
-              <a:ea typeface="Courier New" charset="0"/>
-              <a:cs typeface="Courier New" charset="0"/>
-            </a:endParaRPr>
-          </a:p>
         </p:txBody>
       </p:sp>
       <p:sp>
@@ -13221,7 +13279,7 @@
           <a:lstStyle/>
           <a:p>
             <a:r>
-              <a:rPr lang="en-US" smtClean="0"/>
+              <a:rPr lang="en-US"/>
               <a:t>~/cookbooks/chef-client/templates/default/client.rb.erb</a:t>
             </a:r>
             <a:endParaRPr lang="en-US" dirty="0"/>
@@ -13236,8 +13294,8 @@
         </p:nvSpPr>
         <p:spPr bwMode="auto">
           <a:xfrm>
-            <a:off x="1121104" y="3969807"/>
-            <a:ext cx="14422528" cy="1997856"/>
+            <a:off x="1121104" y="3573072"/>
+            <a:ext cx="14422528" cy="1760928"/>
           </a:xfrm>
           <a:prstGeom prst="rect">
             <a:avLst/>
@@ -13277,7 +13335,7 @@
           <a:lstStyle/>
           <a:p>
             <a:pPr algn="ctr" defTabSz="914099"/>
-            <a:endParaRPr lang="en-US" sz="2400" dirty="0" err="1" smtClean="0">
+            <a:endParaRPr lang="en-US" sz="2400" dirty="0" err="1">
               <a:gradFill>
                 <a:gsLst>
                   <a:gs pos="0">
@@ -13290,6 +13348,44 @@
                 <a:lin ang="5400000" scaled="0"/>
               </a:gradFill>
             </a:endParaRPr>
+          </a:p>
+        </p:txBody>
+      </p:sp>
+      <p:sp>
+        <p:nvSpPr>
+          <p:cNvPr id="2" name="TextBox 1">
+            <a:extLst>
+              <a:ext uri="{FF2B5EF4-FFF2-40B4-BE49-F238E27FC236}">
+                <a16:creationId xmlns:a16="http://schemas.microsoft.com/office/drawing/2014/main" id="{9E36522E-40C8-4073-8961-046BA22FBE6B}"/>
+              </a:ext>
+            </a:extLst>
+          </p:cNvPr>
+          <p:cNvSpPr txBox="1"/>
+          <p:nvPr/>
+        </p:nvSpPr>
+        <p:spPr bwMode="white">
+          <a:xfrm>
+            <a:off x="2051050" y="7440358"/>
+            <a:ext cx="12153900" cy="625000"/>
+          </a:xfrm>
+          <a:prstGeom prst="rect">
+            <a:avLst/>
+          </a:prstGeom>
+        </p:spPr>
+        <p:txBody>
+          <a:bodyPr vert="horz" wrap="square" lIns="91440" tIns="91440" rIns="91440" bIns="91440" rtlCol="0">
+            <a:noAutofit/>
+          </a:bodyPr>
+          <a:lstStyle/>
+          <a:p>
+            <a:pPr algn="ctr"/>
+            <a:r>
+              <a:rPr lang="en-US" dirty="0">
+                <a:hlinkClick r:id="rId3"/>
+              </a:rPr>
+              <a:t>https://github.com/chef-cookbooks/chef-client/blob/master/templates/default/client.rb.erb</a:t>
+            </a:r>
+            <a:endParaRPr lang="en-US" dirty="0"/>
           </a:p>
         </p:txBody>
       </p:sp>
@@ -13309,7 +13405,7 @@
 </p:sld>
 </file>
 
-<file path=ppt/slides/slide16.xml><?xml version="1.0" encoding="utf-8"?>
+<file path=ppt/slides/slide17.xml><?xml version="1.0" encoding="utf-8"?>
 <p:sld xmlns:a="http://schemas.openxmlformats.org/drawingml/2006/main" xmlns:r="http://schemas.openxmlformats.org/officeDocument/2006/relationships" xmlns:p="http://schemas.openxmlformats.org/presentationml/2006/main">
   <p:cSld>
     <p:spTree>
@@ -13342,18 +13438,17 @@
           <a:lstStyle/>
           <a:p>
             <a:r>
-              <a:rPr lang="en-US" dirty="0" smtClean="0"/>
+              <a:rPr lang="en-US" dirty="0"/>
               <a:t>Viewing the chef-client </a:t>
             </a:r>
             <a:r>
-              <a:rPr lang="en-US" dirty="0" err="1" smtClean="0"/>
+              <a:rPr lang="en-US" dirty="0" err="1"/>
               <a:t>config</a:t>
             </a:r>
             <a:r>
-              <a:rPr lang="en-US" dirty="0" smtClean="0"/>
+              <a:rPr lang="en-US" dirty="0"/>
               <a:t> Recipe</a:t>
             </a:r>
-            <a:endParaRPr lang="en-US" dirty="0"/>
           </a:p>
         </p:txBody>
       </p:sp>
@@ -13370,145 +13465,111 @@
         <p:spPr/>
         <p:txBody>
           <a:bodyPr>
-            <a:normAutofit fontScale="77500" lnSpcReduction="20000"/>
+            <a:noAutofit/>
           </a:bodyPr>
           <a:lstStyle/>
           <a:p>
             <a:r>
-              <a:rPr lang="en-US" b="1" dirty="0" smtClean="0">
+              <a:rPr lang="en-US" sz="2400" b="1" dirty="0">
                 <a:latin typeface="Courier New" charset="0"/>
                 <a:ea typeface="Courier New" charset="0"/>
                 <a:cs typeface="Courier New" charset="0"/>
               </a:rPr>
-              <a:t># ... OTHER RESOURCES ...</a:t>
-            </a:r>
-          </a:p>
-          <a:p>
-            <a:r>
-              <a:rPr lang="en-US" b="1" dirty="0" smtClean="0">
+              <a:t>template "#{node['</a:t>
+            </a:r>
+            <a:r>
+              <a:rPr lang="en-US" sz="2400" b="1" dirty="0" err="1">
                 <a:latin typeface="Courier New" charset="0"/>
                 <a:ea typeface="Courier New" charset="0"/>
                 <a:cs typeface="Courier New" charset="0"/>
               </a:rPr>
-              <a:t>template </a:t>
-            </a:r>
-            <a:r>
-              <a:rPr lang="en-US" b="1" dirty="0">
+              <a:t>chef_client</a:t>
+            </a:r>
+            <a:r>
+              <a:rPr lang="en-US" sz="2400" b="1" dirty="0">
                 <a:latin typeface="Courier New" charset="0"/>
                 <a:ea typeface="Courier New" charset="0"/>
                 <a:cs typeface="Courier New" charset="0"/>
               </a:rPr>
-              <a:t>"#{node["</a:t>
-            </a:r>
-            <a:r>
-              <a:rPr lang="en-US" b="1" dirty="0" err="1">
+              <a:t>']['</a:t>
+            </a:r>
+            <a:r>
+              <a:rPr lang="en-US" sz="2400" b="1" dirty="0" err="1">
                 <a:latin typeface="Courier New" charset="0"/>
                 <a:ea typeface="Courier New" charset="0"/>
                 <a:cs typeface="Courier New" charset="0"/>
               </a:rPr>
-              <a:t>chef_client</a:t>
-            </a:r>
-            <a:r>
-              <a:rPr lang="en-US" b="1" dirty="0">
+              <a:t>conf_dir</a:t>
+            </a:r>
+            <a:r>
+              <a:rPr lang="en-US" sz="2400" b="1" dirty="0">
                 <a:latin typeface="Courier New" charset="0"/>
                 <a:ea typeface="Courier New" charset="0"/>
                 <a:cs typeface="Courier New" charset="0"/>
               </a:rPr>
-              <a:t>"]["</a:t>
-            </a:r>
-            <a:r>
-              <a:rPr lang="en-US" b="1" dirty="0" err="1">
+              <a:t>']}/</a:t>
+            </a:r>
+            <a:r>
+              <a:rPr lang="en-US" sz="2400" b="1" dirty="0" err="1">
                 <a:latin typeface="Courier New" charset="0"/>
                 <a:ea typeface="Courier New" charset="0"/>
                 <a:cs typeface="Courier New" charset="0"/>
               </a:rPr>
-              <a:t>conf_dir</a:t>
-            </a:r>
-            <a:r>
-              <a:rPr lang="en-US" b="1" dirty="0">
+              <a:t>client.rb</a:t>
+            </a:r>
+            <a:r>
+              <a:rPr lang="en-US" sz="2400" b="1" dirty="0">
                 <a:latin typeface="Courier New" charset="0"/>
                 <a:ea typeface="Courier New" charset="0"/>
                 <a:cs typeface="Courier New" charset="0"/>
               </a:rPr>
-              <a:t>"]}/</a:t>
-            </a:r>
-            <a:r>
-              <a:rPr lang="en-US" b="1" dirty="0" err="1">
+              <a:t>" do</a:t>
+            </a:r>
+          </a:p>
+          <a:p>
+            <a:r>
+              <a:rPr lang="en-US" sz="2400" b="1" dirty="0">
                 <a:latin typeface="Courier New" charset="0"/>
                 <a:ea typeface="Courier New" charset="0"/>
                 <a:cs typeface="Courier New" charset="0"/>
               </a:rPr>
-              <a:t>client.rb</a:t>
-            </a:r>
-            <a:r>
-              <a:rPr lang="en-US" b="1" dirty="0">
+              <a:t>  source '</a:t>
+            </a:r>
+            <a:r>
+              <a:rPr lang="en-US" sz="2400" b="1" dirty="0" err="1">
                 <a:latin typeface="Courier New" charset="0"/>
                 <a:ea typeface="Courier New" charset="0"/>
                 <a:cs typeface="Courier New" charset="0"/>
               </a:rPr>
-              <a:t>" do</a:t>
-            </a:r>
-          </a:p>
-          <a:p>
-            <a:r>
-              <a:rPr lang="en-US" b="1" dirty="0">
+              <a:t>client.rb.erb</a:t>
+            </a:r>
+            <a:r>
+              <a:rPr lang="en-US" sz="2400" b="1" dirty="0">
                 <a:latin typeface="Courier New" charset="0"/>
                 <a:ea typeface="Courier New" charset="0"/>
                 <a:cs typeface="Courier New" charset="0"/>
               </a:rPr>
-              <a:t>  source </a:t>
-            </a:r>
-            <a:r>
-              <a:rPr lang="en-US" b="1" dirty="0" smtClean="0">
+              <a:t>'</a:t>
+            </a:r>
+          </a:p>
+          <a:p>
+            <a:r>
+              <a:rPr lang="en-US" sz="2400" b="1" dirty="0">
                 <a:latin typeface="Courier New" charset="0"/>
                 <a:ea typeface="Courier New" charset="0"/>
                 <a:cs typeface="Courier New" charset="0"/>
               </a:rPr>
-              <a:t>'</a:t>
-            </a:r>
-            <a:r>
-              <a:rPr lang="en-US" b="1" dirty="0" err="1" smtClean="0">
+              <a:t>  owner </a:t>
+            </a:r>
+            <a:r>
+              <a:rPr lang="en-US" sz="2400" b="1" dirty="0" err="1">
                 <a:latin typeface="Courier New" charset="0"/>
                 <a:ea typeface="Courier New" charset="0"/>
                 <a:cs typeface="Courier New" charset="0"/>
               </a:rPr>
-              <a:t>client.rb.erb</a:t>
-            </a:r>
-            <a:r>
-              <a:rPr lang="en-US" b="1" dirty="0" smtClean="0">
-                <a:latin typeface="Courier New" charset="0"/>
-                <a:ea typeface="Courier New" charset="0"/>
-                <a:cs typeface="Courier New" charset="0"/>
-              </a:rPr>
-              <a:t>'</a:t>
-            </a:r>
-          </a:p>
-          <a:p>
-            <a:r>
-              <a:rPr lang="en-US" b="1" dirty="0">
-                <a:latin typeface="Courier New" charset="0"/>
-                <a:ea typeface="Courier New" charset="0"/>
-                <a:cs typeface="Courier New" charset="0"/>
-              </a:rPr>
-              <a:t> </a:t>
-            </a:r>
-            <a:r>
-              <a:rPr lang="en-US" b="1" dirty="0" smtClean="0">
-                <a:latin typeface="Courier New" charset="0"/>
-                <a:ea typeface="Courier New" charset="0"/>
-                <a:cs typeface="Courier New" charset="0"/>
-              </a:rPr>
-              <a:t> owner </a:t>
-            </a:r>
-            <a:r>
-              <a:rPr lang="en-US" b="1" dirty="0" err="1">
-                <a:latin typeface="Courier New" charset="0"/>
-                <a:ea typeface="Courier New" charset="0"/>
-                <a:cs typeface="Courier New" charset="0"/>
-              </a:rPr>
               <a:t>d_owner</a:t>
             </a:r>
-            <a:endParaRPr lang="en-US" b="1" dirty="0">
+            <a:endParaRPr lang="en-US" sz="2400" b="1" dirty="0">
               <a:latin typeface="Courier New" charset="0"/>
               <a:ea typeface="Courier New" charset="0"/>
               <a:cs typeface="Courier New" charset="0"/>
@@ -13516,493 +13577,375 @@
           </a:p>
           <a:p>
             <a:r>
-              <a:rPr lang="en-US" b="1" dirty="0">
+              <a:rPr lang="en-US" sz="2400" b="1" dirty="0">
                 <a:latin typeface="Courier New" charset="0"/>
                 <a:ea typeface="Courier New" charset="0"/>
                 <a:cs typeface="Courier New" charset="0"/>
               </a:rPr>
-              <a:t>  group </a:t>
-            </a:r>
-            <a:r>
-              <a:rPr lang="en-US" b="1" dirty="0" err="1">
+              <a:t>  group node['</a:t>
+            </a:r>
+            <a:r>
+              <a:rPr lang="en-US" sz="2400" b="1" dirty="0" err="1">
                 <a:latin typeface="Courier New" charset="0"/>
                 <a:ea typeface="Courier New" charset="0"/>
                 <a:cs typeface="Courier New" charset="0"/>
               </a:rPr>
-              <a:t>d_group</a:t>
-            </a:r>
-            <a:endParaRPr lang="en-US" b="1" dirty="0">
-              <a:latin typeface="Courier New" charset="0"/>
-              <a:ea typeface="Courier New" charset="0"/>
-              <a:cs typeface="Courier New" charset="0"/>
-            </a:endParaRPr>
-          </a:p>
-          <a:p>
-            <a:r>
-              <a:rPr lang="en-US" b="1" dirty="0">
+              <a:t>root_group</a:t>
+            </a:r>
+            <a:r>
+              <a:rPr lang="en-US" sz="2400" b="1" dirty="0">
                 <a:latin typeface="Courier New" charset="0"/>
                 <a:ea typeface="Courier New" charset="0"/>
                 <a:cs typeface="Courier New" charset="0"/>
               </a:rPr>
-              <a:t>  mode 00644</a:t>
-            </a:r>
-          </a:p>
-          <a:p>
-            <a:r>
-              <a:rPr lang="en-US" b="1" dirty="0">
+              <a:t>']</a:t>
+            </a:r>
+          </a:p>
+          <a:p>
+            <a:r>
+              <a:rPr lang="en-US" sz="2400" b="1" dirty="0">
                 <a:latin typeface="Courier New" charset="0"/>
                 <a:ea typeface="Courier New" charset="0"/>
                 <a:cs typeface="Courier New" charset="0"/>
               </a:rPr>
-              <a:t>  variables(</a:t>
-            </a:r>
-          </a:p>
-          <a:p>
-            <a:r>
-              <a:rPr lang="en-US" b="1" dirty="0">
+              <a:t>  mode '0644'</a:t>
+            </a:r>
+          </a:p>
+          <a:p>
+            <a:r>
+              <a:rPr lang="en-US" sz="2400" b="1" dirty="0">
                 <a:latin typeface="Courier New" charset="0"/>
                 <a:ea typeface="Courier New" charset="0"/>
                 <a:cs typeface="Courier New" charset="0"/>
               </a:rPr>
-              <a:t>    :</a:t>
-            </a:r>
-            <a:r>
-              <a:rPr lang="en-US" b="1" dirty="0" err="1">
+              <a:t>  variables(</a:t>
+            </a:r>
+          </a:p>
+          <a:p>
+            <a:r>
+              <a:rPr lang="en-US" sz="2400" b="1" dirty="0">
                 <a:latin typeface="Courier New" charset="0"/>
                 <a:ea typeface="Courier New" charset="0"/>
                 <a:cs typeface="Courier New" charset="0"/>
               </a:rPr>
-              <a:t>chef_config</a:t>
-            </a:r>
-            <a:r>
-              <a:rPr lang="en-US" b="1" dirty="0">
+              <a:t>    </a:t>
+            </a:r>
+            <a:r>
+              <a:rPr lang="en-US" sz="2400" b="1" dirty="0" err="1">
                 <a:latin typeface="Courier New" charset="0"/>
                 <a:ea typeface="Courier New" charset="0"/>
                 <a:cs typeface="Courier New" charset="0"/>
               </a:rPr>
-              <a:t> =&gt; node['</a:t>
-            </a:r>
-            <a:r>
-              <a:rPr lang="en-US" b="1" dirty="0" err="1">
+              <a:t>chef_config</a:t>
+            </a:r>
+            <a:r>
+              <a:rPr lang="en-US" sz="2400" b="1" dirty="0">
                 <a:latin typeface="Courier New" charset="0"/>
                 <a:ea typeface="Courier New" charset="0"/>
                 <a:cs typeface="Courier New" charset="0"/>
               </a:rPr>
-              <a:t>chef_client</a:t>
-            </a:r>
-            <a:r>
-              <a:rPr lang="en-US" b="1" dirty="0">
+              <a:t>: node['</a:t>
+            </a:r>
+            <a:r>
+              <a:rPr lang="en-US" sz="2400" b="1" dirty="0" err="1">
                 <a:latin typeface="Courier New" charset="0"/>
                 <a:ea typeface="Courier New" charset="0"/>
                 <a:cs typeface="Courier New" charset="0"/>
               </a:rPr>
-              <a:t>']['</a:t>
-            </a:r>
-            <a:r>
-              <a:rPr lang="en-US" b="1" dirty="0" err="1">
+              <a:t>chef_client</a:t>
+            </a:r>
+            <a:r>
+              <a:rPr lang="en-US" sz="2400" b="1" dirty="0">
                 <a:latin typeface="Courier New" charset="0"/>
                 <a:ea typeface="Courier New" charset="0"/>
                 <a:cs typeface="Courier New" charset="0"/>
               </a:rPr>
-              <a:t>config</a:t>
-            </a:r>
-            <a:r>
-              <a:rPr lang="en-US" b="1" dirty="0">
+              <a:t>']['config'],</a:t>
+            </a:r>
+          </a:p>
+          <a:p>
+            <a:r>
+              <a:rPr lang="en-US" sz="2400" b="1" dirty="0">
                 <a:latin typeface="Courier New" charset="0"/>
                 <a:ea typeface="Courier New" charset="0"/>
                 <a:cs typeface="Courier New" charset="0"/>
               </a:rPr>
-              <a:t>'],</a:t>
-            </a:r>
-          </a:p>
-          <a:p>
-            <a:r>
-              <a:rPr lang="en-US" b="1" dirty="0">
+              <a:t>    </a:t>
+            </a:r>
+            <a:r>
+              <a:rPr lang="en-US" sz="2400" b="1" dirty="0" err="1">
                 <a:latin typeface="Courier New" charset="0"/>
                 <a:ea typeface="Courier New" charset="0"/>
                 <a:cs typeface="Courier New" charset="0"/>
               </a:rPr>
-              <a:t>    :</a:t>
-            </a:r>
-            <a:r>
-              <a:rPr lang="en-US" b="1" dirty="0" err="1">
+              <a:t>chef_requires</a:t>
+            </a:r>
+            <a:r>
+              <a:rPr lang="en-US" sz="2400" b="1" dirty="0">
                 <a:latin typeface="Courier New" charset="0"/>
                 <a:ea typeface="Courier New" charset="0"/>
                 <a:cs typeface="Courier New" charset="0"/>
               </a:rPr>
-              <a:t>chef_requires</a:t>
-            </a:r>
-            <a:r>
-              <a:rPr lang="en-US" b="1" dirty="0">
+              <a:t>: </a:t>
+            </a:r>
+            <a:r>
+              <a:rPr lang="en-US" sz="2400" b="1" dirty="0" err="1">
                 <a:latin typeface="Courier New" charset="0"/>
                 <a:ea typeface="Courier New" charset="0"/>
                 <a:cs typeface="Courier New" charset="0"/>
               </a:rPr>
-              <a:t> =&gt; </a:t>
-            </a:r>
-            <a:r>
-              <a:rPr lang="en-US" b="1" dirty="0" err="1">
+              <a:t>chef_requires</a:t>
+            </a:r>
+            <a:r>
+              <a:rPr lang="en-US" sz="2400" b="1" dirty="0">
                 <a:latin typeface="Courier New" charset="0"/>
                 <a:ea typeface="Courier New" charset="0"/>
                 <a:cs typeface="Courier New" charset="0"/>
               </a:rPr>
-              <a:t>chef_requires</a:t>
-            </a:r>
-            <a:r>
-              <a:rPr lang="en-US" b="1" dirty="0">
+              <a:t>,</a:t>
+            </a:r>
+          </a:p>
+          <a:p>
+            <a:r>
+              <a:rPr lang="en-US" sz="2400" b="1" dirty="0">
                 <a:latin typeface="Courier New" charset="0"/>
                 <a:ea typeface="Courier New" charset="0"/>
                 <a:cs typeface="Courier New" charset="0"/>
               </a:rPr>
-              <a:t>,</a:t>
-            </a:r>
-          </a:p>
-          <a:p>
-            <a:r>
-              <a:rPr lang="en-US" b="1" dirty="0">
+              <a:t>    </a:t>
+            </a:r>
+            <a:r>
+              <a:rPr lang="en-US" sz="2400" b="1" dirty="0" err="1">
                 <a:latin typeface="Courier New" charset="0"/>
                 <a:ea typeface="Courier New" charset="0"/>
                 <a:cs typeface="Courier New" charset="0"/>
               </a:rPr>
-              <a:t>    :</a:t>
-            </a:r>
-            <a:r>
-              <a:rPr lang="en-US" b="1" dirty="0" err="1">
+              <a:t>ohai_disabled_plugins</a:t>
+            </a:r>
+            <a:r>
+              <a:rPr lang="en-US" sz="2400" b="1" dirty="0">
                 <a:latin typeface="Courier New" charset="0"/>
                 <a:ea typeface="Courier New" charset="0"/>
                 <a:cs typeface="Courier New" charset="0"/>
               </a:rPr>
-              <a:t>ohai_disabled_plugins</a:t>
-            </a:r>
-            <a:r>
-              <a:rPr lang="en-US" b="1" dirty="0">
+              <a:t>: node['</a:t>
+            </a:r>
+            <a:r>
+              <a:rPr lang="en-US" sz="2400" b="1" dirty="0" err="1">
                 <a:latin typeface="Courier New" charset="0"/>
                 <a:ea typeface="Courier New" charset="0"/>
                 <a:cs typeface="Courier New" charset="0"/>
               </a:rPr>
-              <a:t>  =&gt; node['</a:t>
-            </a:r>
-            <a:r>
-              <a:rPr lang="en-US" b="1" dirty="0" err="1">
+              <a:t>ohai</a:t>
+            </a:r>
+            <a:r>
+              <a:rPr lang="en-US" sz="2400" b="1" dirty="0">
                 <a:latin typeface="Courier New" charset="0"/>
                 <a:ea typeface="Courier New" charset="0"/>
                 <a:cs typeface="Courier New" charset="0"/>
               </a:rPr>
-              <a:t>ohai</a:t>
-            </a:r>
-            <a:r>
-              <a:rPr lang="en-US" b="1" dirty="0">
+              <a:t>']['</a:t>
+            </a:r>
+            <a:r>
+              <a:rPr lang="en-US" sz="2400" b="1" dirty="0" err="1">
                 <a:latin typeface="Courier New" charset="0"/>
                 <a:ea typeface="Courier New" charset="0"/>
                 <a:cs typeface="Courier New" charset="0"/>
               </a:rPr>
-              <a:t>']['</a:t>
-            </a:r>
-            <a:r>
-              <a:rPr lang="en-US" b="1" dirty="0" err="1">
+              <a:t>disabled_plugins</a:t>
+            </a:r>
+            <a:r>
+              <a:rPr lang="en-US" sz="2400" b="1" dirty="0">
                 <a:latin typeface="Courier New" charset="0"/>
                 <a:ea typeface="Courier New" charset="0"/>
                 <a:cs typeface="Courier New" charset="0"/>
               </a:rPr>
-              <a:t>disabled_plugins</a:t>
-            </a:r>
-            <a:r>
-              <a:rPr lang="en-US" b="1" dirty="0">
+              <a:t>'],</a:t>
+            </a:r>
+          </a:p>
+          <a:p>
+            <a:r>
+              <a:rPr lang="en-US" sz="2400" b="1" dirty="0">
                 <a:latin typeface="Courier New" charset="0"/>
                 <a:ea typeface="Courier New" charset="0"/>
                 <a:cs typeface="Courier New" charset="0"/>
               </a:rPr>
-              <a:t>'],</a:t>
-            </a:r>
-          </a:p>
-          <a:p>
-            <a:r>
-              <a:rPr lang="en-US" b="1" dirty="0">
+              <a:t>    </a:t>
+            </a:r>
+            <a:r>
+              <a:rPr lang="en-US" sz="2400" b="1" dirty="0" err="1">
                 <a:latin typeface="Courier New" charset="0"/>
                 <a:ea typeface="Courier New" charset="0"/>
                 <a:cs typeface="Courier New" charset="0"/>
               </a:rPr>
-              <a:t>    :</a:t>
-            </a:r>
-            <a:r>
-              <a:rPr lang="en-US" b="1" dirty="0" err="1">
+              <a:t>start_handlers</a:t>
+            </a:r>
+            <a:r>
+              <a:rPr lang="en-US" sz="2400" b="1" dirty="0">
                 <a:latin typeface="Courier New" charset="0"/>
                 <a:ea typeface="Courier New" charset="0"/>
                 <a:cs typeface="Courier New" charset="0"/>
               </a:rPr>
-              <a:t>start_handlers</a:t>
-            </a:r>
-            <a:r>
-              <a:rPr lang="en-US" b="1" dirty="0">
+              <a:t>: node['</a:t>
+            </a:r>
+            <a:r>
+              <a:rPr lang="en-US" sz="2400" b="1" dirty="0" err="1">
                 <a:latin typeface="Courier New" charset="0"/>
                 <a:ea typeface="Courier New" charset="0"/>
                 <a:cs typeface="Courier New" charset="0"/>
               </a:rPr>
-              <a:t> =&gt; node['</a:t>
-            </a:r>
-            <a:r>
-              <a:rPr lang="en-US" b="1" dirty="0" err="1">
+              <a:t>chef_client</a:t>
+            </a:r>
+            <a:r>
+              <a:rPr lang="en-US" sz="2400" b="1" dirty="0">
                 <a:latin typeface="Courier New" charset="0"/>
                 <a:ea typeface="Courier New" charset="0"/>
                 <a:cs typeface="Courier New" charset="0"/>
               </a:rPr>
-              <a:t>chef_client</a:t>
-            </a:r>
-            <a:r>
-              <a:rPr lang="en-US" b="1" dirty="0">
+              <a:t>']['config']['</a:t>
+            </a:r>
+            <a:r>
+              <a:rPr lang="en-US" sz="2400" b="1" dirty="0" err="1">
                 <a:latin typeface="Courier New" charset="0"/>
                 <a:ea typeface="Courier New" charset="0"/>
                 <a:cs typeface="Courier New" charset="0"/>
               </a:rPr>
-              <a:t>']['</a:t>
-            </a:r>
-            <a:r>
-              <a:rPr lang="en-US" b="1" dirty="0" err="1">
+              <a:t>start_handlers</a:t>
+            </a:r>
+            <a:r>
+              <a:rPr lang="en-US" sz="2400" b="1" dirty="0">
                 <a:latin typeface="Courier New" charset="0"/>
                 <a:ea typeface="Courier New" charset="0"/>
                 <a:cs typeface="Courier New" charset="0"/>
               </a:rPr>
-              <a:t>config</a:t>
-            </a:r>
-            <a:r>
-              <a:rPr lang="en-US" b="1" dirty="0">
+              <a:t>'],</a:t>
+            </a:r>
+          </a:p>
+          <a:p>
+            <a:r>
+              <a:rPr lang="en-US" sz="2400" b="1" dirty="0">
                 <a:latin typeface="Courier New" charset="0"/>
                 <a:ea typeface="Courier New" charset="0"/>
                 <a:cs typeface="Courier New" charset="0"/>
               </a:rPr>
-              <a:t>']['</a:t>
-            </a:r>
-            <a:r>
-              <a:rPr lang="en-US" b="1" dirty="0" err="1">
+              <a:t>    </a:t>
+            </a:r>
+            <a:r>
+              <a:rPr lang="en-US" sz="2400" b="1" dirty="0" err="1">
                 <a:latin typeface="Courier New" charset="0"/>
                 <a:ea typeface="Courier New" charset="0"/>
                 <a:cs typeface="Courier New" charset="0"/>
               </a:rPr>
-              <a:t>start_handlers</a:t>
-            </a:r>
-            <a:r>
-              <a:rPr lang="en-US" b="1" dirty="0">
+              <a:t>report_handlers</a:t>
+            </a:r>
+            <a:r>
+              <a:rPr lang="en-US" sz="2400" b="1" dirty="0">
                 <a:latin typeface="Courier New" charset="0"/>
                 <a:ea typeface="Courier New" charset="0"/>
                 <a:cs typeface="Courier New" charset="0"/>
               </a:rPr>
-              <a:t>'],</a:t>
-            </a:r>
-          </a:p>
-          <a:p>
-            <a:r>
-              <a:rPr lang="en-US" b="1" dirty="0">
+              <a:t>: node['</a:t>
+            </a:r>
+            <a:r>
+              <a:rPr lang="en-US" sz="2400" b="1" dirty="0" err="1">
                 <a:latin typeface="Courier New" charset="0"/>
                 <a:ea typeface="Courier New" charset="0"/>
                 <a:cs typeface="Courier New" charset="0"/>
               </a:rPr>
-              <a:t>    :</a:t>
-            </a:r>
-            <a:r>
-              <a:rPr lang="en-US" b="1" dirty="0" err="1">
+              <a:t>chef_client</a:t>
+            </a:r>
+            <a:r>
+              <a:rPr lang="en-US" sz="2400" b="1" dirty="0">
                 <a:latin typeface="Courier New" charset="0"/>
                 <a:ea typeface="Courier New" charset="0"/>
                 <a:cs typeface="Courier New" charset="0"/>
               </a:rPr>
-              <a:t>report_handlers</a:t>
-            </a:r>
-            <a:r>
-              <a:rPr lang="en-US" b="1" dirty="0">
+              <a:t>']['config']['</a:t>
+            </a:r>
+            <a:r>
+              <a:rPr lang="en-US" sz="2400" b="1" dirty="0" err="1">
                 <a:latin typeface="Courier New" charset="0"/>
                 <a:ea typeface="Courier New" charset="0"/>
                 <a:cs typeface="Courier New" charset="0"/>
               </a:rPr>
-              <a:t> =&gt; node['</a:t>
-            </a:r>
-            <a:r>
-              <a:rPr lang="en-US" b="1" dirty="0" err="1">
+              <a:t>report_handlers</a:t>
+            </a:r>
+            <a:r>
+              <a:rPr lang="en-US" sz="2400" b="1" dirty="0">
                 <a:latin typeface="Courier New" charset="0"/>
                 <a:ea typeface="Courier New" charset="0"/>
                 <a:cs typeface="Courier New" charset="0"/>
               </a:rPr>
-              <a:t>chef_client</a:t>
-            </a:r>
-            <a:r>
-              <a:rPr lang="en-US" b="1" dirty="0">
+              <a:t>'],</a:t>
+            </a:r>
+          </a:p>
+          <a:p>
+            <a:r>
+              <a:rPr lang="en-US" sz="2400" b="1" dirty="0">
                 <a:latin typeface="Courier New" charset="0"/>
                 <a:ea typeface="Courier New" charset="0"/>
                 <a:cs typeface="Courier New" charset="0"/>
               </a:rPr>
-              <a:t>']['</a:t>
-            </a:r>
-            <a:r>
-              <a:rPr lang="en-US" b="1" dirty="0" err="1">
+              <a:t>    </a:t>
+            </a:r>
+            <a:r>
+              <a:rPr lang="en-US" sz="2400" b="1" dirty="0" err="1">
                 <a:latin typeface="Courier New" charset="0"/>
                 <a:ea typeface="Courier New" charset="0"/>
                 <a:cs typeface="Courier New" charset="0"/>
               </a:rPr>
-              <a:t>config</a:t>
-            </a:r>
-            <a:r>
-              <a:rPr lang="en-US" b="1" dirty="0">
+              <a:t>exception_handlers</a:t>
+            </a:r>
+            <a:r>
+              <a:rPr lang="en-US" sz="2400" b="1" dirty="0">
                 <a:latin typeface="Courier New" charset="0"/>
                 <a:ea typeface="Courier New" charset="0"/>
                 <a:cs typeface="Courier New" charset="0"/>
               </a:rPr>
-              <a:t>']['</a:t>
-            </a:r>
-            <a:r>
-              <a:rPr lang="en-US" b="1" dirty="0" err="1">
+              <a:t>: node['</a:t>
+            </a:r>
+            <a:r>
+              <a:rPr lang="en-US" sz="2400" b="1" dirty="0" err="1">
                 <a:latin typeface="Courier New" charset="0"/>
                 <a:ea typeface="Courier New" charset="0"/>
                 <a:cs typeface="Courier New" charset="0"/>
               </a:rPr>
-              <a:t>report_handlers</a:t>
-            </a:r>
-            <a:r>
-              <a:rPr lang="en-US" b="1" dirty="0">
+              <a:t>chef_client</a:t>
+            </a:r>
+            <a:r>
+              <a:rPr lang="en-US" sz="2400" b="1" dirty="0">
                 <a:latin typeface="Courier New" charset="0"/>
                 <a:ea typeface="Courier New" charset="0"/>
                 <a:cs typeface="Courier New" charset="0"/>
               </a:rPr>
-              <a:t>'],</a:t>
-            </a:r>
-          </a:p>
-          <a:p>
-            <a:r>
-              <a:rPr lang="en-US" b="1" dirty="0">
+              <a:t>']['config']['</a:t>
+            </a:r>
+            <a:r>
+              <a:rPr lang="en-US" sz="2400" b="1" dirty="0" err="1">
                 <a:latin typeface="Courier New" charset="0"/>
                 <a:ea typeface="Courier New" charset="0"/>
                 <a:cs typeface="Courier New" charset="0"/>
               </a:rPr>
-              <a:t>    :</a:t>
-            </a:r>
-            <a:r>
-              <a:rPr lang="en-US" b="1" dirty="0" err="1">
+              <a:t>exception_handlers</a:t>
+            </a:r>
+            <a:r>
+              <a:rPr lang="en-US" sz="2400" b="1" dirty="0">
                 <a:latin typeface="Courier New" charset="0"/>
                 <a:ea typeface="Courier New" charset="0"/>
                 <a:cs typeface="Courier New" charset="0"/>
               </a:rPr>
-              <a:t>exception_handlers</a:t>
-            </a:r>
-            <a:r>
-              <a:rPr lang="en-US" b="1" dirty="0">
+              <a:t>']</a:t>
+            </a:r>
+          </a:p>
+          <a:p>
+            <a:r>
+              <a:rPr lang="en-US" sz="2400" b="1" dirty="0">
                 <a:latin typeface="Courier New" charset="0"/>
                 <a:ea typeface="Courier New" charset="0"/>
                 <a:cs typeface="Courier New" charset="0"/>
               </a:rPr>
-              <a:t> =&gt; node['</a:t>
-            </a:r>
-            <a:r>
-              <a:rPr lang="en-US" b="1" dirty="0" err="1">
-                <a:latin typeface="Courier New" charset="0"/>
-                <a:ea typeface="Courier New" charset="0"/>
-                <a:cs typeface="Courier New" charset="0"/>
-              </a:rPr>
-              <a:t>chef_client</a:t>
-            </a:r>
-            <a:r>
-              <a:rPr lang="en-US" b="1" dirty="0">
-                <a:latin typeface="Courier New" charset="0"/>
-                <a:ea typeface="Courier New" charset="0"/>
-                <a:cs typeface="Courier New" charset="0"/>
-              </a:rPr>
-              <a:t>']['</a:t>
-            </a:r>
-            <a:r>
-              <a:rPr lang="en-US" b="1" dirty="0" err="1">
-                <a:latin typeface="Courier New" charset="0"/>
-                <a:ea typeface="Courier New" charset="0"/>
-                <a:cs typeface="Courier New" charset="0"/>
-              </a:rPr>
-              <a:t>config</a:t>
-            </a:r>
-            <a:r>
-              <a:rPr lang="en-US" b="1" dirty="0">
-                <a:latin typeface="Courier New" charset="0"/>
-                <a:ea typeface="Courier New" charset="0"/>
-                <a:cs typeface="Courier New" charset="0"/>
-              </a:rPr>
-              <a:t>']['</a:t>
-            </a:r>
-            <a:r>
-              <a:rPr lang="en-US" b="1" dirty="0" err="1">
-                <a:latin typeface="Courier New" charset="0"/>
-                <a:ea typeface="Courier New" charset="0"/>
-                <a:cs typeface="Courier New" charset="0"/>
-              </a:rPr>
-              <a:t>exception_handlers</a:t>
-            </a:r>
-            <a:r>
-              <a:rPr lang="en-US" b="1" dirty="0">
-                <a:latin typeface="Courier New" charset="0"/>
-                <a:ea typeface="Courier New" charset="0"/>
-                <a:cs typeface="Courier New" charset="0"/>
-              </a:rPr>
-              <a:t>']</a:t>
-            </a:r>
-          </a:p>
-          <a:p>
-            <a:r>
-              <a:rPr lang="en-US" b="1" dirty="0">
-                <a:latin typeface="Courier New" charset="0"/>
-                <a:ea typeface="Courier New" charset="0"/>
-                <a:cs typeface="Courier New" charset="0"/>
-              </a:rPr>
               <a:t>  )</a:t>
             </a:r>
-          </a:p>
-          <a:p>
-            <a:r>
-              <a:rPr lang="en-US" b="1" dirty="0">
-                <a:latin typeface="Courier New" charset="0"/>
-                <a:ea typeface="Courier New" charset="0"/>
-                <a:cs typeface="Courier New" charset="0"/>
-              </a:rPr>
-              <a:t>  notifies :create, '</a:t>
-            </a:r>
-            <a:r>
-              <a:rPr lang="en-US" b="1" dirty="0" err="1">
-                <a:latin typeface="Courier New" charset="0"/>
-                <a:ea typeface="Courier New" charset="0"/>
-                <a:cs typeface="Courier New" charset="0"/>
-              </a:rPr>
-              <a:t>ruby_block</a:t>
-            </a:r>
-            <a:r>
-              <a:rPr lang="en-US" b="1" dirty="0">
-                <a:latin typeface="Courier New" charset="0"/>
-                <a:ea typeface="Courier New" charset="0"/>
-                <a:cs typeface="Courier New" charset="0"/>
-              </a:rPr>
-              <a:t>[</a:t>
-            </a:r>
-            <a:r>
-              <a:rPr lang="en-US" b="1" dirty="0" err="1">
-                <a:latin typeface="Courier New" charset="0"/>
-                <a:ea typeface="Courier New" charset="0"/>
-                <a:cs typeface="Courier New" charset="0"/>
-              </a:rPr>
-              <a:t>reload_client_config</a:t>
-            </a:r>
-            <a:r>
-              <a:rPr lang="en-US" b="1" dirty="0">
-                <a:latin typeface="Courier New" charset="0"/>
-                <a:ea typeface="Courier New" charset="0"/>
-                <a:cs typeface="Courier New" charset="0"/>
-              </a:rPr>
-              <a:t>]', :immediately</a:t>
-            </a:r>
-          </a:p>
-          <a:p>
-            <a:r>
-              <a:rPr lang="en-US" b="1" dirty="0" smtClean="0">
-                <a:latin typeface="Courier New" charset="0"/>
-                <a:ea typeface="Courier New" charset="0"/>
-                <a:cs typeface="Courier New" charset="0"/>
-              </a:rPr>
-              <a:t>end</a:t>
-            </a:r>
-            <a:endParaRPr lang="en-US" b="1" dirty="0">
-              <a:latin typeface="Courier New" charset="0"/>
-              <a:ea typeface="Courier New" charset="0"/>
-              <a:cs typeface="Courier New" charset="0"/>
-            </a:endParaRPr>
           </a:p>
         </p:txBody>
       </p:sp>
@@ -14022,11 +13965,11 @@
           <a:lstStyle/>
           <a:p>
             <a:r>
-              <a:rPr lang="en-US" dirty="0" smtClean="0"/>
+              <a:rPr lang="en-US" dirty="0"/>
               <a:t>~/cookbooks/chef-client/recipes/</a:t>
             </a:r>
             <a:r>
-              <a:rPr lang="en-US" dirty="0" err="1" smtClean="0"/>
+              <a:rPr lang="en-US" dirty="0" err="1"/>
               <a:t>config.rb</a:t>
             </a:r>
             <a:endParaRPr lang="en-US" dirty="0"/>
@@ -14041,7 +13984,7 @@
         </p:nvSpPr>
         <p:spPr bwMode="auto">
           <a:xfrm>
-            <a:off x="1121104" y="5390147"/>
+            <a:off x="1121104" y="5867400"/>
             <a:ext cx="14422528" cy="417093"/>
           </a:xfrm>
           <a:prstGeom prst="rect">
@@ -14082,7 +14025,7 @@
           <a:lstStyle/>
           <a:p>
             <a:pPr algn="ctr" defTabSz="914099"/>
-            <a:endParaRPr lang="en-US" sz="2400" dirty="0" err="1" smtClean="0">
+            <a:endParaRPr lang="en-US" sz="2400" dirty="0" err="1">
               <a:gradFill>
                 <a:gsLst>
                   <a:gs pos="0">
@@ -14102,186 +14045,6 @@
     <p:extLst>
       <p:ext uri="{BB962C8B-B14F-4D97-AF65-F5344CB8AC3E}">
         <p14:creationId xmlns:p14="http://schemas.microsoft.com/office/powerpoint/2010/main" val="1719949299"/>
-      </p:ext>
-    </p:extLst>
-  </p:cSld>
-  <p:clrMapOvr>
-    <a:masterClrMapping/>
-  </p:clrMapOvr>
-  <p:transition spd="med">
-    <p:fade/>
-  </p:transition>
-</p:sld>
-</file>
-
-<file path=ppt/slides/slide17.xml><?xml version="1.0" encoding="utf-8"?>
-<p:sld xmlns:a="http://schemas.openxmlformats.org/drawingml/2006/main" xmlns:r="http://schemas.openxmlformats.org/officeDocument/2006/relationships" xmlns:p="http://schemas.openxmlformats.org/presentationml/2006/main">
-  <p:cSld>
-    <p:spTree>
-      <p:nvGrpSpPr>
-        <p:cNvPr id="1" name=""/>
-        <p:cNvGrpSpPr/>
-        <p:nvPr/>
-      </p:nvGrpSpPr>
-      <p:grpSpPr>
-        <a:xfrm>
-          <a:off x="0" y="0"/>
-          <a:ext cx="0" cy="0"/>
-          <a:chOff x="0" y="0"/>
-          <a:chExt cx="0" cy="0"/>
-        </a:xfrm>
-      </p:grpSpPr>
-      <p:sp>
-        <p:nvSpPr>
-          <p:cNvPr id="7" name="Title 6"/>
-          <p:cNvSpPr>
-            <a:spLocks noGrp="1"/>
-          </p:cNvSpPr>
-          <p:nvPr>
-            <p:ph type="ctrTitle"/>
-          </p:nvPr>
-        </p:nvSpPr>
-        <p:spPr/>
-        <p:txBody>
-          <a:bodyPr>
-            <a:normAutofit fontScale="90000"/>
-          </a:bodyPr>
-          <a:lstStyle/>
-          <a:p>
-            <a:r>
-              <a:rPr lang="en-US" dirty="0" smtClean="0"/>
-              <a:t>The Work</a:t>
-            </a:r>
-            <a:endParaRPr lang="en-US" dirty="0"/>
-          </a:p>
-        </p:txBody>
-      </p:sp>
-      <p:sp>
-        <p:nvSpPr>
-          <p:cNvPr id="8" name="Subtitle 7"/>
-          <p:cNvSpPr>
-            <a:spLocks noGrp="1"/>
-          </p:cNvSpPr>
-          <p:nvPr>
-            <p:ph type="subTitle" idx="1"/>
-          </p:nvPr>
-        </p:nvSpPr>
-        <p:spPr/>
-        <p:txBody>
-          <a:bodyPr/>
-          <a:lstStyle/>
-          <a:p>
-            <a:pPr marL="457200" indent="-457200">
-              <a:buFont typeface="Arial" charset="0"/>
-              <a:buChar char="•"/>
-            </a:pPr>
-            <a:r>
-              <a:rPr lang="en-US" dirty="0" smtClean="0"/>
-              <a:t>Add the chef-client cookbook to your cookbook collection</a:t>
-            </a:r>
-          </a:p>
-          <a:p>
-            <a:pPr marL="457200" indent="-457200">
-              <a:buFont typeface="Arial" charset="0"/>
-              <a:buChar char="•"/>
-            </a:pPr>
-            <a:r>
-              <a:rPr lang="en-US" dirty="0" smtClean="0"/>
-              <a:t>Select attributes you want to remove</a:t>
-            </a:r>
-          </a:p>
-          <a:p>
-            <a:pPr marL="457200" indent="-457200">
-              <a:buFont typeface="Arial" charset="0"/>
-              <a:buChar char="•"/>
-            </a:pPr>
-            <a:r>
-              <a:rPr lang="en-US" dirty="0" smtClean="0"/>
-              <a:t>Find the name of the plugin that provides those attributes</a:t>
-            </a:r>
-          </a:p>
-          <a:p>
-            <a:pPr marL="457200" indent="-457200">
-              <a:buFont typeface="Arial" charset="0"/>
-              <a:buChar char="•"/>
-            </a:pPr>
-            <a:r>
-              <a:rPr lang="en-US" dirty="0" smtClean="0"/>
-              <a:t>Provide attributes in a wrapper cookbook, role, or environment for:</a:t>
-            </a:r>
-          </a:p>
-          <a:p>
-            <a:endParaRPr lang="en-US" dirty="0"/>
-          </a:p>
-          <a:p>
-            <a:r>
-              <a:rPr lang="en-US" b="1" dirty="0" smtClean="0">
-                <a:latin typeface="Courier New" charset="0"/>
-                <a:ea typeface="Courier New" charset="0"/>
-                <a:cs typeface="Courier New" charset="0"/>
-              </a:rPr>
-              <a:t>	node</a:t>
-            </a:r>
-            <a:r>
-              <a:rPr lang="en-US" b="1" dirty="0">
-                <a:latin typeface="Courier New" charset="0"/>
-                <a:ea typeface="Courier New" charset="0"/>
-                <a:cs typeface="Courier New" charset="0"/>
-              </a:rPr>
-              <a:t>['</a:t>
-            </a:r>
-            <a:r>
-              <a:rPr lang="en-US" b="1" dirty="0" err="1">
-                <a:latin typeface="Courier New" charset="0"/>
-                <a:ea typeface="Courier New" charset="0"/>
-                <a:cs typeface="Courier New" charset="0"/>
-              </a:rPr>
-              <a:t>ohai</a:t>
-            </a:r>
-            <a:r>
-              <a:rPr lang="en-US" b="1" dirty="0">
-                <a:latin typeface="Courier New" charset="0"/>
-                <a:ea typeface="Courier New" charset="0"/>
-                <a:cs typeface="Courier New" charset="0"/>
-              </a:rPr>
-              <a:t>']['</a:t>
-            </a:r>
-            <a:r>
-              <a:rPr lang="en-US" b="1" dirty="0" err="1">
-                <a:latin typeface="Courier New" charset="0"/>
-                <a:ea typeface="Courier New" charset="0"/>
-                <a:cs typeface="Courier New" charset="0"/>
-              </a:rPr>
-              <a:t>disabled_plugins</a:t>
-            </a:r>
-            <a:r>
-              <a:rPr lang="en-US" b="1" dirty="0" smtClean="0">
-                <a:latin typeface="Courier New" charset="0"/>
-                <a:ea typeface="Courier New" charset="0"/>
-                <a:cs typeface="Courier New" charset="0"/>
-              </a:rPr>
-              <a:t>']</a:t>
-            </a:r>
-          </a:p>
-          <a:p>
-            <a:endParaRPr lang="en-US" dirty="0" smtClean="0"/>
-          </a:p>
-          <a:p>
-            <a:pPr marL="457200" indent="-457200">
-              <a:buFont typeface="Arial" charset="0"/>
-              <a:buChar char="•"/>
-            </a:pPr>
-            <a:r>
-              <a:rPr lang="en-US" dirty="0" smtClean="0"/>
-              <a:t>Add chef-client cookbook to every node's run list</a:t>
-            </a:r>
-          </a:p>
-        </p:txBody>
-      </p:sp>
-    </p:spTree>
-    <p:extLst>
-      <p:ext uri="{BB962C8B-B14F-4D97-AF65-F5344CB8AC3E}">
-        <p14:creationId xmlns:p14="http://schemas.microsoft.com/office/powerpoint/2010/main" val="125937156"/>
       </p:ext>
     </p:extLst>
   </p:cSld>
@@ -14313,7 +14076,7 @@
       </p:grpSpPr>
       <p:sp>
         <p:nvSpPr>
-          <p:cNvPr id="2" name="Title 1"/>
+          <p:cNvPr id="7" name="Title 6"/>
           <p:cNvSpPr>
             <a:spLocks noGrp="1"/>
           </p:cNvSpPr>
@@ -14329,29 +14092,20 @@
           <a:lstStyle/>
           <a:p>
             <a:r>
-              <a:rPr lang="en-US" dirty="0" smtClean="0"/>
-              <a:t>Run </a:t>
-            </a:r>
-            <a:r>
-              <a:rPr lang="en-US" dirty="0" err="1" smtClean="0"/>
-              <a:t>Ohai</a:t>
-            </a:r>
-            <a:r>
-              <a:rPr lang="en-US" dirty="0" smtClean="0"/>
-              <a:t> Smoother</a:t>
-            </a:r>
-            <a:endParaRPr lang="en-US" dirty="0"/>
-          </a:p>
-        </p:txBody>
-      </p:sp>
-      <p:sp>
-        <p:nvSpPr>
-          <p:cNvPr id="3" name="Content Placeholder 2"/>
-          <p:cNvSpPr>
-            <a:spLocks noGrp="1"/>
-          </p:cNvSpPr>
-          <p:nvPr>
-            <p:ph sz="quarter" idx="11"/>
+              <a:rPr lang="en-US" dirty="0"/>
+              <a:t>The Work</a:t>
+            </a:r>
+          </a:p>
+        </p:txBody>
+      </p:sp>
+      <p:sp>
+        <p:nvSpPr>
+          <p:cNvPr id="8" name="Subtitle 7"/>
+          <p:cNvSpPr>
+            <a:spLocks noGrp="1"/>
+          </p:cNvSpPr>
+          <p:nvPr>
+            <p:ph type="subTitle" idx="1"/>
           </p:nvPr>
         </p:nvSpPr>
         <p:spPr/>
@@ -14359,124 +14113,109 @@
           <a:bodyPr/>
           <a:lstStyle/>
           <a:p>
-            <a:r>
-              <a:rPr lang="en-US" dirty="0" smtClean="0"/>
-              <a:t>There are a few more things to learn about </a:t>
-            </a:r>
-            <a:r>
-              <a:rPr lang="en-US" dirty="0" err="1" smtClean="0"/>
-              <a:t>Ohai</a:t>
-            </a:r>
-            <a:r>
-              <a:rPr lang="en-US" dirty="0" smtClean="0"/>
-              <a:t> that could help increase performance.</a:t>
-            </a:r>
+            <a:pPr marL="457200" indent="-457200">
+              <a:buFont typeface="Arial" charset="0"/>
+              <a:buChar char="•"/>
+            </a:pPr>
+            <a:r>
+              <a:rPr lang="en-US" dirty="0"/>
+              <a:t>Add the chef-client cookbook to your cookbook collection</a:t>
+            </a:r>
+          </a:p>
+          <a:p>
+            <a:pPr marL="457200" indent="-457200">
+              <a:buFont typeface="Arial" charset="0"/>
+              <a:buChar char="•"/>
+            </a:pPr>
+            <a:r>
+              <a:rPr lang="en-US" dirty="0"/>
+              <a:t>Select attributes you want to remove</a:t>
+            </a:r>
+          </a:p>
+          <a:p>
+            <a:pPr marL="457200" indent="-457200">
+              <a:buFont typeface="Arial" charset="0"/>
+              <a:buChar char="•"/>
+            </a:pPr>
+            <a:r>
+              <a:rPr lang="en-US" dirty="0"/>
+              <a:t>Find the name of the plugin that provides those attributes</a:t>
+            </a:r>
+          </a:p>
+          <a:p>
+            <a:pPr marL="457200" indent="-457200">
+              <a:buFont typeface="Arial" charset="0"/>
+              <a:buChar char="•"/>
+            </a:pPr>
+            <a:r>
+              <a:rPr lang="en-US" dirty="0"/>
+              <a:t>Provide attributes in a wrapper cookbook, role, or environment for:</a:t>
+            </a:r>
+          </a:p>
+          <a:p>
             <a:endParaRPr lang="en-US" dirty="0"/>
           </a:p>
-        </p:txBody>
-      </p:sp>
-      <p:sp>
-        <p:nvSpPr>
-          <p:cNvPr id="4" name="Text Placeholder 3"/>
-          <p:cNvSpPr>
-            <a:spLocks noGrp="1"/>
-          </p:cNvSpPr>
-          <p:nvPr>
-            <p:ph type="body" sz="quarter" idx="10"/>
-          </p:nvPr>
-        </p:nvSpPr>
-        <p:spPr/>
-        <p:txBody>
-          <a:bodyPr/>
-          <a:lstStyle/>
+          <a:p>
+            <a:r>
+              <a:rPr lang="en-US" b="1" dirty="0">
+                <a:latin typeface="Courier New" charset="0"/>
+                <a:ea typeface="Courier New" charset="0"/>
+                <a:cs typeface="Courier New" charset="0"/>
+              </a:rPr>
+              <a:t>	node['</a:t>
+            </a:r>
+            <a:r>
+              <a:rPr lang="en-US" b="1" dirty="0" err="1">
+                <a:latin typeface="Courier New" charset="0"/>
+                <a:ea typeface="Courier New" charset="0"/>
+                <a:cs typeface="Courier New" charset="0"/>
+              </a:rPr>
+              <a:t>ohai</a:t>
+            </a:r>
+            <a:r>
+              <a:rPr lang="en-US" b="1" dirty="0">
+                <a:latin typeface="Courier New" charset="0"/>
+                <a:ea typeface="Courier New" charset="0"/>
+                <a:cs typeface="Courier New" charset="0"/>
+              </a:rPr>
+              <a:t>']['</a:t>
+            </a:r>
+            <a:r>
+              <a:rPr lang="en-US" b="1" dirty="0" err="1">
+                <a:latin typeface="Courier New" charset="0"/>
+                <a:ea typeface="Courier New" charset="0"/>
+                <a:cs typeface="Courier New" charset="0"/>
+              </a:rPr>
+              <a:t>disabled_plugins</a:t>
+            </a:r>
+            <a:r>
+              <a:rPr lang="en-US" b="1" dirty="0">
+                <a:latin typeface="Courier New" charset="0"/>
+                <a:ea typeface="Courier New" charset="0"/>
+                <a:cs typeface="Courier New" charset="0"/>
+              </a:rPr>
+              <a:t>']</a:t>
+            </a:r>
+          </a:p>
+          <a:p>
+            <a:endParaRPr lang="en-US" dirty="0"/>
+          </a:p>
           <a:p>
             <a:pPr marL="457200" indent="-457200">
-              <a:buFont typeface="Wingdings" charset="2"/>
-              <a:buChar char="ü"/>
+              <a:buFont typeface="Arial" charset="0"/>
+              <a:buChar char="•"/>
             </a:pPr>
             <a:r>
-              <a:rPr lang="en-US" dirty="0" smtClean="0"/>
-              <a:t>Configure </a:t>
-            </a:r>
-            <a:r>
               <a:rPr lang="en-US" dirty="0"/>
-              <a:t>the node to automatically load </a:t>
-            </a:r>
-            <a:r>
-              <a:rPr lang="en-US" dirty="0" err="1" smtClean="0"/>
-              <a:t>ohai</a:t>
-            </a:r>
-            <a:r>
-              <a:rPr lang="en-US" dirty="0" smtClean="0"/>
-              <a:t> plugins</a:t>
-            </a:r>
-          </a:p>
-          <a:p>
-            <a:pPr marL="457200" indent="-457200">
-              <a:buFont typeface="Wingdings" charset="2"/>
-              <a:buChar char="ü"/>
-            </a:pPr>
-            <a:r>
-              <a:rPr lang="en-US" dirty="0"/>
-              <a:t>Enable </a:t>
-            </a:r>
-            <a:r>
-              <a:rPr lang="en-US" dirty="0" err="1"/>
-              <a:t>ohai</a:t>
-            </a:r>
-            <a:r>
-              <a:rPr lang="en-US" dirty="0"/>
-              <a:t> </a:t>
-            </a:r>
-            <a:r>
-              <a:rPr lang="en-US" dirty="0" smtClean="0"/>
-              <a:t>hints</a:t>
-            </a:r>
-            <a:endParaRPr lang="en-US" dirty="0"/>
-          </a:p>
-          <a:p>
-            <a:pPr marL="457200" indent="-457200">
-              <a:buFont typeface="Wingdings" charset="2"/>
-              <a:buChar char="ü"/>
-            </a:pPr>
-            <a:r>
-              <a:rPr lang="en-US" dirty="0" smtClean="0"/>
-              <a:t>Remove </a:t>
-            </a:r>
-            <a:r>
-              <a:rPr lang="en-US" dirty="0"/>
-              <a:t>plugins that you do not want </a:t>
-            </a:r>
-            <a:r>
-              <a:rPr lang="en-US" dirty="0" smtClean="0"/>
-              <a:t>executed</a:t>
-            </a:r>
-            <a:endParaRPr lang="en-US" dirty="0"/>
-          </a:p>
-          <a:p>
-            <a:pPr marL="457200" indent="-457200">
-              <a:buFont typeface="Wingdings" charset="2"/>
-              <a:buChar char="q"/>
-            </a:pPr>
-            <a:r>
-              <a:rPr lang="en-US" dirty="0" smtClean="0"/>
-              <a:t>Choose only the plugins you want executed</a:t>
-            </a:r>
-            <a:endParaRPr lang="en-US" dirty="0"/>
-          </a:p>
-          <a:p>
-            <a:pPr marL="342900" indent="-342900">
-              <a:buFont typeface="Wingdings" charset="2"/>
-              <a:buChar char="q"/>
-            </a:pPr>
-            <a:endParaRPr lang="en-US" dirty="0"/>
+              <a:t>Add chef-client cookbook to every node's run list</a:t>
+            </a:r>
           </a:p>
         </p:txBody>
       </p:sp>
     </p:spTree>
     <p:extLst>
       <p:ext uri="{BB962C8B-B14F-4D97-AF65-F5344CB8AC3E}">
-        <p14:creationId xmlns:p14="http://schemas.microsoft.com/office/powerpoint/2010/main" val="799656163"/>
+        <p14:creationId xmlns:p14="http://schemas.microsoft.com/office/powerpoint/2010/main" val="125937156"/>
       </p:ext>
     </p:extLst>
   </p:cSld>
@@ -14508,7 +14247,7 @@
       </p:grpSpPr>
       <p:sp>
         <p:nvSpPr>
-          <p:cNvPr id="4" name="Title 3"/>
+          <p:cNvPr id="2" name="Title 1"/>
           <p:cNvSpPr>
             <a:spLocks noGrp="1"/>
           </p:cNvSpPr>
@@ -14524,21 +14263,28 @@
           <a:lstStyle/>
           <a:p>
             <a:r>
-              <a:rPr lang="en-US" dirty="0" smtClean="0"/>
-              <a:t>Whitelist Node Attributes</a:t>
-            </a:r>
-            <a:endParaRPr lang="en-US" dirty="0"/>
-          </a:p>
-        </p:txBody>
-      </p:sp>
-      <p:sp>
-        <p:nvSpPr>
-          <p:cNvPr id="5" name="Subtitle 4"/>
-          <p:cNvSpPr>
-            <a:spLocks noGrp="1"/>
-          </p:cNvSpPr>
-          <p:nvPr>
-            <p:ph type="subTitle" idx="1"/>
+              <a:rPr lang="en-US" dirty="0"/>
+              <a:t>Run </a:t>
+            </a:r>
+            <a:r>
+              <a:rPr lang="en-US" dirty="0" err="1"/>
+              <a:t>Ohai</a:t>
+            </a:r>
+            <a:r>
+              <a:rPr lang="en-US" dirty="0"/>
+              <a:t> Smoother</a:t>
+            </a:r>
+          </a:p>
+        </p:txBody>
+      </p:sp>
+      <p:sp>
+        <p:nvSpPr>
+          <p:cNvPr id="3" name="Content Placeholder 2"/>
+          <p:cNvSpPr>
+            <a:spLocks noGrp="1"/>
+          </p:cNvSpPr>
+          <p:nvPr>
+            <p:ph sz="quarter" idx="11"/>
           </p:nvPr>
         </p:nvSpPr>
         <p:spPr/>
@@ -14547,145 +14293,103 @@
           <a:lstStyle/>
           <a:p>
             <a:r>
-              <a:rPr lang="en-US" dirty="0" smtClean="0"/>
-              <a:t>When it seems like you are disabling far too many plugins and you want to consider attacking it from the other side:</a:t>
-            </a:r>
-          </a:p>
-          <a:p>
-            <a:endParaRPr lang="en-US" dirty="0" smtClean="0"/>
-          </a:p>
-          <a:p>
+              <a:rPr lang="en-US" dirty="0"/>
+              <a:t>There are a few more things to learn about </a:t>
+            </a:r>
+            <a:r>
+              <a:rPr lang="en-US" dirty="0" err="1"/>
+              <a:t>Ohai</a:t>
+            </a:r>
+            <a:r>
+              <a:rPr lang="en-US" dirty="0"/>
+              <a:t> that could help increase performance.</a:t>
+            </a:r>
+          </a:p>
+        </p:txBody>
+      </p:sp>
+      <p:sp>
+        <p:nvSpPr>
+          <p:cNvPr id="4" name="Text Placeholder 3"/>
+          <p:cNvSpPr>
+            <a:spLocks noGrp="1"/>
+          </p:cNvSpPr>
+          <p:nvPr>
+            <p:ph type="body" sz="quarter" idx="10"/>
+          </p:nvPr>
+        </p:nvSpPr>
+        <p:spPr/>
+        <p:txBody>
+          <a:bodyPr/>
+          <a:lstStyle/>
+          <a:p>
+            <a:pPr marL="457200" indent="-457200">
+              <a:buFont typeface="Wingdings" charset="2"/>
+              <a:buChar char="ü"/>
+            </a:pPr>
+            <a:r>
+              <a:rPr lang="en-US" dirty="0"/>
+              <a:t>Configure the node to automatically load </a:t>
+            </a:r>
+            <a:r>
+              <a:rPr lang="en-US" dirty="0" err="1"/>
+              <a:t>ohai</a:t>
+            </a:r>
+            <a:r>
+              <a:rPr lang="en-US" dirty="0"/>
+              <a:t> plugins</a:t>
+            </a:r>
+          </a:p>
+          <a:p>
+            <a:pPr marL="457200" indent="-457200">
+              <a:buFont typeface="Wingdings" charset="2"/>
+              <a:buChar char="ü"/>
+            </a:pPr>
+            <a:r>
+              <a:rPr lang="en-US" dirty="0"/>
+              <a:t>Enable </a:t>
+            </a:r>
+            <a:r>
+              <a:rPr lang="en-US" dirty="0" err="1"/>
+              <a:t>ohai</a:t>
+            </a:r>
+            <a:r>
+              <a:rPr lang="en-US" dirty="0"/>
+              <a:t> hints</a:t>
+            </a:r>
+          </a:p>
+          <a:p>
+            <a:pPr marL="457200" indent="-457200">
+              <a:buFont typeface="Wingdings" charset="2"/>
+              <a:buChar char="ü"/>
+            </a:pPr>
+            <a:r>
+              <a:rPr lang="en-US" dirty="0"/>
+              <a:t>Remove plugins that you do not want executed</a:t>
+            </a:r>
+          </a:p>
+          <a:p>
+            <a:pPr marL="457200" indent="-457200">
+              <a:buFont typeface="Wingdings" charset="2"/>
+              <a:buChar char="q"/>
+            </a:pPr>
+            <a:r>
+              <a:rPr lang="en-US" dirty="0"/>
+              <a:t>Choose only the plugins you want executed</a:t>
+            </a:r>
+          </a:p>
+          <a:p>
+            <a:pPr marL="342900" indent="-342900">
+              <a:buFont typeface="Wingdings" charset="2"/>
+              <a:buChar char="q"/>
+            </a:pPr>
             <a:endParaRPr lang="en-US" dirty="0"/>
-          </a:p>
-          <a:p>
-            <a:pPr algn="ctr"/>
-            <a:r>
-              <a:rPr lang="en-US" b="1" u="heavy" dirty="0" smtClean="0">
-                <a:cs typeface="Arial"/>
-                <a:hlinkClick r:id="rId3"/>
-              </a:rPr>
-              <a:t>h</a:t>
-            </a:r>
-            <a:r>
-              <a:rPr lang="en-US" b="1" u="heavy" spc="-10" dirty="0" smtClean="0">
-                <a:cs typeface="Arial"/>
-                <a:hlinkClick r:id="rId3"/>
-              </a:rPr>
-              <a:t>tt</a:t>
-            </a:r>
-            <a:r>
-              <a:rPr lang="en-US" b="1" u="heavy" dirty="0" smtClean="0">
-                <a:cs typeface="Arial"/>
-                <a:hlinkClick r:id="rId3"/>
-              </a:rPr>
-              <a:t>p</a:t>
-            </a:r>
-            <a:r>
-              <a:rPr lang="en-US" b="1" u="heavy" spc="-10" dirty="0">
-                <a:cs typeface="Arial"/>
-                <a:hlinkClick r:id="rId3"/>
-              </a:rPr>
-              <a:t>://</a:t>
-            </a:r>
-            <a:r>
-              <a:rPr lang="en-US" b="1" u="heavy" dirty="0">
-                <a:cs typeface="Arial"/>
-                <a:hlinkClick r:id="rId3"/>
-              </a:rPr>
-              <a:t>ckb</a:t>
-            </a:r>
-            <a:r>
-              <a:rPr lang="en-US" b="1" u="heavy" spc="-5" dirty="0">
-                <a:cs typeface="Arial"/>
-                <a:hlinkClick r:id="rId3"/>
-              </a:rPr>
-              <a:t>k</a:t>
-            </a:r>
-            <a:r>
-              <a:rPr lang="en-US" b="1" u="heavy" spc="-10" dirty="0">
-                <a:cs typeface="Arial"/>
-                <a:hlinkClick r:id="rId3"/>
-              </a:rPr>
-              <a:t>.</a:t>
-            </a:r>
-            <a:r>
-              <a:rPr lang="en-US" b="1" u="heavy" dirty="0">
-                <a:cs typeface="Arial"/>
-                <a:hlinkClick r:id="rId3"/>
-              </a:rPr>
-              <a:t>i</a:t>
-            </a:r>
-            <a:r>
-              <a:rPr lang="en-US" b="1" u="heavy" spc="-10" dirty="0">
-                <a:cs typeface="Arial"/>
-                <a:hlinkClick r:id="rId3"/>
-              </a:rPr>
-              <a:t>t/</a:t>
-            </a:r>
-            <a:r>
-              <a:rPr lang="en-US" b="1" u="heavy" dirty="0">
-                <a:cs typeface="Arial"/>
-                <a:hlinkClick r:id="rId3"/>
-              </a:rPr>
-              <a:t>whi</a:t>
-            </a:r>
-            <a:r>
-              <a:rPr lang="en-US" b="1" u="heavy" spc="-10" dirty="0">
-                <a:cs typeface="Arial"/>
-                <a:hlinkClick r:id="rId3"/>
-              </a:rPr>
-              <a:t>t</a:t>
-            </a:r>
-            <a:r>
-              <a:rPr lang="en-US" b="1" u="heavy" dirty="0">
-                <a:cs typeface="Arial"/>
-                <a:hlinkClick r:id="rId3"/>
-              </a:rPr>
-              <a:t>eli</a:t>
-            </a:r>
-            <a:r>
-              <a:rPr lang="en-US" b="1" u="heavy" spc="-5" dirty="0">
-                <a:cs typeface="Arial"/>
-                <a:hlinkClick r:id="rId3"/>
-              </a:rPr>
-              <a:t>s</a:t>
-            </a:r>
-            <a:r>
-              <a:rPr lang="en-US" b="1" u="heavy" spc="-10" dirty="0">
-                <a:cs typeface="Arial"/>
-                <a:hlinkClick r:id="rId3"/>
-              </a:rPr>
-              <a:t>t</a:t>
-            </a:r>
-            <a:r>
-              <a:rPr lang="en-US" b="1" u="heavy" dirty="0">
-                <a:cs typeface="Arial"/>
-                <a:hlinkClick r:id="rId3"/>
-              </a:rPr>
-              <a:t>-node-a</a:t>
-            </a:r>
-            <a:r>
-              <a:rPr lang="en-US" b="1" u="heavy" spc="-10" dirty="0">
-                <a:cs typeface="Arial"/>
-                <a:hlinkClick r:id="rId3"/>
-              </a:rPr>
-              <a:t>tt</a:t>
-            </a:r>
-            <a:r>
-              <a:rPr lang="en-US" b="1" u="heavy" dirty="0">
-                <a:cs typeface="Arial"/>
-                <a:hlinkClick r:id="rId3"/>
-              </a:rPr>
-              <a:t>rs</a:t>
-            </a:r>
-            <a:endParaRPr lang="en-US" b="1" dirty="0"/>
           </a:p>
         </p:txBody>
       </p:sp>
     </p:spTree>
     <p:extLst>
       <p:ext uri="{BB962C8B-B14F-4D97-AF65-F5344CB8AC3E}">
-        <p14:creationId xmlns:p14="http://schemas.microsoft.com/office/powerpoint/2010/main" val="1569012786"/>
+        <p14:creationId xmlns:p14="http://schemas.microsoft.com/office/powerpoint/2010/main" val="799656163"/>
       </p:ext>
     </p:extLst>
   </p:cSld>
@@ -14731,10 +14435,9 @@
           <a:lstStyle/>
           <a:p>
             <a:r>
-              <a:rPr lang="en-US" dirty="0" smtClean="0"/>
+              <a:rPr lang="en-US" dirty="0"/>
               <a:t>Objectives</a:t>
             </a:r>
-            <a:endParaRPr lang="en-US" dirty="0"/>
           </a:p>
         </p:txBody>
       </p:sp>
@@ -14754,7 +14457,7 @@
           <a:lstStyle/>
           <a:p>
             <a:r>
-              <a:rPr lang="en-US" dirty="0" smtClean="0"/>
+              <a:rPr lang="en-US" dirty="0"/>
               <a:t>After completing this module, you should be able to:</a:t>
             </a:r>
           </a:p>
@@ -14767,15 +14470,15 @@
               <a:buChar char="Ø"/>
             </a:pPr>
             <a:r>
-              <a:rPr lang="en-US" dirty="0" smtClean="0"/>
+              <a:rPr lang="en-US" dirty="0"/>
               <a:t>Describe how you configure the node to automatically load </a:t>
             </a:r>
             <a:r>
-              <a:rPr lang="en-US" dirty="0" err="1" smtClean="0"/>
+              <a:rPr lang="en-US" dirty="0" err="1"/>
               <a:t>ohai</a:t>
             </a:r>
             <a:r>
-              <a:rPr lang="en-US" dirty="0" smtClean="0"/>
+              <a:rPr lang="en-US" dirty="0"/>
               <a:t> plugins</a:t>
             </a:r>
           </a:p>
@@ -14794,11 +14497,7 @@
             </a:r>
             <a:r>
               <a:rPr lang="en-US" dirty="0"/>
-              <a:t> </a:t>
-            </a:r>
-            <a:r>
-              <a:rPr lang="en-US" dirty="0" smtClean="0"/>
-              <a:t>hints</a:t>
+              <a:t> hints</a:t>
             </a:r>
           </a:p>
           <a:p>
@@ -14807,7 +14506,7 @@
               <a:buChar char="Ø"/>
             </a:pPr>
             <a:r>
-              <a:rPr lang="en-US" dirty="0" smtClean="0"/>
+              <a:rPr lang="en-US" dirty="0"/>
               <a:t>Describe how to remove plugins that you do not want executed</a:t>
             </a:r>
           </a:p>
@@ -14817,15 +14516,15 @@
               <a:buChar char="Ø"/>
             </a:pPr>
             <a:r>
-              <a:rPr lang="en-US" dirty="0" smtClean="0"/>
+              <a:rPr lang="en-US" dirty="0"/>
               <a:t>Describe where you can fine more information about better </a:t>
             </a:r>
             <a:r>
-              <a:rPr lang="en-US" dirty="0" err="1" smtClean="0"/>
+              <a:rPr lang="en-US" dirty="0" err="1"/>
               <a:t>Ohai</a:t>
             </a:r>
             <a:r>
-              <a:rPr lang="en-US" dirty="0" smtClean="0"/>
+              <a:rPr lang="en-US" dirty="0"/>
               <a:t> performance</a:t>
             </a:r>
           </a:p>
@@ -14844,13 +14543,6 @@
   <p:transition spd="med">
     <p:fade/>
   </p:transition>
-  <p:timing>
-    <p:tnLst>
-      <p:par>
-        <p:cTn id="1" dur="indefinite" restart="never" nodeType="tmRoot"/>
-      </p:par>
-    </p:tnLst>
-  </p:timing>
 </p:sld>
 </file>
 
@@ -14873,7 +14565,7 @@
       </p:grpSpPr>
       <p:sp>
         <p:nvSpPr>
-          <p:cNvPr id="2" name="Title 1"/>
+          <p:cNvPr id="4" name="Title 3"/>
           <p:cNvSpPr>
             <a:spLocks noGrp="1"/>
           </p:cNvSpPr>
@@ -14889,29 +14581,20 @@
           <a:lstStyle/>
           <a:p>
             <a:r>
-              <a:rPr lang="en-US" dirty="0" smtClean="0"/>
-              <a:t>Run </a:t>
-            </a:r>
-            <a:r>
-              <a:rPr lang="en-US" dirty="0" err="1" smtClean="0"/>
-              <a:t>Ohai</a:t>
-            </a:r>
-            <a:r>
-              <a:rPr lang="en-US" dirty="0" smtClean="0"/>
-              <a:t> Smoother</a:t>
-            </a:r>
-            <a:endParaRPr lang="en-US" dirty="0"/>
-          </a:p>
-        </p:txBody>
-      </p:sp>
-      <p:sp>
-        <p:nvSpPr>
-          <p:cNvPr id="3" name="Content Placeholder 2"/>
-          <p:cNvSpPr>
-            <a:spLocks noGrp="1"/>
-          </p:cNvSpPr>
-          <p:nvPr>
-            <p:ph sz="quarter" idx="11"/>
+              <a:rPr lang="en-US" dirty="0"/>
+              <a:t>Whitelist Node Attributes</a:t>
+            </a:r>
+          </a:p>
+        </p:txBody>
+      </p:sp>
+      <p:sp>
+        <p:nvSpPr>
+          <p:cNvPr id="5" name="Subtitle 4"/>
+          <p:cNvSpPr>
+            <a:spLocks noGrp="1"/>
+          </p:cNvSpPr>
+          <p:nvPr>
+            <p:ph type="subTitle" idx="1"/>
           </p:nvPr>
         </p:nvSpPr>
         <p:spPr/>
@@ -14920,123 +14603,33 @@
           <a:lstStyle/>
           <a:p>
             <a:r>
-              <a:rPr lang="en-US" dirty="0" smtClean="0"/>
-              <a:t>There are a few more things to learn about </a:t>
-            </a:r>
-            <a:r>
-              <a:rPr lang="en-US" dirty="0" err="1" smtClean="0"/>
-              <a:t>Ohai</a:t>
-            </a:r>
-            <a:r>
-              <a:rPr lang="en-US" dirty="0" smtClean="0"/>
-              <a:t> that could help increase performance.</a:t>
-            </a:r>
+              <a:rPr lang="en-US" dirty="0"/>
+              <a:t>When it seems like you are disabling far too many plugins and you want to consider attacking it from the other side:</a:t>
+            </a:r>
+          </a:p>
+          <a:p>
             <a:endParaRPr lang="en-US" dirty="0"/>
           </a:p>
-        </p:txBody>
-      </p:sp>
-      <p:sp>
-        <p:nvSpPr>
-          <p:cNvPr id="4" name="Text Placeholder 3"/>
-          <p:cNvSpPr>
-            <a:spLocks noGrp="1"/>
-          </p:cNvSpPr>
-          <p:nvPr>
-            <p:ph type="body" sz="quarter" idx="10"/>
-          </p:nvPr>
-        </p:nvSpPr>
-        <p:spPr/>
-        <p:txBody>
-          <a:bodyPr/>
-          <a:lstStyle/>
-          <a:p>
-            <a:pPr marL="457200" indent="-457200">
-              <a:buFont typeface="Wingdings" charset="2"/>
-              <a:buChar char="ü"/>
-            </a:pPr>
-            <a:r>
-              <a:rPr lang="en-US" dirty="0" smtClean="0"/>
-              <a:t>Configure </a:t>
-            </a:r>
-            <a:r>
-              <a:rPr lang="en-US" dirty="0"/>
-              <a:t>the node to automatically load </a:t>
-            </a:r>
-            <a:r>
-              <a:rPr lang="en-US" dirty="0" err="1" smtClean="0"/>
-              <a:t>ohai</a:t>
-            </a:r>
-            <a:r>
-              <a:rPr lang="en-US" dirty="0" smtClean="0"/>
-              <a:t> plugins</a:t>
-            </a:r>
-          </a:p>
-          <a:p>
-            <a:pPr marL="457200" indent="-457200">
-              <a:buFont typeface="Wingdings" charset="2"/>
-              <a:buChar char="ü"/>
-            </a:pPr>
-            <a:r>
-              <a:rPr lang="en-US" dirty="0"/>
-              <a:t>Enable </a:t>
-            </a:r>
-            <a:r>
-              <a:rPr lang="en-US" dirty="0" err="1"/>
-              <a:t>ohai</a:t>
-            </a:r>
-            <a:r>
-              <a:rPr lang="en-US" dirty="0"/>
-              <a:t> </a:t>
-            </a:r>
-            <a:r>
-              <a:rPr lang="en-US" dirty="0" smtClean="0"/>
-              <a:t>hints</a:t>
-            </a:r>
+          <a:p>
             <a:endParaRPr lang="en-US" dirty="0"/>
           </a:p>
           <a:p>
-            <a:pPr marL="457200" indent="-457200">
-              <a:buFont typeface="Wingdings" charset="2"/>
-              <a:buChar char="ü"/>
-            </a:pPr>
-            <a:r>
-              <a:rPr lang="en-US" dirty="0" smtClean="0"/>
-              <a:t>Remove </a:t>
-            </a:r>
-            <a:r>
-              <a:rPr lang="en-US" dirty="0"/>
-              <a:t>plugins that you do not want </a:t>
-            </a:r>
-            <a:r>
-              <a:rPr lang="en-US" dirty="0" smtClean="0"/>
-              <a:t>executed</a:t>
-            </a:r>
-            <a:endParaRPr lang="en-US" dirty="0"/>
-          </a:p>
-          <a:p>
-            <a:pPr marL="457200" indent="-457200">
-              <a:buFont typeface="Wingdings" charset="2"/>
-              <a:buChar char="ü"/>
-            </a:pPr>
-            <a:r>
-              <a:rPr lang="en-US" dirty="0" smtClean="0"/>
-              <a:t>Choose only the plugins you want executed</a:t>
-            </a:r>
-            <a:endParaRPr lang="en-US" dirty="0"/>
-          </a:p>
-          <a:p>
-            <a:pPr marL="342900" indent="-342900">
-              <a:buFont typeface="Wingdings" charset="2"/>
-              <a:buChar char="q"/>
-            </a:pPr>
-            <a:endParaRPr lang="en-US" dirty="0"/>
+            <a:pPr algn="ctr"/>
+            <a:r>
+              <a:rPr lang="en-US" b="1" u="heavy" dirty="0">
+                <a:cs typeface="Arial"/>
+                <a:hlinkClick r:id="rId3"/>
+              </a:rPr>
+              <a:t>https://docs.chef.io/ohai.html#whitelist-attributes</a:t>
+            </a:r>
+            <a:endParaRPr lang="en-US" b="1" dirty="0"/>
           </a:p>
         </p:txBody>
       </p:sp>
     </p:spTree>
     <p:extLst>
       <p:ext uri="{BB962C8B-B14F-4D97-AF65-F5344CB8AC3E}">
-        <p14:creationId xmlns:p14="http://schemas.microsoft.com/office/powerpoint/2010/main" val="2053147293"/>
+        <p14:creationId xmlns:p14="http://schemas.microsoft.com/office/powerpoint/2010/main" val="1569012786"/>
       </p:ext>
     </p:extLst>
   </p:cSld>
@@ -15084,21 +14677,28 @@
           <a:lstStyle/>
           <a:p>
             <a:r>
-              <a:rPr lang="en-US" dirty="0" smtClean="0"/>
-              <a:t>Q&amp;A</a:t>
-            </a:r>
-            <a:endParaRPr lang="en-US" dirty="0"/>
-          </a:p>
-        </p:txBody>
-      </p:sp>
-      <p:sp>
-        <p:nvSpPr>
-          <p:cNvPr id="3" name="Subtitle 2"/>
-          <p:cNvSpPr>
-            <a:spLocks noGrp="1"/>
-          </p:cNvSpPr>
-          <p:nvPr>
-            <p:ph type="subTitle" idx="1"/>
+              <a:rPr lang="en-US" dirty="0"/>
+              <a:t>Run </a:t>
+            </a:r>
+            <a:r>
+              <a:rPr lang="en-US" dirty="0" err="1"/>
+              <a:t>Ohai</a:t>
+            </a:r>
+            <a:r>
+              <a:rPr lang="en-US" dirty="0"/>
+              <a:t> Smoother</a:t>
+            </a:r>
+          </a:p>
+        </p:txBody>
+      </p:sp>
+      <p:sp>
+        <p:nvSpPr>
+          <p:cNvPr id="3" name="Content Placeholder 2"/>
+          <p:cNvSpPr>
+            <a:spLocks noGrp="1"/>
+          </p:cNvSpPr>
+          <p:nvPr>
+            <p:ph sz="quarter" idx="11"/>
           </p:nvPr>
         </p:nvSpPr>
         <p:spPr/>
@@ -15107,10 +14707,175 @@
           <a:lstStyle/>
           <a:p>
             <a:r>
-              <a:rPr lang="en-US" dirty="0" smtClean="0"/>
+              <a:rPr lang="en-US" dirty="0"/>
+              <a:t>There are a few more things to learn about </a:t>
+            </a:r>
+            <a:r>
+              <a:rPr lang="en-US" dirty="0" err="1"/>
+              <a:t>Ohai</a:t>
+            </a:r>
+            <a:r>
+              <a:rPr lang="en-US" dirty="0"/>
+              <a:t> that could help increase performance.</a:t>
+            </a:r>
+          </a:p>
+        </p:txBody>
+      </p:sp>
+      <p:sp>
+        <p:nvSpPr>
+          <p:cNvPr id="4" name="Text Placeholder 3"/>
+          <p:cNvSpPr>
+            <a:spLocks noGrp="1"/>
+          </p:cNvSpPr>
+          <p:nvPr>
+            <p:ph type="body" sz="quarter" idx="10"/>
+          </p:nvPr>
+        </p:nvSpPr>
+        <p:spPr/>
+        <p:txBody>
+          <a:bodyPr/>
+          <a:lstStyle/>
+          <a:p>
+            <a:pPr marL="457200" indent="-457200">
+              <a:buFont typeface="Wingdings" charset="2"/>
+              <a:buChar char="ü"/>
+            </a:pPr>
+            <a:r>
+              <a:rPr lang="en-US" dirty="0"/>
+              <a:t>Configure the node to automatically load </a:t>
+            </a:r>
+            <a:r>
+              <a:rPr lang="en-US" dirty="0" err="1"/>
+              <a:t>ohai</a:t>
+            </a:r>
+            <a:r>
+              <a:rPr lang="en-US" dirty="0"/>
+              <a:t> plugins</a:t>
+            </a:r>
+          </a:p>
+          <a:p>
+            <a:pPr marL="457200" indent="-457200">
+              <a:buFont typeface="Wingdings" charset="2"/>
+              <a:buChar char="ü"/>
+            </a:pPr>
+            <a:r>
+              <a:rPr lang="en-US" dirty="0"/>
+              <a:t>Enable </a:t>
+            </a:r>
+            <a:r>
+              <a:rPr lang="en-US" dirty="0" err="1"/>
+              <a:t>ohai</a:t>
+            </a:r>
+            <a:r>
+              <a:rPr lang="en-US" dirty="0"/>
+              <a:t> hints</a:t>
+            </a:r>
+          </a:p>
+          <a:p>
+            <a:pPr marL="457200" indent="-457200">
+              <a:buFont typeface="Wingdings" charset="2"/>
+              <a:buChar char="ü"/>
+            </a:pPr>
+            <a:r>
+              <a:rPr lang="en-US" dirty="0"/>
+              <a:t>Remove plugins that you do not want executed</a:t>
+            </a:r>
+          </a:p>
+          <a:p>
+            <a:pPr marL="457200" indent="-457200">
+              <a:buFont typeface="Wingdings" charset="2"/>
+              <a:buChar char="ü"/>
+            </a:pPr>
+            <a:r>
+              <a:rPr lang="en-US" dirty="0"/>
+              <a:t>Choose only the plugins you want executed</a:t>
+            </a:r>
+          </a:p>
+          <a:p>
+            <a:pPr marL="342900" indent="-342900">
+              <a:buFont typeface="Wingdings" charset="2"/>
+              <a:buChar char="q"/>
+            </a:pPr>
+            <a:endParaRPr lang="en-US" dirty="0"/>
+          </a:p>
+        </p:txBody>
+      </p:sp>
+    </p:spTree>
+    <p:extLst>
+      <p:ext uri="{BB962C8B-B14F-4D97-AF65-F5344CB8AC3E}">
+        <p14:creationId xmlns:p14="http://schemas.microsoft.com/office/powerpoint/2010/main" val="2053147293"/>
+      </p:ext>
+    </p:extLst>
+  </p:cSld>
+  <p:clrMapOvr>
+    <a:masterClrMapping/>
+  </p:clrMapOvr>
+  <p:transition spd="med">
+    <p:fade/>
+  </p:transition>
+</p:sld>
+</file>
+
+<file path=ppt/slides/slide22.xml><?xml version="1.0" encoding="utf-8"?>
+<p:sld xmlns:a="http://schemas.openxmlformats.org/drawingml/2006/main" xmlns:r="http://schemas.openxmlformats.org/officeDocument/2006/relationships" xmlns:p="http://schemas.openxmlformats.org/presentationml/2006/main">
+  <p:cSld>
+    <p:spTree>
+      <p:nvGrpSpPr>
+        <p:cNvPr id="1" name=""/>
+        <p:cNvGrpSpPr/>
+        <p:nvPr/>
+      </p:nvGrpSpPr>
+      <p:grpSpPr>
+        <a:xfrm>
+          <a:off x="0" y="0"/>
+          <a:ext cx="0" cy="0"/>
+          <a:chOff x="0" y="0"/>
+          <a:chExt cx="0" cy="0"/>
+        </a:xfrm>
+      </p:grpSpPr>
+      <p:sp>
+        <p:nvSpPr>
+          <p:cNvPr id="2" name="Title 1"/>
+          <p:cNvSpPr>
+            <a:spLocks noGrp="1"/>
+          </p:cNvSpPr>
+          <p:nvPr>
+            <p:ph type="ctrTitle"/>
+          </p:nvPr>
+        </p:nvSpPr>
+        <p:spPr/>
+        <p:txBody>
+          <a:bodyPr>
+            <a:normAutofit fontScale="90000"/>
+          </a:bodyPr>
+          <a:lstStyle/>
+          <a:p>
+            <a:r>
+              <a:rPr lang="en-US" dirty="0"/>
+              <a:t>Q&amp;A</a:t>
+            </a:r>
+          </a:p>
+        </p:txBody>
+      </p:sp>
+      <p:sp>
+        <p:nvSpPr>
+          <p:cNvPr id="3" name="Subtitle 2"/>
+          <p:cNvSpPr>
+            <a:spLocks noGrp="1"/>
+          </p:cNvSpPr>
+          <p:nvPr>
+            <p:ph type="subTitle" idx="1"/>
+          </p:nvPr>
+        </p:nvSpPr>
+        <p:spPr/>
+        <p:txBody>
+          <a:bodyPr/>
+          <a:lstStyle/>
+          <a:p>
+            <a:r>
+              <a:rPr lang="en-US" dirty="0"/>
               <a:t>What questions can we answer for you?</a:t>
             </a:r>
-            <a:endParaRPr lang="en-US" dirty="0"/>
           </a:p>
         </p:txBody>
       </p:sp>
@@ -15127,17 +14892,10 @@
   <p:transition spd="med">
     <p:fade/>
   </p:transition>
-  <p:timing>
-    <p:tnLst>
-      <p:par>
-        <p:cTn id="1" dur="indefinite" restart="never" nodeType="tmRoot"/>
-      </p:par>
-    </p:tnLst>
-  </p:timing>
 </p:sld>
 </file>
 
-<file path=ppt/slides/slide22.xml><?xml version="1.0" encoding="utf-8"?>
+<file path=ppt/slides/slide23.xml><?xml version="1.0" encoding="utf-8"?>
 <p:sld xmlns:a="http://schemas.openxmlformats.org/drawingml/2006/main" xmlns:r="http://schemas.openxmlformats.org/officeDocument/2006/relationships" xmlns:p="http://schemas.openxmlformats.org/presentationml/2006/main">
   <p:cSld>
     <p:spTree>
@@ -15205,18 +14963,17 @@
           <a:lstStyle/>
           <a:p>
             <a:r>
-              <a:rPr lang="en-US" dirty="0" smtClean="0"/>
+              <a:rPr lang="en-US" dirty="0"/>
               <a:t>Run </a:t>
             </a:r>
             <a:r>
-              <a:rPr lang="en-US" dirty="0" err="1" smtClean="0"/>
+              <a:rPr lang="en-US" dirty="0" err="1"/>
               <a:t>Ohai</a:t>
             </a:r>
             <a:r>
-              <a:rPr lang="en-US" dirty="0" smtClean="0"/>
+              <a:rPr lang="en-US" dirty="0"/>
               <a:t> Smoother</a:t>
             </a:r>
-            <a:endParaRPr lang="en-US" dirty="0"/>
           </a:p>
         </p:txBody>
       </p:sp>
@@ -15236,18 +14993,17 @@
           <a:lstStyle/>
           <a:p>
             <a:r>
-              <a:rPr lang="en-US" dirty="0" smtClean="0"/>
+              <a:rPr lang="en-US" dirty="0"/>
               <a:t>There are a few more things to learn about </a:t>
             </a:r>
             <a:r>
-              <a:rPr lang="en-US" dirty="0" err="1" smtClean="0"/>
+              <a:rPr lang="en-US" dirty="0" err="1"/>
               <a:t>Ohai</a:t>
             </a:r>
             <a:r>
-              <a:rPr lang="en-US" dirty="0" smtClean="0"/>
+              <a:rPr lang="en-US" dirty="0"/>
               <a:t> that could help increase performance.</a:t>
             </a:r>
-            <a:endParaRPr lang="en-US" dirty="0"/>
           </a:p>
         </p:txBody>
       </p:sp>
@@ -15271,19 +15027,15 @@
               <a:buChar char="q"/>
             </a:pPr>
             <a:r>
-              <a:rPr lang="en-US" dirty="0" smtClean="0"/>
-              <a:t>Configure </a:t>
-            </a:r>
-            <a:r>
               <a:rPr lang="en-US" dirty="0"/>
-              <a:t>the node to automatically load </a:t>
-            </a:r>
-            <a:r>
-              <a:rPr lang="en-US" dirty="0" err="1" smtClean="0"/>
+              <a:t>Configure the node to automatically load </a:t>
+            </a:r>
+            <a:r>
+              <a:rPr lang="en-US" dirty="0" err="1"/>
               <a:t>ohai</a:t>
             </a:r>
             <a:r>
-              <a:rPr lang="en-US" dirty="0" smtClean="0"/>
+              <a:rPr lang="en-US" dirty="0"/>
               <a:t> plugins</a:t>
             </a:r>
           </a:p>
@@ -15293,18 +15045,17 @@
               <a:buChar char="q"/>
             </a:pPr>
             <a:r>
-              <a:rPr lang="en-US" dirty="0" smtClean="0"/>
+              <a:rPr lang="en-US" dirty="0"/>
               <a:t>Enable </a:t>
             </a:r>
             <a:r>
-              <a:rPr lang="en-US" dirty="0" err="1" smtClean="0"/>
+              <a:rPr lang="en-US" dirty="0" err="1"/>
               <a:t>ohai</a:t>
             </a:r>
             <a:r>
-              <a:rPr lang="en-US" dirty="0" smtClean="0"/>
+              <a:rPr lang="en-US" dirty="0"/>
               <a:t> hints</a:t>
             </a:r>
-            <a:endParaRPr lang="en-US" dirty="0"/>
           </a:p>
           <a:p>
             <a:pPr marL="457200" indent="-457200">
@@ -15312,18 +15063,9 @@
               <a:buChar char="q"/>
             </a:pPr>
             <a:r>
-              <a:rPr lang="en-US" dirty="0" smtClean="0"/>
-              <a:t>Remove </a:t>
-            </a:r>
-            <a:r>
               <a:rPr lang="en-US" dirty="0"/>
-              <a:t>plugins that you do not want </a:t>
-            </a:r>
-            <a:r>
-              <a:rPr lang="en-US" dirty="0" smtClean="0"/>
-              <a:t>executed</a:t>
-            </a:r>
-            <a:endParaRPr lang="en-US" dirty="0"/>
+              <a:t>Remove plugins that you do not want executed</a:t>
+            </a:r>
           </a:p>
           <a:p>
             <a:pPr marL="457200" indent="-457200">
@@ -15331,10 +15073,9 @@
               <a:buChar char="q"/>
             </a:pPr>
             <a:r>
-              <a:rPr lang="en-US" dirty="0" smtClean="0"/>
+              <a:rPr lang="en-US" dirty="0"/>
               <a:t>Choose only the plugins you want executed</a:t>
             </a:r>
-            <a:endParaRPr lang="en-US" dirty="0"/>
           </a:p>
           <a:p>
             <a:pPr marL="342900" indent="-342900">
@@ -15396,10 +15137,9 @@
           <a:lstStyle/>
           <a:p>
             <a:r>
-              <a:rPr lang="en-US" dirty="0" smtClean="0"/>
+              <a:rPr lang="en-US" dirty="0"/>
               <a:t>Node Configuration File</a:t>
             </a:r>
-            <a:endParaRPr lang="en-US" dirty="0"/>
           </a:p>
         </p:txBody>
       </p:sp>
@@ -15419,10 +15159,17 @@
           <a:lstStyle/>
           <a:p>
             <a:r>
-              <a:rPr lang="en-US" dirty="0" smtClean="0"/>
-              <a:t>All nodes have a configuration file that contain details about node, overrides, and other data.</a:t>
-            </a:r>
-            <a:endParaRPr lang="en-US" dirty="0"/>
+              <a:rPr lang="en-US" dirty="0"/>
+              <a:t>All nodes have a configuration file that contain details about node, overrides, and other data. This is the </a:t>
+            </a:r>
+            <a:r>
+              <a:rPr lang="en-US" dirty="0" err="1"/>
+              <a:t>client.rb</a:t>
+            </a:r>
+            <a:r>
+              <a:rPr lang="en-US" dirty="0"/>
+              <a:t> file on the node.</a:t>
+            </a:r>
           </a:p>
         </p:txBody>
       </p:sp>
@@ -15504,10 +15251,9 @@
           <a:lstStyle/>
           <a:p>
             <a:r>
-              <a:rPr lang="en-US" dirty="0" smtClean="0"/>
+              <a:rPr lang="en-US" dirty="0"/>
               <a:t>The Anatomy of a chef-client Run</a:t>
             </a:r>
-            <a:endParaRPr lang="en-US" dirty="0"/>
           </a:p>
         </p:txBody>
       </p:sp>
@@ -15562,10 +15308,9 @@
           <a:lstStyle/>
           <a:p>
             <a:r>
-              <a:rPr lang="en-US" dirty="0" smtClean="0"/>
+              <a:rPr lang="en-US" dirty="0"/>
               <a:t>chef-client cookbook</a:t>
             </a:r>
-            <a:endParaRPr lang="en-US" dirty="0"/>
           </a:p>
         </p:txBody>
       </p:sp>
@@ -15590,7 +15335,7 @@
           <a:lstStyle/>
           <a:p>
             <a:r>
-              <a:rPr lang="en-US" dirty="0" smtClean="0"/>
+              <a:rPr lang="en-US" dirty="0"/>
               <a:t>The chef-client cookbook contains a number of useful recipes:</a:t>
             </a:r>
           </a:p>
@@ -15603,36 +15348,9 @@
               <a:buChar char="•"/>
             </a:pPr>
             <a:r>
-              <a:rPr lang="en-US" dirty="0" smtClean="0"/>
+              <a:rPr lang="en-US" dirty="0"/>
               <a:t>service (default)</a:t>
             </a:r>
-          </a:p>
-          <a:p>
-            <a:r>
-              <a:rPr lang="en-US" dirty="0"/>
-              <a:t>	</a:t>
-            </a:r>
-            <a:r>
-              <a:rPr lang="en-US" sz="2400" dirty="0" smtClean="0">
-                <a:solidFill>
-                  <a:schemeClr val="bg1">
-                    <a:lumMod val="50000"/>
-                  </a:schemeClr>
-                </a:solidFill>
-              </a:rPr>
-              <a:t>Run chef-client as a service, converging at a periodic interval</a:t>
-            </a:r>
-          </a:p>
-          <a:p>
-            <a:pPr marL="457200" indent="-457200">
-              <a:buFont typeface="Arial" charset="0"/>
-              <a:buChar char="•"/>
-            </a:pPr>
-            <a:r>
-              <a:rPr lang="en-US" dirty="0" err="1" smtClean="0"/>
-              <a:t>delete_validation</a:t>
-            </a:r>
-            <a:endParaRPr lang="en-US" dirty="0" smtClean="0"/>
           </a:p>
           <a:p>
             <a:r>
@@ -15647,17 +15365,34 @@
                   </a:schemeClr>
                 </a:solidFill>
               </a:rPr>
-              <a:t>Remove the organization validation key [SECURITY ISSUE</a:t>
-            </a:r>
-            <a:r>
-              <a:rPr lang="en-US" sz="2400" dirty="0" smtClean="0">
+              <a:t>Run chef-client as a service, converging at a periodic interval</a:t>
+            </a:r>
+          </a:p>
+          <a:p>
+            <a:pPr marL="457200" indent="-457200">
+              <a:buFont typeface="Arial" charset="0"/>
+              <a:buChar char="•"/>
+            </a:pPr>
+            <a:r>
+              <a:rPr lang="en-US" dirty="0" err="1"/>
+              <a:t>delete_validation</a:t>
+            </a:r>
+            <a:endParaRPr lang="en-US" dirty="0"/>
+          </a:p>
+          <a:p>
+            <a:r>
+              <a:rPr lang="en-US" dirty="0"/>
+              <a:t>	</a:t>
+            </a:r>
+            <a:r>
+              <a:rPr lang="en-US" sz="2400" dirty="0">
                 <a:solidFill>
                   <a:schemeClr val="bg1">
                     <a:lumMod val="50000"/>
                   </a:schemeClr>
                 </a:solidFill>
               </a:rPr>
-              <a:t>]</a:t>
+              <a:t>Remove the organization validation key [SECURITY ISSUE]</a:t>
             </a:r>
           </a:p>
           <a:p>
@@ -15666,10 +15401,10 @@
               <a:buChar char="•"/>
             </a:pPr>
             <a:r>
-              <a:rPr lang="en-US" dirty="0" err="1" smtClean="0"/>
+              <a:rPr lang="en-US" dirty="0" err="1"/>
               <a:t>config</a:t>
             </a:r>
-            <a:endParaRPr lang="en-US" dirty="0" smtClean="0"/>
+            <a:endParaRPr lang="en-US" dirty="0"/>
           </a:p>
           <a:p>
             <a:r>
@@ -15677,7 +15412,7 @@
               <a:t>	</a:t>
             </a:r>
             <a:r>
-              <a:rPr lang="en-US" sz="2400" dirty="0" smtClean="0">
+              <a:rPr lang="en-US" sz="2400" dirty="0">
                 <a:solidFill>
                   <a:schemeClr val="bg1">
                     <a:lumMod val="50000"/>
@@ -15686,16 +15421,9 @@
               </a:rPr>
               <a:t>Define node configuration</a:t>
             </a:r>
-            <a:endParaRPr lang="en-US" sz="2400" dirty="0">
-              <a:solidFill>
-                <a:schemeClr val="bg1">
-                  <a:lumMod val="50000"/>
-                </a:schemeClr>
-              </a:solidFill>
-            </a:endParaRPr>
-          </a:p>
-          <a:p>
-            <a:endParaRPr lang="en-US" dirty="0" smtClean="0"/>
+          </a:p>
+          <a:p>
+            <a:endParaRPr lang="en-US" dirty="0"/>
           </a:p>
         </p:txBody>
       </p:sp>
@@ -15722,18 +15450,12 @@
           <a:p>
             <a:pPr algn="ctr"/>
             <a:r>
-              <a:rPr lang="en-US" b="1" dirty="0"/>
-              <a:t>https://</a:t>
-            </a:r>
-            <a:r>
-              <a:rPr lang="en-US" b="1" dirty="0" err="1"/>
-              <a:t>supermarket.chef.io</a:t>
-            </a:r>
-            <a:r>
-              <a:rPr lang="en-US" b="1" dirty="0"/>
-              <a:t>/cookbooks/chef-client</a:t>
-            </a:r>
-            <a:endParaRPr lang="en-US" b="1" dirty="0" smtClean="0"/>
+              <a:rPr lang="en-US" b="1" dirty="0">
+                <a:hlinkClick r:id="rId3"/>
+              </a:rPr>
+              <a:t>https://supermarket.chef.io/cookbooks/chef-client</a:t>
+            </a:r>
+            <a:endParaRPr lang="en-US" b="1" dirty="0"/>
           </a:p>
         </p:txBody>
       </p:sp>
@@ -15786,18 +15508,17 @@
           <a:lstStyle/>
           <a:p>
             <a:r>
-              <a:rPr lang="en-US" dirty="0" smtClean="0"/>
+              <a:rPr lang="en-US" dirty="0"/>
               <a:t>Viewing the chef-client </a:t>
             </a:r>
             <a:r>
-              <a:rPr lang="en-US" dirty="0" err="1" smtClean="0"/>
+              <a:rPr lang="en-US" dirty="0" err="1"/>
               <a:t>config</a:t>
             </a:r>
             <a:r>
-              <a:rPr lang="en-US" dirty="0" smtClean="0"/>
+              <a:rPr lang="en-US" dirty="0"/>
               <a:t> Recipe</a:t>
             </a:r>
-            <a:endParaRPr lang="en-US" dirty="0"/>
           </a:p>
         </p:txBody>
       </p:sp>
@@ -15814,12 +15535,12 @@
         <p:spPr/>
         <p:txBody>
           <a:bodyPr>
-            <a:normAutofit fontScale="77500" lnSpcReduction="20000"/>
+            <a:noAutofit/>
           </a:bodyPr>
           <a:lstStyle/>
           <a:p>
             <a:r>
-              <a:rPr lang="en-US" b="1" dirty="0" smtClean="0">
+              <a:rPr lang="en-US" sz="2000" b="1" dirty="0">
                 <a:latin typeface="Courier New" charset="0"/>
                 <a:ea typeface="Courier New" charset="0"/>
                 <a:cs typeface="Courier New" charset="0"/>
@@ -15829,130 +15550,106 @@
           </a:p>
           <a:p>
             <a:r>
-              <a:rPr lang="en-US" b="1" dirty="0" smtClean="0">
+              <a:rPr lang="en-US" sz="2000" b="1" dirty="0">
                 <a:latin typeface="Courier New" charset="0"/>
                 <a:ea typeface="Courier New" charset="0"/>
                 <a:cs typeface="Courier New" charset="0"/>
               </a:rPr>
-              <a:t>template </a:t>
-            </a:r>
-            <a:r>
-              <a:rPr lang="en-US" b="1" dirty="0">
+              <a:t>template "#{node['</a:t>
+            </a:r>
+            <a:r>
+              <a:rPr lang="en-US" sz="2000" b="1" dirty="0" err="1">
                 <a:latin typeface="Courier New" charset="0"/>
                 <a:ea typeface="Courier New" charset="0"/>
                 <a:cs typeface="Courier New" charset="0"/>
               </a:rPr>
-              <a:t>"#{node["</a:t>
-            </a:r>
-            <a:r>
-              <a:rPr lang="en-US" b="1" dirty="0" err="1">
+              <a:t>chef_client</a:t>
+            </a:r>
+            <a:r>
+              <a:rPr lang="en-US" sz="2000" b="1" dirty="0">
                 <a:latin typeface="Courier New" charset="0"/>
                 <a:ea typeface="Courier New" charset="0"/>
                 <a:cs typeface="Courier New" charset="0"/>
               </a:rPr>
-              <a:t>chef_client</a:t>
-            </a:r>
-            <a:r>
-              <a:rPr lang="en-US" b="1" dirty="0">
+              <a:t>']['</a:t>
+            </a:r>
+            <a:r>
+              <a:rPr lang="en-US" sz="2000" b="1" dirty="0" err="1">
                 <a:latin typeface="Courier New" charset="0"/>
                 <a:ea typeface="Courier New" charset="0"/>
                 <a:cs typeface="Courier New" charset="0"/>
               </a:rPr>
-              <a:t>"]["</a:t>
-            </a:r>
-            <a:r>
-              <a:rPr lang="en-US" b="1" dirty="0" err="1">
+              <a:t>conf_dir</a:t>
+            </a:r>
+            <a:r>
+              <a:rPr lang="en-US" sz="2000" b="1" dirty="0">
                 <a:latin typeface="Courier New" charset="0"/>
                 <a:ea typeface="Courier New" charset="0"/>
                 <a:cs typeface="Courier New" charset="0"/>
               </a:rPr>
-              <a:t>conf_dir</a:t>
-            </a:r>
-            <a:r>
-              <a:rPr lang="en-US" b="1" dirty="0">
+              <a:t>']}/</a:t>
+            </a:r>
+            <a:r>
+              <a:rPr lang="en-US" sz="2000" b="1" dirty="0" err="1">
                 <a:latin typeface="Courier New" charset="0"/>
                 <a:ea typeface="Courier New" charset="0"/>
                 <a:cs typeface="Courier New" charset="0"/>
               </a:rPr>
-              <a:t>"]}/</a:t>
-            </a:r>
-            <a:r>
-              <a:rPr lang="en-US" b="1" dirty="0" err="1">
+              <a:t>client.rb</a:t>
+            </a:r>
+            <a:r>
+              <a:rPr lang="en-US" sz="2000" b="1" dirty="0">
                 <a:latin typeface="Courier New" charset="0"/>
                 <a:ea typeface="Courier New" charset="0"/>
                 <a:cs typeface="Courier New" charset="0"/>
               </a:rPr>
-              <a:t>client.rb</a:t>
-            </a:r>
-            <a:r>
-              <a:rPr lang="en-US" b="1" dirty="0">
+              <a:t>" do</a:t>
+            </a:r>
+          </a:p>
+          <a:p>
+            <a:r>
+              <a:rPr lang="en-US" sz="2000" b="1" dirty="0">
                 <a:latin typeface="Courier New" charset="0"/>
                 <a:ea typeface="Courier New" charset="0"/>
                 <a:cs typeface="Courier New" charset="0"/>
               </a:rPr>
-              <a:t>" do</a:t>
-            </a:r>
-          </a:p>
-          <a:p>
-            <a:r>
-              <a:rPr lang="en-US" b="1" dirty="0">
+              <a:t>  source '</a:t>
+            </a:r>
+            <a:r>
+              <a:rPr lang="en-US" sz="2000" b="1" dirty="0" err="1">
                 <a:latin typeface="Courier New" charset="0"/>
                 <a:ea typeface="Courier New" charset="0"/>
                 <a:cs typeface="Courier New" charset="0"/>
               </a:rPr>
-              <a:t>  source </a:t>
-            </a:r>
-            <a:r>
-              <a:rPr lang="en-US" b="1" dirty="0" smtClean="0">
+              <a:t>client.rb.erb</a:t>
+            </a:r>
+            <a:r>
+              <a:rPr lang="en-US" sz="2000" b="1" dirty="0">
                 <a:latin typeface="Courier New" charset="0"/>
                 <a:ea typeface="Courier New" charset="0"/>
                 <a:cs typeface="Courier New" charset="0"/>
               </a:rPr>
               <a:t>'</a:t>
             </a:r>
-            <a:r>
-              <a:rPr lang="en-US" b="1" dirty="0" err="1" smtClean="0">
+          </a:p>
+          <a:p>
+            <a:r>
+              <a:rPr lang="en-US" sz="2000" b="1" dirty="0">
                 <a:latin typeface="Courier New" charset="0"/>
                 <a:ea typeface="Courier New" charset="0"/>
                 <a:cs typeface="Courier New" charset="0"/>
               </a:rPr>
-              <a:t>client.rb.erb</a:t>
-            </a:r>
-            <a:r>
-              <a:rPr lang="en-US" b="1" dirty="0" smtClean="0">
+              <a:t>  owner </a:t>
+            </a:r>
+            <a:r>
+              <a:rPr lang="en-US" sz="2000" b="1" dirty="0" err="1">
                 <a:latin typeface="Courier New" charset="0"/>
                 <a:ea typeface="Courier New" charset="0"/>
                 <a:cs typeface="Courier New" charset="0"/>
               </a:rPr>
-              <a:t>'</a:t>
-            </a:r>
-          </a:p>
-          <a:p>
-            <a:r>
-              <a:rPr lang="en-US" b="1" dirty="0">
-                <a:latin typeface="Courier New" charset="0"/>
-                <a:ea typeface="Courier New" charset="0"/>
-                <a:cs typeface="Courier New" charset="0"/>
-              </a:rPr>
-              <a:t> </a:t>
-            </a:r>
-            <a:r>
-              <a:rPr lang="en-US" b="1" dirty="0" smtClean="0">
-                <a:latin typeface="Courier New" charset="0"/>
-                <a:ea typeface="Courier New" charset="0"/>
-                <a:cs typeface="Courier New" charset="0"/>
-              </a:rPr>
-              <a:t> owner </a:t>
-            </a:r>
-            <a:r>
-              <a:rPr lang="en-US" b="1" dirty="0" err="1">
-                <a:latin typeface="Courier New" charset="0"/>
-                <a:ea typeface="Courier New" charset="0"/>
-                <a:cs typeface="Courier New" charset="0"/>
-              </a:rPr>
               <a:t>d_owner</a:t>
             </a:r>
-            <a:endParaRPr lang="en-US" b="1" dirty="0">
+            <a:endParaRPr lang="en-US" sz="2000" b="1" dirty="0">
               <a:latin typeface="Courier New" charset="0"/>
               <a:ea typeface="Courier New" charset="0"/>
               <a:cs typeface="Courier New" charset="0"/>
@@ -15960,493 +15657,375 @@
           </a:p>
           <a:p>
             <a:r>
-              <a:rPr lang="en-US" b="1" dirty="0">
+              <a:rPr lang="en-US" sz="2000" b="1" dirty="0">
                 <a:latin typeface="Courier New" charset="0"/>
                 <a:ea typeface="Courier New" charset="0"/>
                 <a:cs typeface="Courier New" charset="0"/>
               </a:rPr>
-              <a:t>  group </a:t>
-            </a:r>
-            <a:r>
-              <a:rPr lang="en-US" b="1" dirty="0" err="1">
+              <a:t>  group node['</a:t>
+            </a:r>
+            <a:r>
+              <a:rPr lang="en-US" sz="2000" b="1" dirty="0" err="1">
                 <a:latin typeface="Courier New" charset="0"/>
                 <a:ea typeface="Courier New" charset="0"/>
                 <a:cs typeface="Courier New" charset="0"/>
               </a:rPr>
-              <a:t>d_group</a:t>
-            </a:r>
-            <a:endParaRPr lang="en-US" b="1" dirty="0">
-              <a:latin typeface="Courier New" charset="0"/>
-              <a:ea typeface="Courier New" charset="0"/>
-              <a:cs typeface="Courier New" charset="0"/>
-            </a:endParaRPr>
-          </a:p>
-          <a:p>
-            <a:r>
-              <a:rPr lang="en-US" b="1" dirty="0">
+              <a:t>root_group</a:t>
+            </a:r>
+            <a:r>
+              <a:rPr lang="en-US" sz="2000" b="1" dirty="0">
                 <a:latin typeface="Courier New" charset="0"/>
                 <a:ea typeface="Courier New" charset="0"/>
                 <a:cs typeface="Courier New" charset="0"/>
               </a:rPr>
-              <a:t>  mode 00644</a:t>
-            </a:r>
-          </a:p>
-          <a:p>
-            <a:r>
-              <a:rPr lang="en-US" b="1" dirty="0">
+              <a:t>']</a:t>
+            </a:r>
+          </a:p>
+          <a:p>
+            <a:r>
+              <a:rPr lang="en-US" sz="2000" b="1" dirty="0">
                 <a:latin typeface="Courier New" charset="0"/>
                 <a:ea typeface="Courier New" charset="0"/>
                 <a:cs typeface="Courier New" charset="0"/>
               </a:rPr>
-              <a:t>  variables(</a:t>
-            </a:r>
-          </a:p>
-          <a:p>
-            <a:r>
-              <a:rPr lang="en-US" b="1" dirty="0">
+              <a:t>  mode '0644'</a:t>
+            </a:r>
+          </a:p>
+          <a:p>
+            <a:r>
+              <a:rPr lang="en-US" sz="2000" b="1" dirty="0">
                 <a:latin typeface="Courier New" charset="0"/>
                 <a:ea typeface="Courier New" charset="0"/>
                 <a:cs typeface="Courier New" charset="0"/>
               </a:rPr>
-              <a:t>    :</a:t>
-            </a:r>
-            <a:r>
-              <a:rPr lang="en-US" b="1" dirty="0" err="1">
+              <a:t>  variables(</a:t>
+            </a:r>
+          </a:p>
+          <a:p>
+            <a:r>
+              <a:rPr lang="en-US" sz="2000" b="1" dirty="0">
                 <a:latin typeface="Courier New" charset="0"/>
                 <a:ea typeface="Courier New" charset="0"/>
                 <a:cs typeface="Courier New" charset="0"/>
               </a:rPr>
-              <a:t>chef_config</a:t>
-            </a:r>
-            <a:r>
-              <a:rPr lang="en-US" b="1" dirty="0">
+              <a:t>    </a:t>
+            </a:r>
+            <a:r>
+              <a:rPr lang="en-US" sz="2000" b="1" dirty="0" err="1">
                 <a:latin typeface="Courier New" charset="0"/>
                 <a:ea typeface="Courier New" charset="0"/>
                 <a:cs typeface="Courier New" charset="0"/>
               </a:rPr>
-              <a:t> =&gt; node['</a:t>
-            </a:r>
-            <a:r>
-              <a:rPr lang="en-US" b="1" dirty="0" err="1">
+              <a:t>chef_config</a:t>
+            </a:r>
+            <a:r>
+              <a:rPr lang="en-US" sz="2000" b="1" dirty="0">
                 <a:latin typeface="Courier New" charset="0"/>
                 <a:ea typeface="Courier New" charset="0"/>
                 <a:cs typeface="Courier New" charset="0"/>
               </a:rPr>
-              <a:t>chef_client</a:t>
-            </a:r>
-            <a:r>
-              <a:rPr lang="en-US" b="1" dirty="0">
+              <a:t>: node['</a:t>
+            </a:r>
+            <a:r>
+              <a:rPr lang="en-US" sz="2000" b="1" dirty="0" err="1">
                 <a:latin typeface="Courier New" charset="0"/>
                 <a:ea typeface="Courier New" charset="0"/>
                 <a:cs typeface="Courier New" charset="0"/>
               </a:rPr>
-              <a:t>']['</a:t>
-            </a:r>
-            <a:r>
-              <a:rPr lang="en-US" b="1" dirty="0" err="1">
+              <a:t>chef_client</a:t>
+            </a:r>
+            <a:r>
+              <a:rPr lang="en-US" sz="2000" b="1" dirty="0">
                 <a:latin typeface="Courier New" charset="0"/>
                 <a:ea typeface="Courier New" charset="0"/>
                 <a:cs typeface="Courier New" charset="0"/>
               </a:rPr>
-              <a:t>config</a:t>
-            </a:r>
-            <a:r>
-              <a:rPr lang="en-US" b="1" dirty="0">
+              <a:t>']['config'],</a:t>
+            </a:r>
+          </a:p>
+          <a:p>
+            <a:r>
+              <a:rPr lang="en-US" sz="2000" b="1" dirty="0">
                 <a:latin typeface="Courier New" charset="0"/>
                 <a:ea typeface="Courier New" charset="0"/>
                 <a:cs typeface="Courier New" charset="0"/>
               </a:rPr>
-              <a:t>'],</a:t>
-            </a:r>
-          </a:p>
-          <a:p>
-            <a:r>
-              <a:rPr lang="en-US" b="1" dirty="0">
+              <a:t>    </a:t>
+            </a:r>
+            <a:r>
+              <a:rPr lang="en-US" sz="2000" b="1" dirty="0" err="1">
                 <a:latin typeface="Courier New" charset="0"/>
                 <a:ea typeface="Courier New" charset="0"/>
                 <a:cs typeface="Courier New" charset="0"/>
               </a:rPr>
-              <a:t>    :</a:t>
-            </a:r>
-            <a:r>
-              <a:rPr lang="en-US" b="1" dirty="0" err="1">
+              <a:t>chef_requires</a:t>
+            </a:r>
+            <a:r>
+              <a:rPr lang="en-US" sz="2000" b="1" dirty="0">
                 <a:latin typeface="Courier New" charset="0"/>
                 <a:ea typeface="Courier New" charset="0"/>
                 <a:cs typeface="Courier New" charset="0"/>
               </a:rPr>
-              <a:t>chef_requires</a:t>
-            </a:r>
-            <a:r>
-              <a:rPr lang="en-US" b="1" dirty="0">
+              <a:t>: </a:t>
+            </a:r>
+            <a:r>
+              <a:rPr lang="en-US" sz="2000" b="1" dirty="0" err="1">
                 <a:latin typeface="Courier New" charset="0"/>
                 <a:ea typeface="Courier New" charset="0"/>
                 <a:cs typeface="Courier New" charset="0"/>
               </a:rPr>
-              <a:t> =&gt; </a:t>
-            </a:r>
-            <a:r>
-              <a:rPr lang="en-US" b="1" dirty="0" err="1">
+              <a:t>chef_requires</a:t>
+            </a:r>
+            <a:r>
+              <a:rPr lang="en-US" sz="2000" b="1" dirty="0">
                 <a:latin typeface="Courier New" charset="0"/>
                 <a:ea typeface="Courier New" charset="0"/>
                 <a:cs typeface="Courier New" charset="0"/>
               </a:rPr>
-              <a:t>chef_requires</a:t>
-            </a:r>
-            <a:r>
-              <a:rPr lang="en-US" b="1" dirty="0">
+              <a:t>,</a:t>
+            </a:r>
+          </a:p>
+          <a:p>
+            <a:r>
+              <a:rPr lang="en-US" sz="2000" b="1" dirty="0">
                 <a:latin typeface="Courier New" charset="0"/>
                 <a:ea typeface="Courier New" charset="0"/>
                 <a:cs typeface="Courier New" charset="0"/>
               </a:rPr>
-              <a:t>,</a:t>
-            </a:r>
-          </a:p>
-          <a:p>
-            <a:r>
-              <a:rPr lang="en-US" b="1" dirty="0">
+              <a:t>    </a:t>
+            </a:r>
+            <a:r>
+              <a:rPr lang="en-US" sz="2000" b="1" dirty="0" err="1">
                 <a:latin typeface="Courier New" charset="0"/>
                 <a:ea typeface="Courier New" charset="0"/>
                 <a:cs typeface="Courier New" charset="0"/>
               </a:rPr>
-              <a:t>    :</a:t>
-            </a:r>
-            <a:r>
-              <a:rPr lang="en-US" b="1" dirty="0" err="1">
+              <a:t>ohai_disabled_plugins</a:t>
+            </a:r>
+            <a:r>
+              <a:rPr lang="en-US" sz="2000" b="1" dirty="0">
                 <a:latin typeface="Courier New" charset="0"/>
                 <a:ea typeface="Courier New" charset="0"/>
                 <a:cs typeface="Courier New" charset="0"/>
               </a:rPr>
-              <a:t>ohai_disabled_plugins</a:t>
-            </a:r>
-            <a:r>
-              <a:rPr lang="en-US" b="1" dirty="0">
+              <a:t>: node['</a:t>
+            </a:r>
+            <a:r>
+              <a:rPr lang="en-US" sz="2000" b="1" dirty="0" err="1">
                 <a:latin typeface="Courier New" charset="0"/>
                 <a:ea typeface="Courier New" charset="0"/>
                 <a:cs typeface="Courier New" charset="0"/>
               </a:rPr>
-              <a:t>  =&gt; node['</a:t>
-            </a:r>
-            <a:r>
-              <a:rPr lang="en-US" b="1" dirty="0" err="1">
+              <a:t>ohai</a:t>
+            </a:r>
+            <a:r>
+              <a:rPr lang="en-US" sz="2000" b="1" dirty="0">
                 <a:latin typeface="Courier New" charset="0"/>
                 <a:ea typeface="Courier New" charset="0"/>
                 <a:cs typeface="Courier New" charset="0"/>
               </a:rPr>
-              <a:t>ohai</a:t>
-            </a:r>
-            <a:r>
-              <a:rPr lang="en-US" b="1" dirty="0">
+              <a:t>']['</a:t>
+            </a:r>
+            <a:r>
+              <a:rPr lang="en-US" sz="2000" b="1" dirty="0" err="1">
                 <a:latin typeface="Courier New" charset="0"/>
                 <a:ea typeface="Courier New" charset="0"/>
                 <a:cs typeface="Courier New" charset="0"/>
               </a:rPr>
-              <a:t>']['</a:t>
-            </a:r>
-            <a:r>
-              <a:rPr lang="en-US" b="1" dirty="0" err="1">
+              <a:t>disabled_plugins</a:t>
+            </a:r>
+            <a:r>
+              <a:rPr lang="en-US" sz="2000" b="1" dirty="0">
                 <a:latin typeface="Courier New" charset="0"/>
                 <a:ea typeface="Courier New" charset="0"/>
                 <a:cs typeface="Courier New" charset="0"/>
               </a:rPr>
-              <a:t>disabled_plugins</a:t>
-            </a:r>
-            <a:r>
-              <a:rPr lang="en-US" b="1" dirty="0">
+              <a:t>'],</a:t>
+            </a:r>
+          </a:p>
+          <a:p>
+            <a:r>
+              <a:rPr lang="en-US" sz="2000" b="1" dirty="0">
                 <a:latin typeface="Courier New" charset="0"/>
                 <a:ea typeface="Courier New" charset="0"/>
                 <a:cs typeface="Courier New" charset="0"/>
               </a:rPr>
-              <a:t>'],</a:t>
-            </a:r>
-          </a:p>
-          <a:p>
-            <a:r>
-              <a:rPr lang="en-US" b="1" dirty="0">
+              <a:t>    </a:t>
+            </a:r>
+            <a:r>
+              <a:rPr lang="en-US" sz="2000" b="1" dirty="0" err="1">
                 <a:latin typeface="Courier New" charset="0"/>
                 <a:ea typeface="Courier New" charset="0"/>
                 <a:cs typeface="Courier New" charset="0"/>
               </a:rPr>
-              <a:t>    :</a:t>
-            </a:r>
-            <a:r>
-              <a:rPr lang="en-US" b="1" dirty="0" err="1">
+              <a:t>start_handlers</a:t>
+            </a:r>
+            <a:r>
+              <a:rPr lang="en-US" sz="2000" b="1" dirty="0">
                 <a:latin typeface="Courier New" charset="0"/>
                 <a:ea typeface="Courier New" charset="0"/>
                 <a:cs typeface="Courier New" charset="0"/>
               </a:rPr>
-              <a:t>start_handlers</a:t>
-            </a:r>
-            <a:r>
-              <a:rPr lang="en-US" b="1" dirty="0">
+              <a:t>: node['</a:t>
+            </a:r>
+            <a:r>
+              <a:rPr lang="en-US" sz="2000" b="1" dirty="0" err="1">
                 <a:latin typeface="Courier New" charset="0"/>
                 <a:ea typeface="Courier New" charset="0"/>
                 <a:cs typeface="Courier New" charset="0"/>
               </a:rPr>
-              <a:t> =&gt; node['</a:t>
-            </a:r>
-            <a:r>
-              <a:rPr lang="en-US" b="1" dirty="0" err="1">
+              <a:t>chef_client</a:t>
+            </a:r>
+            <a:r>
+              <a:rPr lang="en-US" sz="2000" b="1" dirty="0">
                 <a:latin typeface="Courier New" charset="0"/>
                 <a:ea typeface="Courier New" charset="0"/>
                 <a:cs typeface="Courier New" charset="0"/>
               </a:rPr>
-              <a:t>chef_client</a:t>
-            </a:r>
-            <a:r>
-              <a:rPr lang="en-US" b="1" dirty="0">
+              <a:t>']['config']['</a:t>
+            </a:r>
+            <a:r>
+              <a:rPr lang="en-US" sz="2000" b="1" dirty="0" err="1">
                 <a:latin typeface="Courier New" charset="0"/>
                 <a:ea typeface="Courier New" charset="0"/>
                 <a:cs typeface="Courier New" charset="0"/>
               </a:rPr>
-              <a:t>']['</a:t>
-            </a:r>
-            <a:r>
-              <a:rPr lang="en-US" b="1" dirty="0" err="1">
+              <a:t>start_handlers</a:t>
+            </a:r>
+            <a:r>
+              <a:rPr lang="en-US" sz="2000" b="1" dirty="0">
                 <a:latin typeface="Courier New" charset="0"/>
                 <a:ea typeface="Courier New" charset="0"/>
                 <a:cs typeface="Courier New" charset="0"/>
               </a:rPr>
-              <a:t>config</a:t>
-            </a:r>
-            <a:r>
-              <a:rPr lang="en-US" b="1" dirty="0">
+              <a:t>'],</a:t>
+            </a:r>
+          </a:p>
+          <a:p>
+            <a:r>
+              <a:rPr lang="en-US" sz="2000" b="1" dirty="0">
                 <a:latin typeface="Courier New" charset="0"/>
                 <a:ea typeface="Courier New" charset="0"/>
                 <a:cs typeface="Courier New" charset="0"/>
               </a:rPr>
-              <a:t>']['</a:t>
-            </a:r>
-            <a:r>
-              <a:rPr lang="en-US" b="1" dirty="0" err="1">
+              <a:t>    </a:t>
+            </a:r>
+            <a:r>
+              <a:rPr lang="en-US" sz="2000" b="1" dirty="0" err="1">
                 <a:latin typeface="Courier New" charset="0"/>
                 <a:ea typeface="Courier New" charset="0"/>
                 <a:cs typeface="Courier New" charset="0"/>
               </a:rPr>
-              <a:t>start_handlers</a:t>
-            </a:r>
-            <a:r>
-              <a:rPr lang="en-US" b="1" dirty="0">
+              <a:t>report_handlers</a:t>
+            </a:r>
+            <a:r>
+              <a:rPr lang="en-US" sz="2000" b="1" dirty="0">
                 <a:latin typeface="Courier New" charset="0"/>
                 <a:ea typeface="Courier New" charset="0"/>
                 <a:cs typeface="Courier New" charset="0"/>
               </a:rPr>
-              <a:t>'],</a:t>
-            </a:r>
-          </a:p>
-          <a:p>
-            <a:r>
-              <a:rPr lang="en-US" b="1" dirty="0">
+              <a:t>: node['</a:t>
+            </a:r>
+            <a:r>
+              <a:rPr lang="en-US" sz="2000" b="1" dirty="0" err="1">
                 <a:latin typeface="Courier New" charset="0"/>
                 <a:ea typeface="Courier New" charset="0"/>
                 <a:cs typeface="Courier New" charset="0"/>
               </a:rPr>
-              <a:t>    :</a:t>
-            </a:r>
-            <a:r>
-              <a:rPr lang="en-US" b="1" dirty="0" err="1">
+              <a:t>chef_client</a:t>
+            </a:r>
+            <a:r>
+              <a:rPr lang="en-US" sz="2000" b="1" dirty="0">
                 <a:latin typeface="Courier New" charset="0"/>
                 <a:ea typeface="Courier New" charset="0"/>
                 <a:cs typeface="Courier New" charset="0"/>
               </a:rPr>
-              <a:t>report_handlers</a:t>
-            </a:r>
-            <a:r>
-              <a:rPr lang="en-US" b="1" dirty="0">
+              <a:t>']['config']['</a:t>
+            </a:r>
+            <a:r>
+              <a:rPr lang="en-US" sz="2000" b="1" dirty="0" err="1">
                 <a:latin typeface="Courier New" charset="0"/>
                 <a:ea typeface="Courier New" charset="0"/>
                 <a:cs typeface="Courier New" charset="0"/>
               </a:rPr>
-              <a:t> =&gt; node['</a:t>
-            </a:r>
-            <a:r>
-              <a:rPr lang="en-US" b="1" dirty="0" err="1">
+              <a:t>report_handlers</a:t>
+            </a:r>
+            <a:r>
+              <a:rPr lang="en-US" sz="2000" b="1" dirty="0">
                 <a:latin typeface="Courier New" charset="0"/>
                 <a:ea typeface="Courier New" charset="0"/>
                 <a:cs typeface="Courier New" charset="0"/>
               </a:rPr>
-              <a:t>chef_client</a:t>
-            </a:r>
-            <a:r>
-              <a:rPr lang="en-US" b="1" dirty="0">
+              <a:t>'],</a:t>
+            </a:r>
+          </a:p>
+          <a:p>
+            <a:r>
+              <a:rPr lang="en-US" sz="2000" b="1" dirty="0">
                 <a:latin typeface="Courier New" charset="0"/>
                 <a:ea typeface="Courier New" charset="0"/>
                 <a:cs typeface="Courier New" charset="0"/>
               </a:rPr>
-              <a:t>']['</a:t>
-            </a:r>
-            <a:r>
-              <a:rPr lang="en-US" b="1" dirty="0" err="1">
+              <a:t>    </a:t>
+            </a:r>
+            <a:r>
+              <a:rPr lang="en-US" sz="2000" b="1" dirty="0" err="1">
                 <a:latin typeface="Courier New" charset="0"/>
                 <a:ea typeface="Courier New" charset="0"/>
                 <a:cs typeface="Courier New" charset="0"/>
               </a:rPr>
-              <a:t>config</a:t>
-            </a:r>
-            <a:r>
-              <a:rPr lang="en-US" b="1" dirty="0">
+              <a:t>exception_handlers</a:t>
+            </a:r>
+            <a:r>
+              <a:rPr lang="en-US" sz="2000" b="1" dirty="0">
                 <a:latin typeface="Courier New" charset="0"/>
                 <a:ea typeface="Courier New" charset="0"/>
                 <a:cs typeface="Courier New" charset="0"/>
               </a:rPr>
-              <a:t>']['</a:t>
-            </a:r>
-            <a:r>
-              <a:rPr lang="en-US" b="1" dirty="0" err="1">
+              <a:t>: node['</a:t>
+            </a:r>
+            <a:r>
+              <a:rPr lang="en-US" sz="2000" b="1" dirty="0" err="1">
                 <a:latin typeface="Courier New" charset="0"/>
                 <a:ea typeface="Courier New" charset="0"/>
                 <a:cs typeface="Courier New" charset="0"/>
               </a:rPr>
-              <a:t>report_handlers</a:t>
-            </a:r>
-            <a:r>
-              <a:rPr lang="en-US" b="1" dirty="0">
+              <a:t>chef_client</a:t>
+            </a:r>
+            <a:r>
+              <a:rPr lang="en-US" sz="2000" b="1" dirty="0">
                 <a:latin typeface="Courier New" charset="0"/>
                 <a:ea typeface="Courier New" charset="0"/>
                 <a:cs typeface="Courier New" charset="0"/>
               </a:rPr>
-              <a:t>'],</a:t>
-            </a:r>
-          </a:p>
-          <a:p>
-            <a:r>
-              <a:rPr lang="en-US" b="1" dirty="0">
+              <a:t>']['config']['</a:t>
+            </a:r>
+            <a:r>
+              <a:rPr lang="en-US" sz="2000" b="1" dirty="0" err="1">
                 <a:latin typeface="Courier New" charset="0"/>
                 <a:ea typeface="Courier New" charset="0"/>
                 <a:cs typeface="Courier New" charset="0"/>
               </a:rPr>
-              <a:t>    :</a:t>
-            </a:r>
-            <a:r>
-              <a:rPr lang="en-US" b="1" dirty="0" err="1">
+              <a:t>exception_handlers</a:t>
+            </a:r>
+            <a:r>
+              <a:rPr lang="en-US" sz="2000" b="1" dirty="0">
                 <a:latin typeface="Courier New" charset="0"/>
                 <a:ea typeface="Courier New" charset="0"/>
                 <a:cs typeface="Courier New" charset="0"/>
               </a:rPr>
-              <a:t>exception_handlers</a:t>
-            </a:r>
-            <a:r>
-              <a:rPr lang="en-US" b="1" dirty="0">
+              <a:t>']</a:t>
+            </a:r>
+          </a:p>
+          <a:p>
+            <a:r>
+              <a:rPr lang="en-US" sz="2000" b="1" dirty="0">
                 <a:latin typeface="Courier New" charset="0"/>
                 <a:ea typeface="Courier New" charset="0"/>
                 <a:cs typeface="Courier New" charset="0"/>
               </a:rPr>
-              <a:t> =&gt; node['</a:t>
-            </a:r>
-            <a:r>
-              <a:rPr lang="en-US" b="1" dirty="0" err="1">
-                <a:latin typeface="Courier New" charset="0"/>
-                <a:ea typeface="Courier New" charset="0"/>
-                <a:cs typeface="Courier New" charset="0"/>
-              </a:rPr>
-              <a:t>chef_client</a:t>
-            </a:r>
-            <a:r>
-              <a:rPr lang="en-US" b="1" dirty="0">
-                <a:latin typeface="Courier New" charset="0"/>
-                <a:ea typeface="Courier New" charset="0"/>
-                <a:cs typeface="Courier New" charset="0"/>
-              </a:rPr>
-              <a:t>']['</a:t>
-            </a:r>
-            <a:r>
-              <a:rPr lang="en-US" b="1" dirty="0" err="1">
-                <a:latin typeface="Courier New" charset="0"/>
-                <a:ea typeface="Courier New" charset="0"/>
-                <a:cs typeface="Courier New" charset="0"/>
-              </a:rPr>
-              <a:t>config</a:t>
-            </a:r>
-            <a:r>
-              <a:rPr lang="en-US" b="1" dirty="0">
-                <a:latin typeface="Courier New" charset="0"/>
-                <a:ea typeface="Courier New" charset="0"/>
-                <a:cs typeface="Courier New" charset="0"/>
-              </a:rPr>
-              <a:t>']['</a:t>
-            </a:r>
-            <a:r>
-              <a:rPr lang="en-US" b="1" dirty="0" err="1">
-                <a:latin typeface="Courier New" charset="0"/>
-                <a:ea typeface="Courier New" charset="0"/>
-                <a:cs typeface="Courier New" charset="0"/>
-              </a:rPr>
-              <a:t>exception_handlers</a:t>
-            </a:r>
-            <a:r>
-              <a:rPr lang="en-US" b="1" dirty="0">
-                <a:latin typeface="Courier New" charset="0"/>
-                <a:ea typeface="Courier New" charset="0"/>
-                <a:cs typeface="Courier New" charset="0"/>
-              </a:rPr>
-              <a:t>']</a:t>
-            </a:r>
-          </a:p>
-          <a:p>
-            <a:r>
-              <a:rPr lang="en-US" b="1" dirty="0">
-                <a:latin typeface="Courier New" charset="0"/>
-                <a:ea typeface="Courier New" charset="0"/>
-                <a:cs typeface="Courier New" charset="0"/>
-              </a:rPr>
               <a:t>  )</a:t>
             </a:r>
-          </a:p>
-          <a:p>
-            <a:r>
-              <a:rPr lang="en-US" b="1" dirty="0">
-                <a:latin typeface="Courier New" charset="0"/>
-                <a:ea typeface="Courier New" charset="0"/>
-                <a:cs typeface="Courier New" charset="0"/>
-              </a:rPr>
-              <a:t>  notifies :create, '</a:t>
-            </a:r>
-            <a:r>
-              <a:rPr lang="en-US" b="1" dirty="0" err="1">
-                <a:latin typeface="Courier New" charset="0"/>
-                <a:ea typeface="Courier New" charset="0"/>
-                <a:cs typeface="Courier New" charset="0"/>
-              </a:rPr>
-              <a:t>ruby_block</a:t>
-            </a:r>
-            <a:r>
-              <a:rPr lang="en-US" b="1" dirty="0">
-                <a:latin typeface="Courier New" charset="0"/>
-                <a:ea typeface="Courier New" charset="0"/>
-                <a:cs typeface="Courier New" charset="0"/>
-              </a:rPr>
-              <a:t>[</a:t>
-            </a:r>
-            <a:r>
-              <a:rPr lang="en-US" b="1" dirty="0" err="1">
-                <a:latin typeface="Courier New" charset="0"/>
-                <a:ea typeface="Courier New" charset="0"/>
-                <a:cs typeface="Courier New" charset="0"/>
-              </a:rPr>
-              <a:t>reload_client_config</a:t>
-            </a:r>
-            <a:r>
-              <a:rPr lang="en-US" b="1" dirty="0">
-                <a:latin typeface="Courier New" charset="0"/>
-                <a:ea typeface="Courier New" charset="0"/>
-                <a:cs typeface="Courier New" charset="0"/>
-              </a:rPr>
-              <a:t>]', :immediately</a:t>
-            </a:r>
-          </a:p>
-          <a:p>
-            <a:r>
-              <a:rPr lang="en-US" b="1" dirty="0" smtClean="0">
-                <a:latin typeface="Courier New" charset="0"/>
-                <a:ea typeface="Courier New" charset="0"/>
-                <a:cs typeface="Courier New" charset="0"/>
-              </a:rPr>
-              <a:t>end</a:t>
-            </a:r>
-            <a:endParaRPr lang="en-US" b="1" dirty="0">
-              <a:latin typeface="Courier New" charset="0"/>
-              <a:ea typeface="Courier New" charset="0"/>
-              <a:cs typeface="Courier New" charset="0"/>
-            </a:endParaRPr>
           </a:p>
         </p:txBody>
       </p:sp>
@@ -16466,11 +16045,11 @@
           <a:lstStyle/>
           <a:p>
             <a:r>
-              <a:rPr lang="en-US" dirty="0" smtClean="0"/>
+              <a:rPr lang="en-US" dirty="0"/>
               <a:t>~/cookbooks/chef-client/recipes/</a:t>
             </a:r>
             <a:r>
-              <a:rPr lang="en-US" dirty="0" err="1" smtClean="0"/>
+              <a:rPr lang="en-US" dirty="0" err="1"/>
               <a:t>config.rb</a:t>
             </a:r>
             <a:endParaRPr lang="en-US" dirty="0"/>
@@ -16485,7 +16064,7 @@
         </p:nvSpPr>
         <p:spPr bwMode="auto">
           <a:xfrm>
-            <a:off x="1121104" y="2788659"/>
+            <a:off x="1121104" y="2884911"/>
             <a:ext cx="14422528" cy="451847"/>
           </a:xfrm>
           <a:prstGeom prst="rect">
@@ -16526,7 +16105,7 @@
           <a:lstStyle/>
           <a:p>
             <a:pPr algn="ctr" defTabSz="914099"/>
-            <a:endParaRPr lang="en-US" sz="2400" dirty="0" err="1" smtClean="0">
+            <a:endParaRPr lang="en-US" sz="2400" dirty="0" err="1">
               <a:gradFill>
                 <a:gsLst>
                   <a:gs pos="0">
@@ -16612,84 +16191,12 @@
           <a:lstStyle/>
           <a:p>
             <a:r>
-              <a:rPr lang="en-US" sz="2400" b="1" dirty="0" smtClean="0">
-                <a:latin typeface="Courier New" charset="0"/>
-                <a:ea typeface="Courier New" charset="0"/>
-                <a:cs typeface="Courier New" charset="0"/>
-              </a:rPr>
-              <a:t>&lt;% </a:t>
-            </a:r>
-            <a:r>
               <a:rPr lang="en-US" sz="2400" b="1" dirty="0">
                 <a:latin typeface="Courier New" charset="0"/>
                 <a:ea typeface="Courier New" charset="0"/>
                 <a:cs typeface="Courier New" charset="0"/>
               </a:rPr>
-              <a:t>if </a:t>
-            </a:r>
-            <a:r>
-              <a:rPr lang="en-US" sz="2400" b="1" dirty="0" err="1">
-                <a:latin typeface="Courier New" charset="0"/>
-                <a:ea typeface="Courier New" charset="0"/>
-                <a:cs typeface="Courier New" charset="0"/>
-              </a:rPr>
-              <a:t>node.attribute</a:t>
-            </a:r>
-            <a:r>
-              <a:rPr lang="en-US" sz="2400" b="1" dirty="0">
-                <a:latin typeface="Courier New" charset="0"/>
-                <a:ea typeface="Courier New" charset="0"/>
-                <a:cs typeface="Courier New" charset="0"/>
-              </a:rPr>
-              <a:t>?("</a:t>
-            </a:r>
-            <a:r>
-              <a:rPr lang="en-US" sz="2400" b="1" dirty="0" err="1">
-                <a:latin typeface="Courier New" charset="0"/>
-                <a:ea typeface="Courier New" charset="0"/>
-                <a:cs typeface="Courier New" charset="0"/>
-              </a:rPr>
-              <a:t>ohai</a:t>
-            </a:r>
-            <a:r>
-              <a:rPr lang="en-US" sz="2400" b="1" dirty="0">
-                <a:latin typeface="Courier New" charset="0"/>
-                <a:ea typeface="Courier New" charset="0"/>
-                <a:cs typeface="Courier New" charset="0"/>
-              </a:rPr>
-              <a:t>") &amp;&amp; node["</a:t>
-            </a:r>
-            <a:r>
-              <a:rPr lang="en-US" sz="2400" b="1" dirty="0" err="1">
-                <a:latin typeface="Courier New" charset="0"/>
-                <a:ea typeface="Courier New" charset="0"/>
-                <a:cs typeface="Courier New" charset="0"/>
-              </a:rPr>
-              <a:t>ohai</a:t>
-            </a:r>
-            <a:r>
-              <a:rPr lang="en-US" sz="2400" b="1" dirty="0">
-                <a:latin typeface="Courier New" charset="0"/>
-                <a:ea typeface="Courier New" charset="0"/>
-                <a:cs typeface="Courier New" charset="0"/>
-              </a:rPr>
-              <a:t>"].attribute?("</a:t>
-            </a:r>
-            <a:r>
-              <a:rPr lang="en-US" sz="2400" b="1" dirty="0" err="1">
-                <a:latin typeface="Courier New" charset="0"/>
-                <a:ea typeface="Courier New" charset="0"/>
-                <a:cs typeface="Courier New" charset="0"/>
-              </a:rPr>
-              <a:t>plugin_path</a:t>
-            </a:r>
-            <a:r>
-              <a:rPr lang="en-US" sz="2400" b="1" dirty="0">
-                <a:latin typeface="Courier New" charset="0"/>
-                <a:ea typeface="Courier New" charset="0"/>
-                <a:cs typeface="Courier New" charset="0"/>
-              </a:rPr>
-              <a:t>") -%&gt;</a:t>
+              <a:t># ... OTHER STATEMENTS ...</a:t>
             </a:r>
           </a:p>
           <a:p>
@@ -16701,12 +16208,20 @@
           </a:p>
           <a:p>
             <a:r>
+              <a:rPr lang="en-US" sz="2400" b="1" dirty="0">
+                <a:latin typeface="Courier New" charset="0"/>
+                <a:ea typeface="Courier New" charset="0"/>
+                <a:cs typeface="Courier New" charset="0"/>
+              </a:rPr>
+              <a:t>&lt;% unless node["</a:t>
+            </a:r>
+            <a:r>
               <a:rPr lang="en-US" sz="2400" b="1" dirty="0" err="1">
                 <a:latin typeface="Courier New" charset="0"/>
                 <a:ea typeface="Courier New" charset="0"/>
                 <a:cs typeface="Courier New" charset="0"/>
               </a:rPr>
-              <a:t>Ohai</a:t>
+              <a:t>ohai</a:t>
             </a:r>
             <a:r>
               <a:rPr lang="en-US" sz="2400" b="1" dirty="0">
@@ -16714,7 +16229,7 @@
                 <a:ea typeface="Courier New" charset="0"/>
                 <a:cs typeface="Courier New" charset="0"/>
               </a:rPr>
-              <a:t>::</a:t>
+              <a:t>"]["</a:t>
             </a:r>
             <a:r>
               <a:rPr lang="en-US" sz="2400" b="1" dirty="0" err="1">
@@ -16722,7 +16237,7 @@
                 <a:ea typeface="Courier New" charset="0"/>
                 <a:cs typeface="Courier New" charset="0"/>
               </a:rPr>
-              <a:t>Config</a:t>
+              <a:t>plugin_path</a:t>
             </a:r>
             <a:r>
               <a:rPr lang="en-US" sz="2400" b="1" dirty="0">
@@ -16730,15 +16245,17 @@
                 <a:ea typeface="Courier New" charset="0"/>
                 <a:cs typeface="Courier New" charset="0"/>
               </a:rPr>
-              <a:t>[:</a:t>
-            </a:r>
+              <a:t>"].nil? -%&gt;</a:t>
+            </a:r>
+          </a:p>
+          <a:p>
             <a:r>
               <a:rPr lang="en-US" sz="2400" b="1" dirty="0" err="1">
                 <a:latin typeface="Courier New" charset="0"/>
                 <a:ea typeface="Courier New" charset="0"/>
                 <a:cs typeface="Courier New" charset="0"/>
               </a:rPr>
-              <a:t>plugin_path</a:t>
+              <a:t>ohai.plugin_path</a:t>
             </a:r>
             <a:r>
               <a:rPr lang="en-US" sz="2400" b="1" dirty="0">
@@ -16746,7 +16263,7 @@
                 <a:ea typeface="Courier New" charset="0"/>
                 <a:cs typeface="Courier New" charset="0"/>
               </a:rPr>
-              <a:t>] &lt;&lt; "&lt;%= node["</a:t>
+              <a:t> &lt;&lt; "&lt;%= node["</a:t>
             </a:r>
             <a:r>
               <a:rPr lang="en-US" sz="2400" b="1" dirty="0" err="1">
@@ -16824,7 +16341,7 @@
                 <a:ea typeface="Courier New" charset="0"/>
                 <a:cs typeface="Courier New" charset="0"/>
               </a:rPr>
-              <a:t>Ohai</a:t>
+              <a:t>ohai.disabled_plugins</a:t>
             </a:r>
             <a:r>
               <a:rPr lang="en-US" sz="2400" b="1" dirty="0">
@@ -16832,7 +16349,7 @@
                 <a:ea typeface="Courier New" charset="0"/>
                 <a:cs typeface="Courier New" charset="0"/>
               </a:rPr>
-              <a:t>::</a:t>
+              <a:t> = [&lt;%= @</a:t>
             </a:r>
             <a:r>
               <a:rPr lang="en-US" sz="2400" b="1" dirty="0" err="1">
@@ -16840,7 +16357,7 @@
                 <a:ea typeface="Courier New" charset="0"/>
                 <a:cs typeface="Courier New" charset="0"/>
               </a:rPr>
-              <a:t>Config</a:t>
+              <a:t>ohai_disabled_plugins.map</a:t>
             </a:r>
             <a:r>
               <a:rPr lang="en-US" sz="2400" b="1" dirty="0">
@@ -16848,7 +16365,7 @@
                 <a:ea typeface="Courier New" charset="0"/>
                 <a:cs typeface="Courier New" charset="0"/>
               </a:rPr>
-              <a:t>[:</a:t>
+              <a:t> { |k| </a:t>
             </a:r>
             <a:r>
               <a:rPr lang="en-US" sz="2400" b="1" dirty="0" err="1">
@@ -16856,7 +16373,7 @@
                 <a:ea typeface="Courier New" charset="0"/>
                 <a:cs typeface="Courier New" charset="0"/>
               </a:rPr>
-              <a:t>disabled_plugins</a:t>
+              <a:t>k.match</a:t>
             </a:r>
             <a:r>
               <a:rPr lang="en-US" sz="2400" b="1" dirty="0">
@@ -16864,7 +16381,7 @@
                 <a:ea typeface="Courier New" charset="0"/>
                 <a:cs typeface="Courier New" charset="0"/>
               </a:rPr>
-              <a:t>] = [&lt;%= @</a:t>
+              <a:t>(/:/) ? </a:t>
             </a:r>
             <a:r>
               <a:rPr lang="en-US" sz="2400" b="1" dirty="0" err="1">
@@ -16872,7 +16389,7 @@
                 <a:ea typeface="Courier New" charset="0"/>
                 <a:cs typeface="Courier New" charset="0"/>
               </a:rPr>
-              <a:t>ohai_disabled_plugins.map</a:t>
+              <a:t>k.gsub</a:t>
             </a:r>
             <a:r>
               <a:rPr lang="en-US" sz="2400" b="1" dirty="0">
@@ -16880,16 +16397,52 @@
                 <a:ea typeface="Courier New" charset="0"/>
                 <a:cs typeface="Courier New" charset="0"/>
               </a:rPr>
-              <a:t> { |k| </a:t>
-            </a:r>
-            <a:r>
-              <a:rPr lang="en-US" sz="2400" b="1" dirty="0" smtClean="0">
+              <a:t>(/^:/, '').</a:t>
+            </a:r>
+            <a:r>
+              <a:rPr lang="en-US" sz="2400" b="1" dirty="0" err="1">
                 <a:latin typeface="Courier New" charset="0"/>
                 <a:ea typeface="Courier New" charset="0"/>
                 <a:cs typeface="Courier New" charset="0"/>
               </a:rPr>
-              <a:t>k...</a:t>
-            </a:r>
+              <a:t>to_sym.inspect</a:t>
+            </a:r>
+            <a:r>
+              <a:rPr lang="en-US" sz="2400" b="1" dirty="0">
+                <a:latin typeface="Courier New" charset="0"/>
+                <a:ea typeface="Courier New" charset="0"/>
+                <a:cs typeface="Courier New" charset="0"/>
+              </a:rPr>
+              <a:t> : </a:t>
+            </a:r>
+            <a:r>
+              <a:rPr lang="en-US" sz="2400" b="1" dirty="0" err="1">
+                <a:latin typeface="Courier New" charset="0"/>
+                <a:ea typeface="Courier New" charset="0"/>
+                <a:cs typeface="Courier New" charset="0"/>
+              </a:rPr>
+              <a:t>k.inspect</a:t>
+            </a:r>
+            <a:r>
+              <a:rPr lang="en-US" sz="2400" b="1" dirty="0">
+                <a:latin typeface="Courier New" charset="0"/>
+                <a:ea typeface="Courier New" charset="0"/>
+                <a:cs typeface="Courier New" charset="0"/>
+              </a:rPr>
+              <a:t> }.join(",") %&gt;]</a:t>
+            </a:r>
+          </a:p>
+          <a:p>
+            <a:r>
+              <a:rPr lang="en-US" sz="2400" b="1" dirty="0">
+                <a:latin typeface="Courier New" charset="0"/>
+                <a:ea typeface="Courier New" charset="0"/>
+                <a:cs typeface="Courier New" charset="0"/>
+              </a:rPr>
+              <a:t>&lt;% end -%&gt;</a:t>
+            </a:r>
+          </a:p>
+          <a:p>
             <a:endParaRPr lang="en-US" sz="2400" b="1" dirty="0">
               <a:latin typeface="Courier New" charset="0"/>
               <a:ea typeface="Courier New" charset="0"/>
@@ -16897,29 +16450,22 @@
             </a:endParaRPr>
           </a:p>
           <a:p>
+            <a:r>
+              <a:rPr lang="en-US" sz="2400" b="1" dirty="0">
+                <a:latin typeface="Courier New" charset="0"/>
+                <a:ea typeface="Courier New" charset="0"/>
+                <a:cs typeface="Courier New" charset="0"/>
+              </a:rPr>
+              <a:t># ... OTHER STATEMENTS ...</a:t>
+            </a:r>
+          </a:p>
+          <a:p>
             <a:endParaRPr lang="en-US" sz="2400" b="1" dirty="0">
               <a:latin typeface="Courier New" charset="0"/>
               <a:ea typeface="Courier New" charset="0"/>
               <a:cs typeface="Courier New" charset="0"/>
             </a:endParaRPr>
           </a:p>
-          <a:p>
-            <a:r>
-              <a:rPr lang="en-US" sz="2400" b="1" dirty="0">
-                <a:latin typeface="Courier New" charset="0"/>
-                <a:ea typeface="Courier New" charset="0"/>
-                <a:cs typeface="Courier New" charset="0"/>
-              </a:rPr>
-              <a:t>&lt;% end -%&gt;</a:t>
-            </a:r>
-          </a:p>
-          <a:p>
-            <a:endParaRPr lang="en-US" sz="2400" b="1" dirty="0">
-              <a:latin typeface="Courier New" charset="0"/>
-              <a:ea typeface="Courier New" charset="0"/>
-              <a:cs typeface="Courier New" charset="0"/>
-            </a:endParaRPr>
-          </a:p>
         </p:txBody>
       </p:sp>
       <p:sp>
@@ -16938,11 +16484,11 @@
           <a:lstStyle/>
           <a:p>
             <a:r>
-              <a:rPr lang="en-US" dirty="0" smtClean="0"/>
+              <a:rPr lang="en-US" dirty="0"/>
               <a:t>~/cookbooks/chef-client/templates/default/</a:t>
             </a:r>
             <a:r>
-              <a:rPr lang="en-US" dirty="0" err="1" smtClean="0"/>
+              <a:rPr lang="en-US" dirty="0" err="1"/>
               <a:t>client.rb.erb</a:t>
             </a:r>
             <a:endParaRPr lang="en-US" dirty="0"/>
@@ -16957,8 +16503,8 @@
         </p:nvSpPr>
         <p:spPr bwMode="auto">
           <a:xfrm>
-            <a:off x="1121104" y="2884911"/>
-            <a:ext cx="14422528" cy="721894"/>
+            <a:off x="1121104" y="3438364"/>
+            <a:ext cx="14422528" cy="619286"/>
           </a:xfrm>
           <a:prstGeom prst="rect">
             <a:avLst/>
@@ -16998,7 +16544,7 @@
           <a:lstStyle/>
           <a:p>
             <a:pPr algn="ctr" defTabSz="914099"/>
-            <a:endParaRPr lang="en-US" sz="2400" dirty="0" err="1" smtClean="0">
+            <a:endParaRPr lang="en-US" sz="2400" dirty="0" err="1">
               <a:gradFill>
                 <a:gsLst>
                   <a:gs pos="0">
@@ -17065,10 +16611,9 @@
           <a:lstStyle/>
           <a:p>
             <a:r>
-              <a:rPr lang="en-US" dirty="0" smtClean="0"/>
+              <a:rPr lang="en-US" dirty="0"/>
               <a:t>The Work</a:t>
             </a:r>
-            <a:endParaRPr lang="en-US" dirty="0"/>
           </a:p>
         </p:txBody>
       </p:sp>
@@ -17092,7 +16637,7 @@
               <a:buChar char="•"/>
             </a:pPr>
             <a:r>
-              <a:rPr lang="en-US" dirty="0" smtClean="0"/>
+              <a:rPr lang="en-US" dirty="0"/>
               <a:t>Add the chef-client cookbook to your cookbook collection</a:t>
             </a:r>
           </a:p>
@@ -17127,7 +16672,7 @@
               <a:t>ohai</a:t>
             </a:r>
             <a:r>
-              <a:rPr lang="en-US" b="1" dirty="0" smtClean="0">
+              <a:rPr lang="en-US" b="1" dirty="0">
                 <a:latin typeface="Courier New" charset="0"/>
                 <a:ea typeface="Courier New" charset="0"/>
                 <a:cs typeface="Courier New" charset="0"/>
@@ -17135,7 +16680,7 @@
               <a:t>']['</a:t>
             </a:r>
             <a:r>
-              <a:rPr lang="en-US" b="1" dirty="0" err="1" smtClean="0">
+              <a:rPr lang="en-US" b="1" dirty="0" err="1">
                 <a:latin typeface="Courier New" charset="0"/>
                 <a:ea typeface="Courier New" charset="0"/>
                 <a:cs typeface="Courier New" charset="0"/>
@@ -17143,7 +16688,7 @@
               <a:t>plugin_path</a:t>
             </a:r>
             <a:r>
-              <a:rPr lang="en-US" b="1" dirty="0" smtClean="0">
+              <a:rPr lang="en-US" b="1" dirty="0">
                 <a:latin typeface="Courier New" charset="0"/>
                 <a:ea typeface="Courier New" charset="0"/>
                 <a:cs typeface="Courier New" charset="0"/>
@@ -17164,7 +16709,7 @@
               <a:buChar char="•"/>
             </a:pPr>
             <a:r>
-              <a:rPr lang="en-US" dirty="0" smtClean="0"/>
+              <a:rPr lang="en-US" dirty="0"/>
               <a:t>Add chef-client cookbook to every node's run list</a:t>
             </a:r>
           </a:p>
@@ -18517,15 +18062,6 @@
 </file>
 
 <file path=customXml/item1.xml><?xml version="1.0" encoding="utf-8"?>
-<?mso-contentType ?>
-<FormTemplates xmlns="http://schemas.microsoft.com/sharepoint/v3/contenttype/forms">
-  <Display>DocumentLibraryForm</Display>
-  <Edit>DocumentLibraryForm</Edit>
-  <New>DocumentLibraryForm</New>
-</FormTemplates>
-</file>
-
-<file path=customXml/item2.xml><?xml version="1.0" encoding="utf-8"?>
 <p:properties xmlns:p="http://schemas.microsoft.com/office/2006/metadata/properties" xmlns:xsi="http://www.w3.org/2001/XMLSchema-instance" xmlns:pc="http://schemas.microsoft.com/office/infopath/2007/PartnerControls">
   <documentManagement>
     <_dlc_DocId xmlns="7bb5d761-a2ea-4873-95f7-7a6658fb3ef0">M4CWTKMW727E-592-73</_dlc_DocId>
@@ -18537,7 +18073,62 @@
 </p:properties>
 </file>
 
+<file path=customXml/item2.xml><?xml version="1.0" encoding="utf-8"?>
+<?mso-contentType ?>
+<FormTemplates xmlns="http://schemas.microsoft.com/sharepoint/v3/contenttype/forms">
+  <Display>DocumentLibraryForm</Display>
+  <Edit>DocumentLibraryForm</Edit>
+  <New>DocumentLibraryForm</New>
+</FormTemplates>
+</file>
+
 <file path=customXml/item3.xml><?xml version="1.0" encoding="utf-8"?>
+<?mso-contentType ?>
+<spe:Receivers xmlns:spe="http://schemas.microsoft.com/sharepoint/events">
+  <Receiver>
+    <Name>Document ID Generator</Name>
+    <Synchronization>Synchronous</Synchronization>
+    <Type>10001</Type>
+    <SequenceNumber>1000</SequenceNumber>
+    <Assembly>Microsoft.Office.DocumentManagement, Version=14.0.0.0, Culture=neutral, PublicKeyToken=71e9bce111e9429c</Assembly>
+    <Class>Microsoft.Office.DocumentManagement.Internal.DocIdHandler</Class>
+    <Data/>
+    <Filter/>
+  </Receiver>
+  <Receiver>
+    <Name>Document ID Generator</Name>
+    <Synchronization>Synchronous</Synchronization>
+    <Type>10002</Type>
+    <SequenceNumber>1001</SequenceNumber>
+    <Assembly>Microsoft.Office.DocumentManagement, Version=14.0.0.0, Culture=neutral, PublicKeyToken=71e9bce111e9429c</Assembly>
+    <Class>Microsoft.Office.DocumentManagement.Internal.DocIdHandler</Class>
+    <Data/>
+    <Filter/>
+  </Receiver>
+  <Receiver>
+    <Name>Document ID Generator</Name>
+    <Synchronization>Synchronous</Synchronization>
+    <Type>10004</Type>
+    <SequenceNumber>1002</SequenceNumber>
+    <Assembly>Microsoft.Office.DocumentManagement, Version=14.0.0.0, Culture=neutral, PublicKeyToken=71e9bce111e9429c</Assembly>
+    <Class>Microsoft.Office.DocumentManagement.Internal.DocIdHandler</Class>
+    <Data/>
+    <Filter/>
+  </Receiver>
+  <Receiver>
+    <Name>Document ID Generator</Name>
+    <Synchronization>Synchronous</Synchronization>
+    <Type>10006</Type>
+    <SequenceNumber>1003</SequenceNumber>
+    <Assembly>Microsoft.Office.DocumentManagement, Version=14.0.0.0, Culture=neutral, PublicKeyToken=71e9bce111e9429c</Assembly>
+    <Class>Microsoft.Office.DocumentManagement.Internal.DocIdHandler</Class>
+    <Data/>
+    <Filter/>
+  </Receiver>
+</spe:Receivers>
+</file>
+
+<file path=customXml/item4.xml><?xml version="1.0" encoding="utf-8"?>
 <ct:contentTypeSchema xmlns:ct="http://schemas.microsoft.com/office/2006/metadata/contentType" xmlns:ma="http://schemas.microsoft.com/office/2006/metadata/properties/metaAttributes" ct:_="" ma:_="" ma:contentTypeName="Document" ma:contentTypeID="0x0101000812F700BE7F874999720E88173FE491" ma:contentTypeVersion="0" ma:contentTypeDescription="Create a new document." ma:contentTypeScope="" ma:versionID="3f79f408e2ca720b7aba6e0e32464d0c">
   <xsd:schema xmlns:xsd="http://www.w3.org/2001/XMLSchema" xmlns:xs="http://www.w3.org/2001/XMLSchema" xmlns:p="http://schemas.microsoft.com/office/2006/metadata/properties" xmlns:ns2="7bb5d761-a2ea-4873-95f7-7a6658fb3ef0" targetNamespace="http://schemas.microsoft.com/office/2006/metadata/properties" ma:root="true" ma:fieldsID="1e062cd38ba31e406bfc4340fbc7f87a" ns2:_="">
     <xsd:import namespace="7bb5d761-a2ea-4873-95f7-7a6658fb3ef0"/>
@@ -18682,61 +18273,7 @@
 </ct:contentTypeSchema>
 </file>
 
-<file path=customXml/item4.xml><?xml version="1.0" encoding="utf-8"?>
-<?mso-contentType ?>
-<spe:Receivers xmlns:spe="http://schemas.microsoft.com/sharepoint/events">
-  <Receiver>
-    <Name>Document ID Generator</Name>
-    <Synchronization>Synchronous</Synchronization>
-    <Type>10001</Type>
-    <SequenceNumber>1000</SequenceNumber>
-    <Assembly>Microsoft.Office.DocumentManagement, Version=14.0.0.0, Culture=neutral, PublicKeyToken=71e9bce111e9429c</Assembly>
-    <Class>Microsoft.Office.DocumentManagement.Internal.DocIdHandler</Class>
-    <Data/>
-    <Filter/>
-  </Receiver>
-  <Receiver>
-    <Name>Document ID Generator</Name>
-    <Synchronization>Synchronous</Synchronization>
-    <Type>10002</Type>
-    <SequenceNumber>1001</SequenceNumber>
-    <Assembly>Microsoft.Office.DocumentManagement, Version=14.0.0.0, Culture=neutral, PublicKeyToken=71e9bce111e9429c</Assembly>
-    <Class>Microsoft.Office.DocumentManagement.Internal.DocIdHandler</Class>
-    <Data/>
-    <Filter/>
-  </Receiver>
-  <Receiver>
-    <Name>Document ID Generator</Name>
-    <Synchronization>Synchronous</Synchronization>
-    <Type>10004</Type>
-    <SequenceNumber>1002</SequenceNumber>
-    <Assembly>Microsoft.Office.DocumentManagement, Version=14.0.0.0, Culture=neutral, PublicKeyToken=71e9bce111e9429c</Assembly>
-    <Class>Microsoft.Office.DocumentManagement.Internal.DocIdHandler</Class>
-    <Data/>
-    <Filter/>
-  </Receiver>
-  <Receiver>
-    <Name>Document ID Generator</Name>
-    <Synchronization>Synchronous</Synchronization>
-    <Type>10006</Type>
-    <SequenceNumber>1003</SequenceNumber>
-    <Assembly>Microsoft.Office.DocumentManagement, Version=14.0.0.0, Culture=neutral, PublicKeyToken=71e9bce111e9429c</Assembly>
-    <Class>Microsoft.Office.DocumentManagement.Internal.DocIdHandler</Class>
-    <Data/>
-    <Filter/>
-  </Receiver>
-</spe:Receivers>
-</file>
-
 <file path=customXml/itemProps1.xml><?xml version="1.0" encoding="utf-8"?>
-<ds:datastoreItem xmlns:ds="http://schemas.openxmlformats.org/officeDocument/2006/customXml" ds:itemID="{5CDEB364-43EC-4510-9881-539C2A3FCE9E}">
-  <ds:schemaRefs>
-    <ds:schemaRef ds:uri="http://schemas.microsoft.com/sharepoint/v3/contenttype/forms"/>
-  </ds:schemaRefs>
-</ds:datastoreItem>
-</file>
-
-<file path=customXml/itemProps2.xml><?xml version="1.0" encoding="utf-8"?>
 <ds:datastoreItem xmlns:ds="http://schemas.openxmlformats.org/officeDocument/2006/customXml" ds:itemID="{6921749B-AEB7-461B-845F-603CABD25259}">
   <ds:schemaRefs>
     <ds:schemaRef ds:uri="7bb5d761-a2ea-4873-95f7-7a6658fb3ef0"/>
@@ -18752,7 +18289,23 @@
 </ds:datastoreItem>
 </file>
 
+<file path=customXml/itemProps2.xml><?xml version="1.0" encoding="utf-8"?>
+<ds:datastoreItem xmlns:ds="http://schemas.openxmlformats.org/officeDocument/2006/customXml" ds:itemID="{5CDEB364-43EC-4510-9881-539C2A3FCE9E}">
+  <ds:schemaRefs>
+    <ds:schemaRef ds:uri="http://schemas.microsoft.com/sharepoint/v3/contenttype/forms"/>
+  </ds:schemaRefs>
+</ds:datastoreItem>
+</file>
+
 <file path=customXml/itemProps3.xml><?xml version="1.0" encoding="utf-8"?>
+<ds:datastoreItem xmlns:ds="http://schemas.openxmlformats.org/officeDocument/2006/customXml" ds:itemID="{B13EBC30-FE27-4C6A-B723-23FC2188F7DC}">
+  <ds:schemaRefs>
+    <ds:schemaRef ds:uri="http://schemas.microsoft.com/sharepoint/events"/>
+  </ds:schemaRefs>
+</ds:datastoreItem>
+</file>
+
+<file path=customXml/itemProps4.xml><?xml version="1.0" encoding="utf-8"?>
 <ds:datastoreItem xmlns:ds="http://schemas.openxmlformats.org/officeDocument/2006/customXml" ds:itemID="{164479E5-0B02-49AC-B79E-EC1D6164DDD3}">
   <ds:schemaRefs>
     <ds:schemaRef ds:uri="http://schemas.microsoft.com/office/2006/metadata/contentType"/>
@@ -18768,12 +18321,4 @@
     <ds:schemaRef ds:uri="http://schemas.microsoft.com/internal/obd"/>
   </ds:schemaRefs>
 </ds:datastoreItem>
-</file>
-
-<file path=customXml/itemProps4.xml><?xml version="1.0" encoding="utf-8"?>
-<ds:datastoreItem xmlns:ds="http://schemas.openxmlformats.org/officeDocument/2006/customXml" ds:itemID="{B13EBC30-FE27-4C6A-B723-23FC2188F7DC}">
-  <ds:schemaRefs>
-    <ds:schemaRef ds:uri="http://schemas.microsoft.com/sharepoint/events"/>
-  </ds:schemaRefs>
-</ds:datastoreItem>
 </file>
--- a/16-tuning_ohai.pptx
+++ b/16-tuning_ohai.pptx
@@ -1049,7 +1049,52 @@
           <a:bodyPr/>
           <a:lstStyle/>
           <a:p>
-            <a:endParaRPr lang="en-US"/>
+            <a:pPr rtl="0"/>
+            <a:r>
+              <a:rPr lang="en-US" sz="1200" b="0" i="0" u="none" strike="noStrike" kern="1200" dirty="0">
+                <a:solidFill>
+                  <a:schemeClr val="tx1"/>
+                </a:solidFill>
+                <a:effectLst/>
+                <a:latin typeface="Arial" panose="020B0604020202020204" pitchFamily="34" charset="0"/>
+                <a:ea typeface="ＭＳ Ｐゴシック" charset="0"/>
+                <a:cs typeface="Arial" panose="020B0604020202020204" pitchFamily="34" charset="0"/>
+              </a:rPr>
+              <a:t>Now, not all </a:t>
+            </a:r>
+            <a:r>
+              <a:rPr lang="en-US" sz="1200" b="0" i="0" u="none" strike="noStrike" kern="1200" dirty="0" err="1">
+                <a:solidFill>
+                  <a:schemeClr val="tx1"/>
+                </a:solidFill>
+                <a:effectLst/>
+                <a:latin typeface="Arial" panose="020B0604020202020204" pitchFamily="34" charset="0"/>
+                <a:ea typeface="ＭＳ Ｐゴシック" charset="0"/>
+                <a:cs typeface="Arial" panose="020B0604020202020204" pitchFamily="34" charset="0"/>
+              </a:rPr>
+              <a:t>ohai</a:t>
+            </a:r>
+            <a:r>
+              <a:rPr lang="en-US" sz="1200" b="0" i="0" u="none" strike="noStrike" kern="1200" dirty="0">
+                <a:solidFill>
+                  <a:schemeClr val="tx1"/>
+                </a:solidFill>
+                <a:effectLst/>
+                <a:latin typeface="Arial" panose="020B0604020202020204" pitchFamily="34" charset="0"/>
+                <a:ea typeface="ＭＳ Ｐゴシック" charset="0"/>
+                <a:cs typeface="Arial" panose="020B0604020202020204" pitchFamily="34" charset="0"/>
+              </a:rPr>
+              <a:t> plugins are going to be executed automatically.  The reason for this is that the node is often not going to know the environment that is it is going to be run.</a:t>
+            </a:r>
+            <a:endParaRPr lang="en-US" b="0" dirty="0">
+              <a:effectLst/>
+            </a:endParaRPr>
+          </a:p>
+          <a:p>
+            <a:br>
+              <a:rPr lang="en-US" dirty="0"/>
+            </a:br>
+            <a:endParaRPr lang="en-US" dirty="0"/>
           </a:p>
         </p:txBody>
       </p:sp>
@@ -1161,7 +1206,100 @@
           <a:bodyPr/>
           <a:lstStyle/>
           <a:p>
-            <a:endParaRPr lang="en-US"/>
+            <a:pPr rtl="0"/>
+            <a:r>
+              <a:rPr lang="en-US" sz="1200" b="0" i="0" u="none" strike="noStrike" kern="1200" dirty="0">
+                <a:solidFill>
+                  <a:schemeClr val="tx1"/>
+                </a:solidFill>
+                <a:effectLst/>
+                <a:latin typeface="Arial" panose="020B0604020202020204" pitchFamily="34" charset="0"/>
+                <a:ea typeface="ＭＳ Ｐゴシック" charset="0"/>
+                <a:cs typeface="Arial" panose="020B0604020202020204" pitchFamily="34" charset="0"/>
+              </a:rPr>
+              <a:t>The way that we can force a plugin to run is using </a:t>
+            </a:r>
+            <a:r>
+              <a:rPr lang="en-US" sz="1200" b="0" i="0" u="none" strike="noStrike" kern="1200" dirty="0" err="1">
+                <a:solidFill>
+                  <a:schemeClr val="tx1"/>
+                </a:solidFill>
+                <a:effectLst/>
+                <a:latin typeface="Arial" panose="020B0604020202020204" pitchFamily="34" charset="0"/>
+                <a:ea typeface="ＭＳ Ｐゴシック" charset="0"/>
+                <a:cs typeface="Arial" panose="020B0604020202020204" pitchFamily="34" charset="0"/>
+              </a:rPr>
+              <a:t>ohai</a:t>
+            </a:r>
+            <a:r>
+              <a:rPr lang="en-US" sz="1200" b="0" i="0" u="none" strike="noStrike" kern="1200" dirty="0">
+                <a:solidFill>
+                  <a:schemeClr val="tx1"/>
+                </a:solidFill>
+                <a:effectLst/>
+                <a:latin typeface="Arial" panose="020B0604020202020204" pitchFamily="34" charset="0"/>
+                <a:ea typeface="ＭＳ Ｐゴシック" charset="0"/>
+                <a:cs typeface="Arial" panose="020B0604020202020204" pitchFamily="34" charset="0"/>
+              </a:rPr>
+              <a:t> hints.  These are things that are typically packaged with </a:t>
+            </a:r>
+            <a:r>
+              <a:rPr lang="en-US" sz="1200" b="0" i="0" u="none" strike="noStrike" kern="1200" dirty="0" err="1">
+                <a:solidFill>
+                  <a:schemeClr val="tx1"/>
+                </a:solidFill>
+                <a:effectLst/>
+                <a:latin typeface="Arial" panose="020B0604020202020204" pitchFamily="34" charset="0"/>
+                <a:ea typeface="ＭＳ Ｐゴシック" charset="0"/>
+                <a:cs typeface="Arial" panose="020B0604020202020204" pitchFamily="34" charset="0"/>
+              </a:rPr>
+              <a:t>ohai</a:t>
+            </a:r>
+            <a:r>
+              <a:rPr lang="en-US" sz="1200" b="0" i="0" u="none" strike="noStrike" kern="1200" dirty="0">
+                <a:solidFill>
+                  <a:schemeClr val="tx1"/>
+                </a:solidFill>
+                <a:effectLst/>
+                <a:latin typeface="Arial" panose="020B0604020202020204" pitchFamily="34" charset="0"/>
+                <a:ea typeface="ＭＳ Ｐゴシック" charset="0"/>
+                <a:cs typeface="Arial" panose="020B0604020202020204" pitchFamily="34" charset="0"/>
+              </a:rPr>
+              <a:t> and just need to be enabled.  Although you can write your own </a:t>
+            </a:r>
+            <a:r>
+              <a:rPr lang="en-US" sz="1200" b="0" i="0" u="none" strike="noStrike" kern="1200" dirty="0" err="1">
+                <a:solidFill>
+                  <a:schemeClr val="tx1"/>
+                </a:solidFill>
+                <a:effectLst/>
+                <a:latin typeface="Arial" panose="020B0604020202020204" pitchFamily="34" charset="0"/>
+                <a:ea typeface="ＭＳ Ｐゴシック" charset="0"/>
+                <a:cs typeface="Arial" panose="020B0604020202020204" pitchFamily="34" charset="0"/>
+              </a:rPr>
+              <a:t>ohai</a:t>
+            </a:r>
+            <a:r>
+              <a:rPr lang="en-US" sz="1200" b="0" i="0" u="none" strike="noStrike" kern="1200" dirty="0">
+                <a:solidFill>
+                  <a:schemeClr val="tx1"/>
+                </a:solidFill>
+                <a:effectLst/>
+                <a:latin typeface="Arial" panose="020B0604020202020204" pitchFamily="34" charset="0"/>
+                <a:ea typeface="ＭＳ Ｐゴシック" charset="0"/>
+                <a:cs typeface="Arial" panose="020B0604020202020204" pitchFamily="34" charset="0"/>
+              </a:rPr>
+              <a:t> hints as well. </a:t>
+            </a:r>
+            <a:endParaRPr lang="en-US" b="0" dirty="0">
+              <a:effectLst/>
+            </a:endParaRPr>
+          </a:p>
+          <a:p>
+            <a:br>
+              <a:rPr lang="en-US" dirty="0"/>
+            </a:br>
+            <a:endParaRPr lang="en-US" dirty="0"/>
           </a:p>
         </p:txBody>
       </p:sp>
@@ -1273,7 +1411,76 @@
           <a:bodyPr/>
           <a:lstStyle/>
           <a:p>
-            <a:endParaRPr lang="en-US"/>
+            <a:pPr rtl="0"/>
+            <a:r>
+              <a:rPr lang="en-US" sz="1200" b="0" i="0" u="none" strike="noStrike" kern="1200" dirty="0">
+                <a:solidFill>
+                  <a:schemeClr val="tx1"/>
+                </a:solidFill>
+                <a:effectLst/>
+                <a:latin typeface="Arial" panose="020B0604020202020204" pitchFamily="34" charset="0"/>
+                <a:ea typeface="ＭＳ Ｐゴシック" charset="0"/>
+                <a:cs typeface="Arial" panose="020B0604020202020204" pitchFamily="34" charset="0"/>
+              </a:rPr>
+              <a:t>Within that ‘</a:t>
+            </a:r>
+            <a:r>
+              <a:rPr lang="en-US" sz="1200" b="0" i="0" u="none" strike="noStrike" kern="1200" dirty="0" err="1">
+                <a:solidFill>
+                  <a:schemeClr val="tx1"/>
+                </a:solidFill>
+                <a:effectLst/>
+                <a:latin typeface="Arial" panose="020B0604020202020204" pitchFamily="34" charset="0"/>
+                <a:ea typeface="ＭＳ Ｐゴシック" charset="0"/>
+                <a:cs typeface="Arial" panose="020B0604020202020204" pitchFamily="34" charset="0"/>
+              </a:rPr>
+              <a:t>ohai</a:t>
+            </a:r>
+            <a:r>
+              <a:rPr lang="en-US" sz="1200" b="0" i="0" u="none" strike="noStrike" kern="1200" dirty="0">
+                <a:solidFill>
+                  <a:schemeClr val="tx1"/>
+                </a:solidFill>
+                <a:effectLst/>
+                <a:latin typeface="Arial" panose="020B0604020202020204" pitchFamily="34" charset="0"/>
+                <a:ea typeface="ＭＳ Ｐゴシック" charset="0"/>
+                <a:cs typeface="Arial" panose="020B0604020202020204" pitchFamily="34" charset="0"/>
+              </a:rPr>
+              <a:t>’ community cookbook you’ll remember that one of the custom resources provided is that </a:t>
+            </a:r>
+            <a:r>
+              <a:rPr lang="en-US" sz="1200" b="0" i="0" u="none" strike="noStrike" kern="1200" dirty="0" err="1">
+                <a:solidFill>
+                  <a:schemeClr val="tx1"/>
+                </a:solidFill>
+                <a:effectLst/>
+                <a:latin typeface="Arial" panose="020B0604020202020204" pitchFamily="34" charset="0"/>
+                <a:ea typeface="ＭＳ Ｐゴシック" charset="0"/>
+                <a:cs typeface="Arial" panose="020B0604020202020204" pitchFamily="34" charset="0"/>
+              </a:rPr>
+              <a:t>ohai_hint</a:t>
+            </a:r>
+            <a:r>
+              <a:rPr lang="en-US" sz="1200" b="0" i="0" u="none" strike="noStrike" kern="1200" dirty="0">
+                <a:solidFill>
+                  <a:schemeClr val="tx1"/>
+                </a:solidFill>
+                <a:effectLst/>
+                <a:latin typeface="Arial" panose="020B0604020202020204" pitchFamily="34" charset="0"/>
+                <a:ea typeface="ＭＳ Ｐゴシック" charset="0"/>
+                <a:cs typeface="Arial" panose="020B0604020202020204" pitchFamily="34" charset="0"/>
+              </a:rPr>
+              <a:t> resource.  </a:t>
+            </a:r>
+            <a:endParaRPr lang="en-US" b="0" dirty="0">
+              <a:effectLst/>
+            </a:endParaRPr>
+          </a:p>
+          <a:p>
+            <a:br>
+              <a:rPr lang="en-US" dirty="0"/>
+            </a:br>
+            <a:endParaRPr lang="en-US" dirty="0"/>
           </a:p>
         </p:txBody>
       </p:sp>
@@ -1609,7 +1816,124 @@
           <a:bodyPr/>
           <a:lstStyle/>
           <a:p>
-            <a:endParaRPr lang="en-US"/>
+            <a:pPr rtl="0"/>
+            <a:r>
+              <a:rPr lang="en-US" sz="1200" b="0" i="0" u="none" strike="noStrike" kern="1200" dirty="0">
+                <a:solidFill>
+                  <a:schemeClr val="tx1"/>
+                </a:solidFill>
+                <a:effectLst/>
+                <a:latin typeface="Arial" panose="020B0604020202020204" pitchFamily="34" charset="0"/>
+                <a:ea typeface="ＭＳ Ｐゴシック" charset="0"/>
+                <a:cs typeface="Arial" panose="020B0604020202020204" pitchFamily="34" charset="0"/>
+              </a:rPr>
+              <a:t>Finally, we discussed disabling plugins as well, this the </a:t>
+            </a:r>
+            <a:r>
+              <a:rPr lang="en-US" sz="1200" b="0" i="0" u="none" strike="noStrike" kern="1200" dirty="0" err="1">
+                <a:solidFill>
+                  <a:schemeClr val="tx1"/>
+                </a:solidFill>
+                <a:effectLst/>
+                <a:latin typeface="Arial" panose="020B0604020202020204" pitchFamily="34" charset="0"/>
+                <a:ea typeface="ＭＳ Ｐゴシック" charset="0"/>
+                <a:cs typeface="Arial" panose="020B0604020202020204" pitchFamily="34" charset="0"/>
+              </a:rPr>
+              <a:t>client.rb.erb</a:t>
+            </a:r>
+            <a:r>
+              <a:rPr lang="en-US" sz="1200" b="0" i="0" u="none" strike="noStrike" kern="1200" dirty="0">
+                <a:solidFill>
+                  <a:schemeClr val="tx1"/>
+                </a:solidFill>
+                <a:effectLst/>
+                <a:latin typeface="Arial" panose="020B0604020202020204" pitchFamily="34" charset="0"/>
+                <a:ea typeface="ＭＳ Ｐゴシック" charset="0"/>
+                <a:cs typeface="Arial" panose="020B0604020202020204" pitchFamily="34" charset="0"/>
+              </a:rPr>
+              <a:t> template.  If you want to disable a plugin, all you need to do is call that </a:t>
+            </a:r>
+            <a:r>
+              <a:rPr lang="en-US" sz="1200" b="0" i="0" u="none" strike="noStrike" kern="1200" dirty="0" err="1">
+                <a:solidFill>
+                  <a:schemeClr val="tx1"/>
+                </a:solidFill>
+                <a:effectLst/>
+                <a:latin typeface="Arial" panose="020B0604020202020204" pitchFamily="34" charset="0"/>
+                <a:ea typeface="ＭＳ Ｐゴシック" charset="0"/>
+                <a:cs typeface="Arial" panose="020B0604020202020204" pitchFamily="34" charset="0"/>
+              </a:rPr>
+              <a:t>client.rb</a:t>
+            </a:r>
+            <a:r>
+              <a:rPr lang="en-US" sz="1200" b="0" i="0" u="none" strike="noStrike" kern="1200" dirty="0">
+                <a:solidFill>
+                  <a:schemeClr val="tx1"/>
+                </a:solidFill>
+                <a:effectLst/>
+                <a:latin typeface="Arial" panose="020B0604020202020204" pitchFamily="34" charset="0"/>
+                <a:ea typeface="ＭＳ Ｐゴシック" charset="0"/>
+                <a:cs typeface="Arial" panose="020B0604020202020204" pitchFamily="34" charset="0"/>
+              </a:rPr>
+              <a:t> recipe from the chef-client cookbook and make sure that the ‘</a:t>
+            </a:r>
+            <a:r>
+              <a:rPr lang="en-US" sz="1200" b="0" i="0" u="none" strike="noStrike" kern="1200" dirty="0" err="1">
+                <a:solidFill>
+                  <a:schemeClr val="tx1"/>
+                </a:solidFill>
+                <a:effectLst/>
+                <a:latin typeface="Arial" panose="020B0604020202020204" pitchFamily="34" charset="0"/>
+                <a:ea typeface="ＭＳ Ｐゴシック" charset="0"/>
+                <a:cs typeface="Arial" panose="020B0604020202020204" pitchFamily="34" charset="0"/>
+              </a:rPr>
+              <a:t>ohai</a:t>
+            </a:r>
+            <a:r>
+              <a:rPr lang="en-US" sz="1200" b="0" i="0" u="none" strike="noStrike" kern="1200" dirty="0">
+                <a:solidFill>
+                  <a:schemeClr val="tx1"/>
+                </a:solidFill>
+                <a:effectLst/>
+                <a:latin typeface="Arial" panose="020B0604020202020204" pitchFamily="34" charset="0"/>
+                <a:ea typeface="ＭＳ Ｐゴシック" charset="0"/>
+                <a:cs typeface="Arial" panose="020B0604020202020204" pitchFamily="34" charset="0"/>
+              </a:rPr>
+              <a:t>/</a:t>
+            </a:r>
+            <a:r>
+              <a:rPr lang="en-US" sz="1200" b="0" i="0" u="none" strike="noStrike" kern="1200" dirty="0" err="1">
+                <a:solidFill>
+                  <a:schemeClr val="tx1"/>
+                </a:solidFill>
+                <a:effectLst/>
+                <a:latin typeface="Arial" panose="020B0604020202020204" pitchFamily="34" charset="0"/>
+                <a:ea typeface="ＭＳ Ｐゴシック" charset="0"/>
+                <a:cs typeface="Arial" panose="020B0604020202020204" pitchFamily="34" charset="0"/>
+              </a:rPr>
+              <a:t>disabled_plugins</a:t>
+            </a:r>
+            <a:r>
+              <a:rPr lang="en-US" sz="1200" b="0" i="0" u="none" strike="noStrike" kern="1200" dirty="0">
+                <a:solidFill>
+                  <a:schemeClr val="tx1"/>
+                </a:solidFill>
+                <a:effectLst/>
+                <a:latin typeface="Arial" panose="020B0604020202020204" pitchFamily="34" charset="0"/>
+                <a:ea typeface="ＭＳ Ｐゴシック" charset="0"/>
+                <a:cs typeface="Arial" panose="020B0604020202020204" pitchFamily="34" charset="0"/>
+              </a:rPr>
+              <a:t>’ node attribute is defined.  </a:t>
+            </a:r>
+            <a:endParaRPr lang="en-US" b="0" dirty="0">
+              <a:effectLst/>
+            </a:endParaRPr>
+          </a:p>
+          <a:p>
+            <a:br>
+              <a:rPr lang="en-US" dirty="0"/>
+            </a:br>
+            <a:endParaRPr lang="en-US" dirty="0"/>
           </a:p>
         </p:txBody>
       </p:sp>
@@ -1721,7 +2045,28 @@
           <a:bodyPr/>
           <a:lstStyle/>
           <a:p>
-            <a:endParaRPr lang="en-US"/>
+            <a:pPr rtl="0"/>
+            <a:r>
+              <a:rPr lang="en-US" sz="1200" b="0" i="0" u="none" strike="noStrike" kern="1200" dirty="0">
+                <a:solidFill>
+                  <a:schemeClr val="tx1"/>
+                </a:solidFill>
+                <a:effectLst/>
+                <a:latin typeface="Arial" panose="020B0604020202020204" pitchFamily="34" charset="0"/>
+                <a:ea typeface="ＭＳ Ｐゴシック" charset="0"/>
+                <a:cs typeface="Arial" panose="020B0604020202020204" pitchFamily="34" charset="0"/>
+              </a:rPr>
+              <a:t>And for its values, you would just set it equal to the plugins that you wish to be disabled.  </a:t>
+            </a:r>
+            <a:endParaRPr lang="en-US" b="0" dirty="0">
+              <a:effectLst/>
+            </a:endParaRPr>
+          </a:p>
+          <a:p>
+            <a:br>
+              <a:rPr lang="en-US" dirty="0"/>
+            </a:br>
+            <a:endParaRPr lang="en-US" dirty="0"/>
           </a:p>
         </p:txBody>
       </p:sp>
@@ -1833,7 +2178,28 @@
           <a:bodyPr/>
           <a:lstStyle/>
           <a:p>
-            <a:endParaRPr lang="en-US"/>
+            <a:pPr rtl="0"/>
+            <a:r>
+              <a:rPr lang="en-US" sz="1200" b="0" i="0" u="none" strike="noStrike" kern="1200" dirty="0">
+                <a:solidFill>
+                  <a:schemeClr val="tx1"/>
+                </a:solidFill>
+                <a:effectLst/>
+                <a:latin typeface="Arial" panose="020B0604020202020204" pitchFamily="34" charset="0"/>
+                <a:ea typeface="ＭＳ Ｐゴシック" charset="0"/>
+                <a:cs typeface="Arial" panose="020B0604020202020204" pitchFamily="34" charset="0"/>
+              </a:rPr>
+              <a:t>Disabling plugins are a way to restrict that information that’s added to the node object during a chef-client run.  </a:t>
+            </a:r>
+            <a:endParaRPr lang="en-US" b="0" dirty="0">
+              <a:effectLst/>
+            </a:endParaRPr>
+          </a:p>
+          <a:p>
+            <a:br>
+              <a:rPr lang="en-US" dirty="0"/>
+            </a:br>
+            <a:endParaRPr lang="en-US" dirty="0"/>
           </a:p>
         </p:txBody>
       </p:sp>
@@ -2057,14 +2423,99 @@
           <a:bodyPr/>
           <a:lstStyle/>
           <a:p>
-            <a:r>
+            <a:pPr rtl="0"/>
+            <a:r>
+              <a:rPr lang="en-US" sz="1200" b="0" i="0" u="none" strike="noStrike" kern="1200" dirty="0">
+                <a:solidFill>
+                  <a:schemeClr val="tx1"/>
+                </a:solidFill>
+                <a:effectLst/>
+                <a:latin typeface="Arial" panose="020B0604020202020204" pitchFamily="34" charset="0"/>
+                <a:ea typeface="ＭＳ Ｐゴシック" charset="0"/>
+                <a:cs typeface="Arial" panose="020B0604020202020204" pitchFamily="34" charset="0"/>
+              </a:rPr>
+              <a:t>There are some ways that you can go about running </a:t>
+            </a:r>
+            <a:r>
+              <a:rPr lang="en-US" sz="1200" b="0" i="0" u="none" strike="noStrike" kern="1200" dirty="0" err="1">
+                <a:solidFill>
+                  <a:schemeClr val="tx1"/>
+                </a:solidFill>
+                <a:effectLst/>
+                <a:latin typeface="Arial" panose="020B0604020202020204" pitchFamily="34" charset="0"/>
+                <a:ea typeface="ＭＳ Ｐゴシック" charset="0"/>
+                <a:cs typeface="Arial" panose="020B0604020202020204" pitchFamily="34" charset="0"/>
+              </a:rPr>
+              <a:t>ohai</a:t>
+            </a:r>
+            <a:r>
+              <a:rPr lang="en-US" sz="1200" b="0" i="0" u="none" strike="noStrike" kern="1200" dirty="0">
+                <a:solidFill>
+                  <a:schemeClr val="tx1"/>
+                </a:solidFill>
+                <a:effectLst/>
+                <a:latin typeface="Arial" panose="020B0604020202020204" pitchFamily="34" charset="0"/>
+                <a:ea typeface="ＭＳ Ｐゴシック" charset="0"/>
+                <a:cs typeface="Arial" panose="020B0604020202020204" pitchFamily="34" charset="0"/>
+              </a:rPr>
+              <a:t> a bit smoother, we’re going to describe how you would be able to configure the node to automatically load </a:t>
+            </a:r>
+            <a:r>
+              <a:rPr lang="en-US" sz="1200" b="0" i="0" u="none" strike="noStrike" kern="1200" dirty="0" err="1">
+                <a:solidFill>
+                  <a:schemeClr val="tx1"/>
+                </a:solidFill>
+                <a:effectLst/>
+                <a:latin typeface="Arial" panose="020B0604020202020204" pitchFamily="34" charset="0"/>
+                <a:ea typeface="ＭＳ Ｐゴシック" charset="0"/>
+                <a:cs typeface="Arial" panose="020B0604020202020204" pitchFamily="34" charset="0"/>
+              </a:rPr>
+              <a:t>ohai</a:t>
+            </a:r>
+            <a:r>
+              <a:rPr lang="en-US" sz="1200" b="0" i="0" u="none" strike="noStrike" kern="1200" dirty="0">
+                <a:solidFill>
+                  <a:schemeClr val="tx1"/>
+                </a:solidFill>
+                <a:effectLst/>
+                <a:latin typeface="Arial" panose="020B0604020202020204" pitchFamily="34" charset="0"/>
+                <a:ea typeface="ＭＳ Ｐゴシック" charset="0"/>
+                <a:cs typeface="Arial" panose="020B0604020202020204" pitchFamily="34" charset="0"/>
+              </a:rPr>
+              <a:t> plugins and enable hints on those nodes.  We are also able to remove plugins that we don’t want to be executed on the node. Last we’ll point you to some information about how to get better performance out of </a:t>
+            </a:r>
+            <a:r>
+              <a:rPr lang="en-US" sz="1200" b="0" i="0" u="none" strike="noStrike" kern="1200" dirty="0" err="1">
+                <a:solidFill>
+                  <a:schemeClr val="tx1"/>
+                </a:solidFill>
+                <a:effectLst/>
+                <a:latin typeface="Arial" panose="020B0604020202020204" pitchFamily="34" charset="0"/>
+                <a:ea typeface="ＭＳ Ｐゴシック" charset="0"/>
+                <a:cs typeface="Arial" panose="020B0604020202020204" pitchFamily="34" charset="0"/>
+              </a:rPr>
+              <a:t>ohai</a:t>
+            </a:r>
+            <a:r>
+              <a:rPr lang="en-US" sz="1200" b="0" i="0" u="none" strike="noStrike" kern="1200" dirty="0">
+                <a:solidFill>
+                  <a:schemeClr val="tx1"/>
+                </a:solidFill>
+                <a:effectLst/>
+                <a:latin typeface="Arial" panose="020B0604020202020204" pitchFamily="34" charset="0"/>
+                <a:ea typeface="ＭＳ Ｐゴシック" charset="0"/>
+                <a:cs typeface="Arial" panose="020B0604020202020204" pitchFamily="34" charset="0"/>
+              </a:rPr>
+              <a:t>.</a:t>
+            </a:r>
+            <a:endParaRPr lang="en-US" b="0" dirty="0">
+              <a:effectLst/>
+            </a:endParaRPr>
+          </a:p>
+          <a:p>
+            <a:br>
               <a:rPr lang="en-US" dirty="0"/>
-              <a:t>After completing this module you will be able to</a:t>
-            </a:r>
-            <a:r>
-              <a:rPr lang="en-US" baseline="0" dirty="0"/>
-              <a:t> </a:t>
-            </a:r>
+            </a:br>
             <a:endParaRPr lang="en-US" dirty="0"/>
           </a:p>
         </p:txBody>
@@ -2177,6 +2628,27 @@
           <a:bodyPr/>
           <a:lstStyle/>
           <a:p>
+            <a:pPr rtl="0"/>
+            <a:r>
+              <a:rPr lang="en-US" sz="1200" b="0" i="0" u="none" strike="noStrike" kern="1200" dirty="0">
+                <a:solidFill>
+                  <a:schemeClr val="tx1"/>
+                </a:solidFill>
+                <a:effectLst/>
+                <a:latin typeface="Arial" panose="020B0604020202020204" pitchFamily="34" charset="0"/>
+                <a:ea typeface="ＭＳ Ｐゴシック" charset="0"/>
+                <a:cs typeface="Arial" panose="020B0604020202020204" pitchFamily="34" charset="0"/>
+              </a:rPr>
+              <a:t>You can also go the opposite direction and instead of blacklisting node attributes by disabling them, you can also create a whitelist if you preferred to do so.  This is typically going to be preferable if you are dealing with huge amounts of scale. Typically you want to think about what happens if you are in a situation that you have over five thousand nodes per chef server.  In this context you want to think about the size of these node objects that we’re working with. When you converge a node, be aware that the node object is going to be indexed on the chef server and sent to and from each node during the chef-client run.  Be careful, because if you have over five thousand nodes all hitting your chef server in a fifteen minute convergence interval, if they are shipping up and down huge node objects there’s a chance that you could DOS your chef server. At scale you want to think about only allowing for certain node attributes that are pertinent instead of removing node attributes.  </a:t>
+            </a:r>
+            <a:endParaRPr lang="en-US" b="0" dirty="0">
+              <a:effectLst/>
+            </a:endParaRPr>
+          </a:p>
+          <a:p>
+            <a:br>
+              <a:rPr lang="en-US"/>
+            </a:br>
             <a:endParaRPr lang="en-US"/>
           </a:p>
         </p:txBody>
@@ -2625,7 +3097,52 @@
           <a:bodyPr/>
           <a:lstStyle/>
           <a:p>
-            <a:endParaRPr lang="en-US"/>
+            <a:pPr rtl="0"/>
+            <a:r>
+              <a:rPr lang="en-US" sz="1200" b="0" i="0" u="none" strike="noStrike" kern="1200" dirty="0">
+                <a:solidFill>
+                  <a:schemeClr val="tx1"/>
+                </a:solidFill>
+                <a:effectLst/>
+                <a:latin typeface="Arial" panose="020B0604020202020204" pitchFamily="34" charset="0"/>
+                <a:ea typeface="ＭＳ Ｐゴシック" charset="0"/>
+                <a:cs typeface="Arial" panose="020B0604020202020204" pitchFamily="34" charset="0"/>
+              </a:rPr>
+              <a:t>So this section is going to going to give you some information on how to better set up </a:t>
+            </a:r>
+            <a:r>
+              <a:rPr lang="en-US" sz="1200" b="0" i="0" u="none" strike="noStrike" kern="1200" dirty="0" err="1">
+                <a:solidFill>
+                  <a:schemeClr val="tx1"/>
+                </a:solidFill>
+                <a:effectLst/>
+                <a:latin typeface="Arial" panose="020B0604020202020204" pitchFamily="34" charset="0"/>
+                <a:ea typeface="ＭＳ Ｐゴシック" charset="0"/>
+                <a:cs typeface="Arial" panose="020B0604020202020204" pitchFamily="34" charset="0"/>
+              </a:rPr>
+              <a:t>ohai</a:t>
+            </a:r>
+            <a:r>
+              <a:rPr lang="en-US" sz="1200" b="0" i="0" u="none" strike="noStrike" kern="1200" dirty="0">
+                <a:solidFill>
+                  <a:schemeClr val="tx1"/>
+                </a:solidFill>
+                <a:effectLst/>
+                <a:latin typeface="Arial" panose="020B0604020202020204" pitchFamily="34" charset="0"/>
+                <a:ea typeface="ＭＳ Ｐゴシック" charset="0"/>
+                <a:cs typeface="Arial" panose="020B0604020202020204" pitchFamily="34" charset="0"/>
+              </a:rPr>
+              <a:t>.</a:t>
+            </a:r>
+            <a:endParaRPr lang="en-US" b="0" dirty="0">
+              <a:effectLst/>
+            </a:endParaRPr>
+          </a:p>
+          <a:p>
+            <a:br>
+              <a:rPr lang="en-US" dirty="0"/>
+            </a:br>
+            <a:endParaRPr lang="en-US" dirty="0"/>
           </a:p>
         </p:txBody>
       </p:sp>
@@ -2737,7 +3254,76 @@
           <a:bodyPr/>
           <a:lstStyle/>
           <a:p>
-            <a:endParaRPr lang="en-US"/>
+            <a:pPr rtl="0"/>
+            <a:r>
+              <a:rPr lang="en-US" sz="1200" b="0" i="0" u="none" strike="noStrike" kern="1200" dirty="0">
+                <a:solidFill>
+                  <a:schemeClr val="tx1"/>
+                </a:solidFill>
+                <a:effectLst/>
+                <a:latin typeface="Arial" panose="020B0604020202020204" pitchFamily="34" charset="0"/>
+                <a:ea typeface="ＭＳ Ｐゴシック" charset="0"/>
+                <a:cs typeface="Arial" panose="020B0604020202020204" pitchFamily="34" charset="0"/>
+              </a:rPr>
+              <a:t>The node configuration file for how </a:t>
+            </a:r>
+            <a:r>
+              <a:rPr lang="en-US" sz="1200" b="0" i="0" u="none" strike="noStrike" kern="1200" dirty="0" err="1">
+                <a:solidFill>
+                  <a:schemeClr val="tx1"/>
+                </a:solidFill>
+                <a:effectLst/>
+                <a:latin typeface="Arial" panose="020B0604020202020204" pitchFamily="34" charset="0"/>
+                <a:ea typeface="ＭＳ Ｐゴシック" charset="0"/>
+                <a:cs typeface="Arial" panose="020B0604020202020204" pitchFamily="34" charset="0"/>
+              </a:rPr>
+              <a:t>ohai</a:t>
+            </a:r>
+            <a:r>
+              <a:rPr lang="en-US" sz="1200" b="0" i="0" u="none" strike="noStrike" kern="1200" dirty="0">
+                <a:solidFill>
+                  <a:schemeClr val="tx1"/>
+                </a:solidFill>
+                <a:effectLst/>
+                <a:latin typeface="Arial" panose="020B0604020202020204" pitchFamily="34" charset="0"/>
+                <a:ea typeface="ＭＳ Ｐゴシック" charset="0"/>
+                <a:cs typeface="Arial" panose="020B0604020202020204" pitchFamily="34" charset="0"/>
+              </a:rPr>
+              <a:t> is supposed to run with chef-client is found within the </a:t>
+            </a:r>
+            <a:r>
+              <a:rPr lang="en-US" sz="1200" b="0" i="0" u="none" strike="noStrike" kern="1200" dirty="0" err="1">
+                <a:solidFill>
+                  <a:schemeClr val="tx1"/>
+                </a:solidFill>
+                <a:effectLst/>
+                <a:latin typeface="Arial" panose="020B0604020202020204" pitchFamily="34" charset="0"/>
+                <a:ea typeface="ＭＳ Ｐゴシック" charset="0"/>
+                <a:cs typeface="Arial" panose="020B0604020202020204" pitchFamily="34" charset="0"/>
+              </a:rPr>
+              <a:t>client.rb</a:t>
+            </a:r>
+            <a:r>
+              <a:rPr lang="en-US" sz="1200" b="0" i="0" u="none" strike="noStrike" kern="1200" dirty="0">
+                <a:solidFill>
+                  <a:schemeClr val="tx1"/>
+                </a:solidFill>
+                <a:effectLst/>
+                <a:latin typeface="Arial" panose="020B0604020202020204" pitchFamily="34" charset="0"/>
+                <a:ea typeface="ＭＳ Ｐゴシック" charset="0"/>
+                <a:cs typeface="Arial" panose="020B0604020202020204" pitchFamily="34" charset="0"/>
+              </a:rPr>
+              <a:t> file.  </a:t>
+            </a:r>
+            <a:endParaRPr lang="en-US" b="0" dirty="0">
+              <a:effectLst/>
+            </a:endParaRPr>
+          </a:p>
+          <a:p>
+            <a:br>
+              <a:rPr lang="en-US" dirty="0"/>
+            </a:br>
+            <a:endParaRPr lang="en-US" dirty="0"/>
           </a:p>
         </p:txBody>
       </p:sp>
@@ -2849,23 +3435,51 @@
           <a:bodyPr/>
           <a:lstStyle/>
           <a:p>
-            <a:pPr marL="0" marR="0" indent="0" algn="l" defTabSz="1217613" rtl="0" eaLnBrk="1" fontAlgn="base" latinLnBrk="0" hangingPunct="1">
-              <a:lnSpc>
-                <a:spcPct val="90000"/>
-              </a:lnSpc>
-              <a:spcBef>
-                <a:spcPct val="30000"/>
-              </a:spcBef>
-              <a:spcAft>
-                <a:spcPts val="450"/>
-              </a:spcAft>
-              <a:buClrTx/>
-              <a:buSzTx/>
-              <a:buFontTx/>
-              <a:buNone/>
-              <a:tabLst/>
-              <a:defRPr/>
-            </a:pPr>
+            <a:pPr rtl="0"/>
+            <a:r>
+              <a:rPr lang="en-US" sz="1200" b="0" i="0" u="none" strike="noStrike" kern="1200" dirty="0">
+                <a:solidFill>
+                  <a:schemeClr val="tx1"/>
+                </a:solidFill>
+                <a:effectLst/>
+                <a:latin typeface="Arial" panose="020B0604020202020204" pitchFamily="34" charset="0"/>
+                <a:ea typeface="ＭＳ Ｐゴシック" charset="0"/>
+                <a:cs typeface="Arial" panose="020B0604020202020204" pitchFamily="34" charset="0"/>
+              </a:rPr>
+              <a:t>So this node configuration file, the </a:t>
+            </a:r>
+            <a:r>
+              <a:rPr lang="en-US" sz="1200" b="0" i="0" u="none" strike="noStrike" kern="1200" dirty="0" err="1">
+                <a:solidFill>
+                  <a:schemeClr val="tx1"/>
+                </a:solidFill>
+                <a:effectLst/>
+                <a:latin typeface="Arial" panose="020B0604020202020204" pitchFamily="34" charset="0"/>
+                <a:ea typeface="ＭＳ Ｐゴシック" charset="0"/>
+                <a:cs typeface="Arial" panose="020B0604020202020204" pitchFamily="34" charset="0"/>
+              </a:rPr>
+              <a:t>client.rb</a:t>
+            </a:r>
+            <a:r>
+              <a:rPr lang="en-US" sz="1200" b="0" i="0" u="none" strike="noStrike" kern="1200" dirty="0">
+                <a:solidFill>
+                  <a:schemeClr val="tx1"/>
+                </a:solidFill>
+                <a:effectLst/>
+                <a:latin typeface="Arial" panose="020B0604020202020204" pitchFamily="34" charset="0"/>
+                <a:ea typeface="ＭＳ Ｐゴシック" charset="0"/>
+                <a:cs typeface="Arial" panose="020B0604020202020204" pitchFamily="34" charset="0"/>
+              </a:rPr>
+              <a:t> is loaded at the beginning of every chef-client run.  It is the master file for the chef-client run, and you can define it using a template if you so desire, using the chef-client cookbook.  </a:t>
+            </a:r>
+            <a:endParaRPr lang="en-US" b="0" dirty="0">
+              <a:effectLst/>
+            </a:endParaRPr>
+          </a:p>
+          <a:p>
+            <a:br>
+              <a:rPr lang="en-US" dirty="0"/>
+            </a:br>
             <a:endParaRPr lang="en-US" baseline="0" dirty="0"/>
           </a:p>
         </p:txBody>
@@ -2978,7 +3592,28 @@
           <a:bodyPr/>
           <a:lstStyle/>
           <a:p>
-            <a:endParaRPr lang="en-US"/>
+            <a:pPr rtl="0"/>
+            <a:r>
+              <a:rPr lang="en-US" sz="1200" b="0" i="0" u="none" strike="noStrike" kern="1200" dirty="0">
+                <a:solidFill>
+                  <a:schemeClr val="tx1"/>
+                </a:solidFill>
+                <a:effectLst/>
+                <a:latin typeface="Arial" panose="020B0604020202020204" pitchFamily="34" charset="0"/>
+                <a:ea typeface="ＭＳ Ｐゴシック" charset="0"/>
+                <a:cs typeface="Arial" panose="020B0604020202020204" pitchFamily="34" charset="0"/>
+              </a:rPr>
+              <a:t>The chef-client cookbook itself is a configuration cookbook to set up the chef-client as a service.  Meaning that it runs on some regular schedule, it allows you to configure this easily. The service recipe, or default recipe, calls chef-client as a service causing the node to converge on a periodic interval.  </a:t>
+            </a:r>
+            <a:endParaRPr lang="en-US" b="0" dirty="0">
+              <a:effectLst/>
+            </a:endParaRPr>
+          </a:p>
+          <a:p>
+            <a:br>
+              <a:rPr lang="en-US" dirty="0"/>
+            </a:br>
+            <a:endParaRPr lang="en-US" dirty="0"/>
           </a:p>
         </p:txBody>
       </p:sp>
@@ -3109,6 +3744,273 @@
               <a:t> https://github.com/chef-cookbooks/chef-client/blob/master/recipes/config.rb</a:t>
             </a:r>
           </a:p>
+          <a:p>
+            <a:endParaRPr lang="en-US" dirty="0"/>
+          </a:p>
+          <a:p>
+            <a:pPr rtl="0"/>
+            <a:r>
+              <a:rPr lang="en-US" sz="1200" b="0" i="0" u="none" strike="noStrike" kern="1200" dirty="0">
+                <a:solidFill>
+                  <a:schemeClr val="tx1"/>
+                </a:solidFill>
+                <a:effectLst/>
+                <a:latin typeface="Arial" panose="020B0604020202020204" pitchFamily="34" charset="0"/>
+                <a:ea typeface="ＭＳ Ｐゴシック" charset="0"/>
+                <a:cs typeface="Arial" panose="020B0604020202020204" pitchFamily="34" charset="0"/>
+              </a:rPr>
+              <a:t>Within this cookbook there is also a recipe called config.  This recipe can be used to configure the </a:t>
+            </a:r>
+            <a:r>
+              <a:rPr lang="en-US" sz="1200" b="0" i="0" u="none" strike="noStrike" kern="1200" dirty="0" err="1">
+                <a:solidFill>
+                  <a:schemeClr val="tx1"/>
+                </a:solidFill>
+                <a:effectLst/>
+                <a:latin typeface="Arial" panose="020B0604020202020204" pitchFamily="34" charset="0"/>
+                <a:ea typeface="ＭＳ Ｐゴシック" charset="0"/>
+                <a:cs typeface="Arial" panose="020B0604020202020204" pitchFamily="34" charset="0"/>
+              </a:rPr>
+              <a:t>client.rb</a:t>
+            </a:r>
+            <a:r>
+              <a:rPr lang="en-US" sz="1200" b="0" i="0" u="none" strike="noStrike" kern="1200" dirty="0">
+                <a:solidFill>
+                  <a:schemeClr val="tx1"/>
+                </a:solidFill>
+                <a:effectLst/>
+                <a:latin typeface="Arial" panose="020B0604020202020204" pitchFamily="34" charset="0"/>
+                <a:ea typeface="ＭＳ Ｐゴシック" charset="0"/>
+                <a:cs typeface="Arial" panose="020B0604020202020204" pitchFamily="34" charset="0"/>
+              </a:rPr>
+              <a:t> file. This </a:t>
+            </a:r>
+            <a:r>
+              <a:rPr lang="en-US" sz="1200" b="0" i="0" u="none" strike="noStrike" kern="1200" dirty="0" err="1">
+                <a:solidFill>
+                  <a:schemeClr val="tx1"/>
+                </a:solidFill>
+                <a:effectLst/>
+                <a:latin typeface="Arial" panose="020B0604020202020204" pitchFamily="34" charset="0"/>
+                <a:ea typeface="ＭＳ Ｐゴシック" charset="0"/>
+                <a:cs typeface="Arial" panose="020B0604020202020204" pitchFamily="34" charset="0"/>
+              </a:rPr>
+              <a:t>config.rb</a:t>
+            </a:r>
+            <a:r>
+              <a:rPr lang="en-US" sz="1200" b="0" i="0" u="none" strike="noStrike" kern="1200" dirty="0">
+                <a:solidFill>
+                  <a:schemeClr val="tx1"/>
+                </a:solidFill>
+                <a:effectLst/>
+                <a:latin typeface="Arial" panose="020B0604020202020204" pitchFamily="34" charset="0"/>
+                <a:ea typeface="ＭＳ Ｐゴシック" charset="0"/>
+                <a:cs typeface="Arial" panose="020B0604020202020204" pitchFamily="34" charset="0"/>
+              </a:rPr>
+              <a:t> file will create the </a:t>
+            </a:r>
+            <a:r>
+              <a:rPr lang="en-US" sz="1200" b="0" i="0" u="none" strike="noStrike" kern="1200" dirty="0" err="1">
+                <a:solidFill>
+                  <a:schemeClr val="tx1"/>
+                </a:solidFill>
+                <a:effectLst/>
+                <a:latin typeface="Arial" panose="020B0604020202020204" pitchFamily="34" charset="0"/>
+                <a:ea typeface="ＭＳ Ｐゴシック" charset="0"/>
+                <a:cs typeface="Arial" panose="020B0604020202020204" pitchFamily="34" charset="0"/>
+              </a:rPr>
+              <a:t>client.rb</a:t>
+            </a:r>
+            <a:r>
+              <a:rPr lang="en-US" sz="1200" b="0" i="0" u="none" strike="noStrike" kern="1200" dirty="0">
+                <a:solidFill>
+                  <a:schemeClr val="tx1"/>
+                </a:solidFill>
+                <a:effectLst/>
+                <a:latin typeface="Arial" panose="020B0604020202020204" pitchFamily="34" charset="0"/>
+                <a:ea typeface="ＭＳ Ｐゴシック" charset="0"/>
+                <a:cs typeface="Arial" panose="020B0604020202020204" pitchFamily="34" charset="0"/>
+              </a:rPr>
+              <a:t> file from a template and notice the variables that can be passed into that template.  If I want to have a template for that </a:t>
+            </a:r>
+            <a:r>
+              <a:rPr lang="en-US" sz="1200" b="0" i="0" u="none" strike="noStrike" kern="1200" dirty="0" err="1">
+                <a:solidFill>
+                  <a:schemeClr val="tx1"/>
+                </a:solidFill>
+                <a:effectLst/>
+                <a:latin typeface="Arial" panose="020B0604020202020204" pitchFamily="34" charset="0"/>
+                <a:ea typeface="ＭＳ Ｐゴシック" charset="0"/>
+                <a:cs typeface="Arial" panose="020B0604020202020204" pitchFamily="34" charset="0"/>
+              </a:rPr>
+              <a:t>client.rb</a:t>
+            </a:r>
+            <a:r>
+              <a:rPr lang="en-US" sz="1200" b="0" i="0" u="none" strike="noStrike" kern="1200" dirty="0">
+                <a:solidFill>
+                  <a:schemeClr val="tx1"/>
+                </a:solidFill>
+                <a:effectLst/>
+                <a:latin typeface="Arial" panose="020B0604020202020204" pitchFamily="34" charset="0"/>
+                <a:ea typeface="ＭＳ Ｐゴシック" charset="0"/>
+                <a:cs typeface="Arial" panose="020B0604020202020204" pitchFamily="34" charset="0"/>
+              </a:rPr>
+              <a:t> file I can pass in variables that can configure things like </a:t>
+            </a:r>
+            <a:r>
+              <a:rPr lang="en-US" sz="1200" b="0" i="0" u="none" strike="noStrike" kern="1200" dirty="0" err="1">
+                <a:solidFill>
+                  <a:schemeClr val="tx1"/>
+                </a:solidFill>
+                <a:effectLst/>
+                <a:latin typeface="Arial" panose="020B0604020202020204" pitchFamily="34" charset="0"/>
+                <a:ea typeface="ＭＳ Ｐゴシック" charset="0"/>
+                <a:cs typeface="Arial" panose="020B0604020202020204" pitchFamily="34" charset="0"/>
+              </a:rPr>
+              <a:t>ohai</a:t>
+            </a:r>
+            <a:r>
+              <a:rPr lang="en-US" sz="1200" b="0" i="0" u="none" strike="noStrike" kern="1200" dirty="0">
+                <a:solidFill>
+                  <a:schemeClr val="tx1"/>
+                </a:solidFill>
+                <a:effectLst/>
+                <a:latin typeface="Arial" panose="020B0604020202020204" pitchFamily="34" charset="0"/>
+                <a:ea typeface="ＭＳ Ｐゴシック" charset="0"/>
+                <a:cs typeface="Arial" panose="020B0604020202020204" pitchFamily="34" charset="0"/>
+              </a:rPr>
+              <a:t>. In particular, you can disable certain </a:t>
+            </a:r>
+            <a:r>
+              <a:rPr lang="en-US" sz="1200" b="0" i="0" u="none" strike="noStrike" kern="1200" dirty="0" err="1">
+                <a:solidFill>
+                  <a:schemeClr val="tx1"/>
+                </a:solidFill>
+                <a:effectLst/>
+                <a:latin typeface="Arial" panose="020B0604020202020204" pitchFamily="34" charset="0"/>
+                <a:ea typeface="ＭＳ Ｐゴシック" charset="0"/>
+                <a:cs typeface="Arial" panose="020B0604020202020204" pitchFamily="34" charset="0"/>
+              </a:rPr>
+              <a:t>ohai</a:t>
+            </a:r>
+            <a:r>
+              <a:rPr lang="en-US" sz="1200" b="0" i="0" u="none" strike="noStrike" kern="1200" dirty="0">
+                <a:solidFill>
+                  <a:schemeClr val="tx1"/>
+                </a:solidFill>
+                <a:effectLst/>
+                <a:latin typeface="Arial" panose="020B0604020202020204" pitchFamily="34" charset="0"/>
+                <a:ea typeface="ＭＳ Ｐゴシック" charset="0"/>
+                <a:cs typeface="Arial" panose="020B0604020202020204" pitchFamily="34" charset="0"/>
+              </a:rPr>
+              <a:t> plugins using the </a:t>
+            </a:r>
+            <a:r>
+              <a:rPr lang="en-US" sz="1200" b="0" i="0" u="none" strike="noStrike" kern="1200" dirty="0" err="1">
+                <a:solidFill>
+                  <a:schemeClr val="tx1"/>
+                </a:solidFill>
+                <a:effectLst/>
+                <a:latin typeface="Arial" panose="020B0604020202020204" pitchFamily="34" charset="0"/>
+                <a:ea typeface="ＭＳ Ｐゴシック" charset="0"/>
+                <a:cs typeface="Arial" panose="020B0604020202020204" pitchFamily="34" charset="0"/>
+              </a:rPr>
+              <a:t>ohai_disabled_plugins</a:t>
+            </a:r>
+            <a:r>
+              <a:rPr lang="en-US" sz="1200" b="0" i="0" u="none" strike="noStrike" kern="1200" dirty="0">
+                <a:solidFill>
+                  <a:schemeClr val="tx1"/>
+                </a:solidFill>
+                <a:effectLst/>
+                <a:latin typeface="Arial" panose="020B0604020202020204" pitchFamily="34" charset="0"/>
+                <a:ea typeface="ＭＳ Ｐゴシック" charset="0"/>
+                <a:cs typeface="Arial" panose="020B0604020202020204" pitchFamily="34" charset="0"/>
+              </a:rPr>
+              <a:t> variable.  All you will need to do is call this </a:t>
+            </a:r>
+            <a:r>
+              <a:rPr lang="en-US" sz="1200" b="0" i="0" u="none" strike="noStrike" kern="1200" dirty="0" err="1">
+                <a:solidFill>
+                  <a:schemeClr val="tx1"/>
+                </a:solidFill>
+                <a:effectLst/>
+                <a:latin typeface="Arial" panose="020B0604020202020204" pitchFamily="34" charset="0"/>
+                <a:ea typeface="ＭＳ Ｐゴシック" charset="0"/>
+                <a:cs typeface="Arial" panose="020B0604020202020204" pitchFamily="34" charset="0"/>
+              </a:rPr>
+              <a:t>config.rb</a:t>
+            </a:r>
+            <a:r>
+              <a:rPr lang="en-US" sz="1200" b="0" i="0" u="none" strike="noStrike" kern="1200" dirty="0">
+                <a:solidFill>
+                  <a:schemeClr val="tx1"/>
+                </a:solidFill>
+                <a:effectLst/>
+                <a:latin typeface="Arial" panose="020B0604020202020204" pitchFamily="34" charset="0"/>
+                <a:ea typeface="ＭＳ Ｐゴシック" charset="0"/>
+                <a:cs typeface="Arial" panose="020B0604020202020204" pitchFamily="34" charset="0"/>
+              </a:rPr>
+              <a:t> recipe, and make sure that you have defined a node attribute called ‘</a:t>
+            </a:r>
+            <a:r>
+              <a:rPr lang="en-US" sz="1200" b="0" i="0" u="none" strike="noStrike" kern="1200" dirty="0" err="1">
+                <a:solidFill>
+                  <a:schemeClr val="tx1"/>
+                </a:solidFill>
+                <a:effectLst/>
+                <a:latin typeface="Arial" panose="020B0604020202020204" pitchFamily="34" charset="0"/>
+                <a:ea typeface="ＭＳ Ｐゴシック" charset="0"/>
+                <a:cs typeface="Arial" panose="020B0604020202020204" pitchFamily="34" charset="0"/>
+              </a:rPr>
+              <a:t>ohai</a:t>
+            </a:r>
+            <a:r>
+              <a:rPr lang="en-US" sz="1200" b="0" i="0" u="none" strike="noStrike" kern="1200" dirty="0">
+                <a:solidFill>
+                  <a:schemeClr val="tx1"/>
+                </a:solidFill>
+                <a:effectLst/>
+                <a:latin typeface="Arial" panose="020B0604020202020204" pitchFamily="34" charset="0"/>
+                <a:ea typeface="ＭＳ Ｐゴシック" charset="0"/>
+                <a:cs typeface="Arial" panose="020B0604020202020204" pitchFamily="34" charset="0"/>
+              </a:rPr>
+              <a:t>/</a:t>
+            </a:r>
+            <a:r>
+              <a:rPr lang="en-US" sz="1200" b="0" i="0" u="none" strike="noStrike" kern="1200" dirty="0" err="1">
+                <a:solidFill>
+                  <a:schemeClr val="tx1"/>
+                </a:solidFill>
+                <a:effectLst/>
+                <a:latin typeface="Arial" panose="020B0604020202020204" pitchFamily="34" charset="0"/>
+                <a:ea typeface="ＭＳ Ｐゴシック" charset="0"/>
+                <a:cs typeface="Arial" panose="020B0604020202020204" pitchFamily="34" charset="0"/>
+              </a:rPr>
+              <a:t>disabled_plugins</a:t>
+            </a:r>
+            <a:r>
+              <a:rPr lang="en-US" sz="1200" b="0" i="0" u="none" strike="noStrike" kern="1200" dirty="0">
+                <a:solidFill>
+                  <a:schemeClr val="tx1"/>
+                </a:solidFill>
+                <a:effectLst/>
+                <a:latin typeface="Arial" panose="020B0604020202020204" pitchFamily="34" charset="0"/>
+                <a:ea typeface="ＭＳ Ｐゴシック" charset="0"/>
+                <a:cs typeface="Arial" panose="020B0604020202020204" pitchFamily="34" charset="0"/>
+              </a:rPr>
+              <a:t>’.</a:t>
+            </a:r>
+            <a:endParaRPr lang="en-US" b="0" dirty="0">
+              <a:effectLst/>
+            </a:endParaRPr>
+          </a:p>
+          <a:p>
+            <a:br>
+              <a:rPr lang="en-US" dirty="0"/>
+            </a:br>
+            <a:endParaRPr lang="en-US" dirty="0"/>
+          </a:p>
         </p:txBody>
       </p:sp>
       <p:sp>
@@ -3219,7 +4121,76 @@
           <a:bodyPr/>
           <a:lstStyle/>
           <a:p>
-            <a:endParaRPr lang="en-US"/>
+            <a:pPr rtl="0"/>
+            <a:r>
+              <a:rPr lang="en-US" sz="1200" b="0" i="0" u="none" strike="noStrike" kern="1200" dirty="0">
+                <a:solidFill>
+                  <a:schemeClr val="tx1"/>
+                </a:solidFill>
+                <a:effectLst/>
+                <a:latin typeface="Arial" panose="020B0604020202020204" pitchFamily="34" charset="0"/>
+                <a:ea typeface="ＭＳ Ｐゴシック" charset="0"/>
+                <a:cs typeface="Arial" panose="020B0604020202020204" pitchFamily="34" charset="0"/>
+              </a:rPr>
+              <a:t>You can also set things like the plugin path, which is usually within that /</a:t>
+            </a:r>
+            <a:r>
+              <a:rPr lang="en-US" sz="1200" b="0" i="0" u="none" strike="noStrike" kern="1200" dirty="0" err="1">
+                <a:solidFill>
+                  <a:schemeClr val="tx1"/>
+                </a:solidFill>
+                <a:effectLst/>
+                <a:latin typeface="Arial" panose="020B0604020202020204" pitchFamily="34" charset="0"/>
+                <a:ea typeface="ＭＳ Ｐゴシック" charset="0"/>
+                <a:cs typeface="Arial" panose="020B0604020202020204" pitchFamily="34" charset="0"/>
+              </a:rPr>
+              <a:t>etc</a:t>
+            </a:r>
+            <a:r>
+              <a:rPr lang="en-US" sz="1200" b="0" i="0" u="none" strike="noStrike" kern="1200" dirty="0">
+                <a:solidFill>
+                  <a:schemeClr val="tx1"/>
+                </a:solidFill>
+                <a:effectLst/>
+                <a:latin typeface="Arial" panose="020B0604020202020204" pitchFamily="34" charset="0"/>
+                <a:ea typeface="ＭＳ Ｐゴシック" charset="0"/>
+                <a:cs typeface="Arial" panose="020B0604020202020204" pitchFamily="34" charset="0"/>
+              </a:rPr>
+              <a:t>/chef/</a:t>
+            </a:r>
+            <a:r>
+              <a:rPr lang="en-US" sz="1200" b="0" i="0" u="none" strike="noStrike" kern="1200" dirty="0" err="1">
+                <a:solidFill>
+                  <a:schemeClr val="tx1"/>
+                </a:solidFill>
+                <a:effectLst/>
+                <a:latin typeface="Arial" panose="020B0604020202020204" pitchFamily="34" charset="0"/>
+                <a:ea typeface="ＭＳ Ｐゴシック" charset="0"/>
+                <a:cs typeface="Arial" panose="020B0604020202020204" pitchFamily="34" charset="0"/>
+              </a:rPr>
+              <a:t>ohai</a:t>
+            </a:r>
+            <a:r>
+              <a:rPr lang="en-US" sz="1200" b="0" i="0" u="none" strike="noStrike" kern="1200" dirty="0">
+                <a:solidFill>
+                  <a:schemeClr val="tx1"/>
+                </a:solidFill>
+                <a:effectLst/>
+                <a:latin typeface="Arial" panose="020B0604020202020204" pitchFamily="34" charset="0"/>
+                <a:ea typeface="ＭＳ Ｐゴシック" charset="0"/>
+                <a:cs typeface="Arial" panose="020B0604020202020204" pitchFamily="34" charset="0"/>
+              </a:rPr>
+              <a:t> directory.</a:t>
+            </a:r>
+            <a:endParaRPr lang="en-US" b="0" dirty="0">
+              <a:effectLst/>
+            </a:endParaRPr>
+          </a:p>
+          <a:p>
+            <a:br>
+              <a:rPr lang="en-US" dirty="0"/>
+            </a:br>
+            <a:endParaRPr lang="en-US" dirty="0"/>
           </a:p>
         </p:txBody>
       </p:sp>
@@ -3331,7 +4302,28 @@
           <a:bodyPr/>
           <a:lstStyle/>
           <a:p>
-            <a:endParaRPr lang="en-US"/>
+            <a:pPr rtl="0"/>
+            <a:r>
+              <a:rPr lang="en-US" sz="1200" b="0" i="0" u="none" strike="noStrike" kern="1200" dirty="0">
+                <a:solidFill>
+                  <a:schemeClr val="tx1"/>
+                </a:solidFill>
+                <a:effectLst/>
+                <a:latin typeface="Arial" panose="020B0604020202020204" pitchFamily="34" charset="0"/>
+                <a:ea typeface="ＭＳ Ｐゴシック" charset="0"/>
+                <a:cs typeface="Arial" panose="020B0604020202020204" pitchFamily="34" charset="0"/>
+              </a:rPr>
+              <a:t>With the combination of this template, you can go in and adjust things like where chef keeps plugins, and also what plugins should be disabled.  </a:t>
+            </a:r>
+            <a:endParaRPr lang="en-US" b="0" dirty="0">
+              <a:effectLst/>
+            </a:endParaRPr>
+          </a:p>
+          <a:p>
+            <a:br>
+              <a:rPr lang="en-US" dirty="0"/>
+            </a:br>
+            <a:endParaRPr lang="en-US" dirty="0"/>
           </a:p>
         </p:txBody>
       </p:sp>
@@ -3964,14 +4956,14 @@
           </a:ln>
           <a:extLst>
             <a:ext uri="{909E8E84-426E-40dd-AFC4-6F175D3DCCD1}">
-              <a14:hiddenFill xmlns="" xmlns:a14="http://schemas.microsoft.com/office/drawing/2010/main">
+              <a14:hiddenFill xmlns:a14="http://schemas.microsoft.com/office/drawing/2010/main" xmlns="">
                 <a:solidFill>
                   <a:srgbClr val="FFFFFF"/>
                 </a:solidFill>
               </a14:hiddenFill>
             </a:ext>
             <a:ext uri="{91240B29-F687-4f45-9708-019B960494DF}">
-              <a14:hiddenLine xmlns="" xmlns:a14="http://schemas.microsoft.com/office/drawing/2010/main" w="9525">
+              <a14:hiddenLine xmlns:a14="http://schemas.microsoft.com/office/drawing/2010/main" xmlns="" w="9525">
                 <a:solidFill>
                   <a:srgbClr val="000000"/>
                 </a:solidFill>
@@ -4119,14 +5111,14 @@
           </a:ln>
           <a:extLst>
             <a:ext uri="{909E8E84-426E-40dd-AFC4-6F175D3DCCD1}">
-              <a14:hiddenFill xmlns="" xmlns:a14="http://schemas.microsoft.com/office/drawing/2010/main">
+              <a14:hiddenFill xmlns:a14="http://schemas.microsoft.com/office/drawing/2010/main" xmlns="">
                 <a:solidFill>
                   <a:srgbClr val="FFFFFF"/>
                 </a:solidFill>
               </a14:hiddenFill>
             </a:ext>
             <a:ext uri="{91240B29-F687-4f45-9708-019B960494DF}">
-              <a14:hiddenLine xmlns="" xmlns:a14="http://schemas.microsoft.com/office/drawing/2010/main" w="9525">
+              <a14:hiddenLine xmlns:a14="http://schemas.microsoft.com/office/drawing/2010/main" xmlns="" w="9525">
                 <a:solidFill>
                   <a:srgbClr val="000000"/>
                 </a:solidFill>
@@ -4617,14 +5609,14 @@
           </a:ln>
           <a:extLst>
             <a:ext uri="{909E8E84-426E-40dd-AFC4-6F175D3DCCD1}">
-              <a14:hiddenFill xmlns="" xmlns:a14="http://schemas.microsoft.com/office/drawing/2010/main">
+              <a14:hiddenFill xmlns:a14="http://schemas.microsoft.com/office/drawing/2010/main" xmlns="">
                 <a:solidFill>
                   <a:srgbClr val="FFFFFF"/>
                 </a:solidFill>
               </a14:hiddenFill>
             </a:ext>
             <a:ext uri="{91240B29-F687-4f45-9708-019B960494DF}">
-              <a14:hiddenLine xmlns="" xmlns:a14="http://schemas.microsoft.com/office/drawing/2010/main" w="9525">
+              <a14:hiddenLine xmlns:a14="http://schemas.microsoft.com/office/drawing/2010/main" xmlns="" w="9525">
                 <a:solidFill>
                   <a:srgbClr val="000000"/>
                 </a:solidFill>
@@ -6337,14 +7329,14 @@
           </a:ln>
           <a:extLst>
             <a:ext uri="{909E8E84-426E-40dd-AFC4-6F175D3DCCD1}">
-              <a14:hiddenFill xmlns="" xmlns:a14="http://schemas.microsoft.com/office/drawing/2010/main">
+              <a14:hiddenFill xmlns:a14="http://schemas.microsoft.com/office/drawing/2010/main" xmlns="">
                 <a:solidFill>
                   <a:srgbClr val="FFFFFF"/>
                 </a:solidFill>
               </a14:hiddenFill>
             </a:ext>
             <a:ext uri="{91240B29-F687-4f45-9708-019B960494DF}">
-              <a14:hiddenLine xmlns="" xmlns:a14="http://schemas.microsoft.com/office/drawing/2010/main" w="9525">
+              <a14:hiddenLine xmlns:a14="http://schemas.microsoft.com/office/drawing/2010/main" xmlns="" w="9525">
                 <a:solidFill>
                   <a:srgbClr val="000000"/>
                 </a:solidFill>
@@ -8158,14 +9150,14 @@
           </a:ln>
           <a:extLst>
             <a:ext uri="{909E8E84-426E-40dd-AFC4-6F175D3DCCD1}">
-              <a14:hiddenFill xmlns="" xmlns:a14="http://schemas.microsoft.com/office/drawing/2010/main">
+              <a14:hiddenFill xmlns:a14="http://schemas.microsoft.com/office/drawing/2010/main" xmlns="">
                 <a:solidFill>
                   <a:srgbClr val="FFFFFF"/>
                 </a:solidFill>
               </a14:hiddenFill>
             </a:ext>
             <a:ext uri="{91240B29-F687-4f45-9708-019B960494DF}">
-              <a14:hiddenLine xmlns="" xmlns:a14="http://schemas.microsoft.com/office/drawing/2010/main" w="9525">
+              <a14:hiddenLine xmlns:a14="http://schemas.microsoft.com/office/drawing/2010/main" xmlns="" w="9525">
                 <a:solidFill>
                   <a:srgbClr val="000000"/>
                 </a:solidFill>
@@ -8521,14 +9513,14 @@
           </a:ln>
           <a:extLst>
             <a:ext uri="{909E8E84-426E-40dd-AFC4-6F175D3DCCD1}">
-              <a14:hiddenFill xmlns="" xmlns:a14="http://schemas.microsoft.com/office/drawing/2010/main">
+              <a14:hiddenFill xmlns:a14="http://schemas.microsoft.com/office/drawing/2010/main" xmlns="">
                 <a:solidFill>
                   <a:srgbClr val="FFFFFF"/>
                 </a:solidFill>
               </a14:hiddenFill>
             </a:ext>
             <a:ext uri="{91240B29-F687-4f45-9708-019B960494DF}">
-              <a14:hiddenLine xmlns="" xmlns:a14="http://schemas.microsoft.com/office/drawing/2010/main" w="9525">
+              <a14:hiddenLine xmlns:a14="http://schemas.microsoft.com/office/drawing/2010/main" xmlns="" w="9525">
                 <a:solidFill>
                   <a:srgbClr val="000000"/>
                 </a:solidFill>
@@ -9086,14 +10078,14 @@
           </a:ln>
           <a:extLst>
             <a:ext uri="{909E8E84-426E-40dd-AFC4-6F175D3DCCD1}">
-              <a14:hiddenFill xmlns="" xmlns:a14="http://schemas.microsoft.com/office/drawing/2010/main">
+              <a14:hiddenFill xmlns:a14="http://schemas.microsoft.com/office/drawing/2010/main" xmlns="">
                 <a:solidFill>
                   <a:srgbClr val="FFFFFF"/>
                 </a:solidFill>
               </a14:hiddenFill>
             </a:ext>
             <a:ext uri="{91240B29-F687-4f45-9708-019B960494DF}">
-              <a14:hiddenLine xmlns="" xmlns:a14="http://schemas.microsoft.com/office/drawing/2010/main" w="9525">
+              <a14:hiddenLine xmlns:a14="http://schemas.microsoft.com/office/drawing/2010/main" xmlns="" w="9525">
                 <a:solidFill>
                   <a:srgbClr val="000000"/>
                 </a:solidFill>
@@ -9660,14 +10652,14 @@
           </a:ln>
           <a:extLst>
             <a:ext uri="{909E8E84-426E-40dd-AFC4-6F175D3DCCD1}">
-              <a14:hiddenFill xmlns="" xmlns:a14="http://schemas.microsoft.com/office/drawing/2010/main">
+              <a14:hiddenFill xmlns:a14="http://schemas.microsoft.com/office/drawing/2010/main" xmlns="">
                 <a:solidFill>
                   <a:srgbClr val="FFFFFF"/>
                 </a:solidFill>
               </a14:hiddenFill>
             </a:ext>
             <a:ext uri="{91240B29-F687-4f45-9708-019B960494DF}">
-              <a14:hiddenLine xmlns="" xmlns:a14="http://schemas.microsoft.com/office/drawing/2010/main" w="9525">
+              <a14:hiddenLine xmlns:a14="http://schemas.microsoft.com/office/drawing/2010/main" xmlns="" w="9525">
                 <a:solidFill>
                   <a:srgbClr val="000000"/>
                 </a:solidFill>
@@ -10607,14 +11599,14 @@
           </a:ln>
           <a:extLst>
             <a:ext uri="{909E8E84-426E-40dd-AFC4-6F175D3DCCD1}">
-              <a14:hiddenFill xmlns="" xmlns:a14="http://schemas.microsoft.com/office/drawing/2010/main">
+              <a14:hiddenFill xmlns:a14="http://schemas.microsoft.com/office/drawing/2010/main" xmlns="">
                 <a:solidFill>
                   <a:srgbClr val="FFFFFF"/>
                 </a:solidFill>
               </a14:hiddenFill>
             </a:ext>
             <a:ext uri="{91240B29-F687-4f45-9708-019B960494DF}">
-              <a14:hiddenLine xmlns="" xmlns:a14="http://schemas.microsoft.com/office/drawing/2010/main" w="9525">
+              <a14:hiddenLine xmlns:a14="http://schemas.microsoft.com/office/drawing/2010/main" xmlns="" w="9525">
                 <a:solidFill>
                   <a:srgbClr val="000000"/>
                 </a:solidFill>
@@ -11370,14 +12362,14 @@
           </a:ln>
           <a:extLst>
             <a:ext uri="{909E8E84-426E-40dd-AFC4-6F175D3DCCD1}">
-              <a14:hiddenFill xmlns="" xmlns:a14="http://schemas.microsoft.com/office/drawing/2010/main">
+              <a14:hiddenFill xmlns:a14="http://schemas.microsoft.com/office/drawing/2010/main" xmlns="">
                 <a:solidFill>
                   <a:srgbClr val="FFFFFF"/>
                 </a:solidFill>
               </a14:hiddenFill>
             </a:ext>
             <a:ext uri="{91240B29-F687-4f45-9708-019B960494DF}">
-              <a14:hiddenLine xmlns="" xmlns:a14="http://schemas.microsoft.com/office/drawing/2010/main" w="9525">
+              <a14:hiddenLine xmlns:a14="http://schemas.microsoft.com/office/drawing/2010/main" xmlns="" w="9525">
                 <a:solidFill>
                   <a:srgbClr val="000000"/>
                 </a:solidFill>
@@ -12998,7 +13990,15 @@
           <a:bodyPr/>
           <a:lstStyle/>
           <a:p>
-            <a:endParaRPr lang="en-US"/>
+            <a:r>
+              <a:rPr lang="en-US" dirty="0"/>
+              <a:t>Investigate </a:t>
+            </a:r>
+            <a:r>
+              <a:rPr lang="en-US" dirty="0" err="1"/>
+              <a:t>client.rb.erb</a:t>
+            </a:r>
+            <a:endParaRPr lang="en-US" dirty="0"/>
           </a:p>
         </p:txBody>
       </p:sp>
@@ -14517,7 +15517,7 @@
             </a:pPr>
             <a:r>
               <a:rPr lang="en-US" dirty="0"/>
-              <a:t>Describe where you can fine more information about better </a:t>
+              <a:t>Describe where you can find more information about better </a:t>
             </a:r>
             <a:r>
               <a:rPr lang="en-US" dirty="0" err="1"/>
@@ -16169,6 +17169,14 @@
           <a:bodyPr/>
           <a:lstStyle/>
           <a:p>
+            <a:r>
+              <a:rPr lang="en-US" dirty="0"/>
+              <a:t>Investigate </a:t>
+            </a:r>
+            <a:r>
+              <a:rPr lang="en-US" dirty="0" err="1"/>
+              <a:t>client.rb.erb</a:t>
+            </a:r>
             <a:endParaRPr lang="en-US" dirty="0"/>
           </a:p>
         </p:txBody>
@@ -18062,6 +19070,15 @@
 </file>
 
 <file path=customXml/item1.xml><?xml version="1.0" encoding="utf-8"?>
+<?mso-contentType ?>
+<FormTemplates xmlns="http://schemas.microsoft.com/sharepoint/v3/contenttype/forms">
+  <Display>DocumentLibraryForm</Display>
+  <Edit>DocumentLibraryForm</Edit>
+  <New>DocumentLibraryForm</New>
+</FormTemplates>
+</file>
+
+<file path=customXml/item2.xml><?xml version="1.0" encoding="utf-8"?>
 <p:properties xmlns:p="http://schemas.microsoft.com/office/2006/metadata/properties" xmlns:xsi="http://www.w3.org/2001/XMLSchema-instance" xmlns:pc="http://schemas.microsoft.com/office/infopath/2007/PartnerControls">
   <documentManagement>
     <_dlc_DocId xmlns="7bb5d761-a2ea-4873-95f7-7a6658fb3ef0">M4CWTKMW727E-592-73</_dlc_DocId>
@@ -18073,62 +19090,7 @@
 </p:properties>
 </file>
 
-<file path=customXml/item2.xml><?xml version="1.0" encoding="utf-8"?>
-<?mso-contentType ?>
-<FormTemplates xmlns="http://schemas.microsoft.com/sharepoint/v3/contenttype/forms">
-  <Display>DocumentLibraryForm</Display>
-  <Edit>DocumentLibraryForm</Edit>
-  <New>DocumentLibraryForm</New>
-</FormTemplates>
-</file>
-
 <file path=customXml/item3.xml><?xml version="1.0" encoding="utf-8"?>
-<?mso-contentType ?>
-<spe:Receivers xmlns:spe="http://schemas.microsoft.com/sharepoint/events">
-  <Receiver>
-    <Name>Document ID Generator</Name>
-    <Synchronization>Synchronous</Synchronization>
-    <Type>10001</Type>
-    <SequenceNumber>1000</SequenceNumber>
-    <Assembly>Microsoft.Office.DocumentManagement, Version=14.0.0.0, Culture=neutral, PublicKeyToken=71e9bce111e9429c</Assembly>
-    <Class>Microsoft.Office.DocumentManagement.Internal.DocIdHandler</Class>
-    <Data/>
-    <Filter/>
-  </Receiver>
-  <Receiver>
-    <Name>Document ID Generator</Name>
-    <Synchronization>Synchronous</Synchronization>
-    <Type>10002</Type>
-    <SequenceNumber>1001</SequenceNumber>
-    <Assembly>Microsoft.Office.DocumentManagement, Version=14.0.0.0, Culture=neutral, PublicKeyToken=71e9bce111e9429c</Assembly>
-    <Class>Microsoft.Office.DocumentManagement.Internal.DocIdHandler</Class>
-    <Data/>
-    <Filter/>
-  </Receiver>
-  <Receiver>
-    <Name>Document ID Generator</Name>
-    <Synchronization>Synchronous</Synchronization>
-    <Type>10004</Type>
-    <SequenceNumber>1002</SequenceNumber>
-    <Assembly>Microsoft.Office.DocumentManagement, Version=14.0.0.0, Culture=neutral, PublicKeyToken=71e9bce111e9429c</Assembly>
-    <Class>Microsoft.Office.DocumentManagement.Internal.DocIdHandler</Class>
-    <Data/>
-    <Filter/>
-  </Receiver>
-  <Receiver>
-    <Name>Document ID Generator</Name>
-    <Synchronization>Synchronous</Synchronization>
-    <Type>10006</Type>
-    <SequenceNumber>1003</SequenceNumber>
-    <Assembly>Microsoft.Office.DocumentManagement, Version=14.0.0.0, Culture=neutral, PublicKeyToken=71e9bce111e9429c</Assembly>
-    <Class>Microsoft.Office.DocumentManagement.Internal.DocIdHandler</Class>
-    <Data/>
-    <Filter/>
-  </Receiver>
-</spe:Receivers>
-</file>
-
-<file path=customXml/item4.xml><?xml version="1.0" encoding="utf-8"?>
 <ct:contentTypeSchema xmlns:ct="http://schemas.microsoft.com/office/2006/metadata/contentType" xmlns:ma="http://schemas.microsoft.com/office/2006/metadata/properties/metaAttributes" ct:_="" ma:_="" ma:contentTypeName="Document" ma:contentTypeID="0x0101000812F700BE7F874999720E88173FE491" ma:contentTypeVersion="0" ma:contentTypeDescription="Create a new document." ma:contentTypeScope="" ma:versionID="3f79f408e2ca720b7aba6e0e32464d0c">
   <xsd:schema xmlns:xsd="http://www.w3.org/2001/XMLSchema" xmlns:xs="http://www.w3.org/2001/XMLSchema" xmlns:p="http://schemas.microsoft.com/office/2006/metadata/properties" xmlns:ns2="7bb5d761-a2ea-4873-95f7-7a6658fb3ef0" targetNamespace="http://schemas.microsoft.com/office/2006/metadata/properties" ma:root="true" ma:fieldsID="1e062cd38ba31e406bfc4340fbc7f87a" ns2:_="">
     <xsd:import namespace="7bb5d761-a2ea-4873-95f7-7a6658fb3ef0"/>
@@ -18273,7 +19235,61 @@
 </ct:contentTypeSchema>
 </file>
 
+<file path=customXml/item4.xml><?xml version="1.0" encoding="utf-8"?>
+<?mso-contentType ?>
+<spe:Receivers xmlns:spe="http://schemas.microsoft.com/sharepoint/events">
+  <Receiver>
+    <Name>Document ID Generator</Name>
+    <Synchronization>Synchronous</Synchronization>
+    <Type>10001</Type>
+    <SequenceNumber>1000</SequenceNumber>
+    <Assembly>Microsoft.Office.DocumentManagement, Version=14.0.0.0, Culture=neutral, PublicKeyToken=71e9bce111e9429c</Assembly>
+    <Class>Microsoft.Office.DocumentManagement.Internal.DocIdHandler</Class>
+    <Data/>
+    <Filter/>
+  </Receiver>
+  <Receiver>
+    <Name>Document ID Generator</Name>
+    <Synchronization>Synchronous</Synchronization>
+    <Type>10002</Type>
+    <SequenceNumber>1001</SequenceNumber>
+    <Assembly>Microsoft.Office.DocumentManagement, Version=14.0.0.0, Culture=neutral, PublicKeyToken=71e9bce111e9429c</Assembly>
+    <Class>Microsoft.Office.DocumentManagement.Internal.DocIdHandler</Class>
+    <Data/>
+    <Filter/>
+  </Receiver>
+  <Receiver>
+    <Name>Document ID Generator</Name>
+    <Synchronization>Synchronous</Synchronization>
+    <Type>10004</Type>
+    <SequenceNumber>1002</SequenceNumber>
+    <Assembly>Microsoft.Office.DocumentManagement, Version=14.0.0.0, Culture=neutral, PublicKeyToken=71e9bce111e9429c</Assembly>
+    <Class>Microsoft.Office.DocumentManagement.Internal.DocIdHandler</Class>
+    <Data/>
+    <Filter/>
+  </Receiver>
+  <Receiver>
+    <Name>Document ID Generator</Name>
+    <Synchronization>Synchronous</Synchronization>
+    <Type>10006</Type>
+    <SequenceNumber>1003</SequenceNumber>
+    <Assembly>Microsoft.Office.DocumentManagement, Version=14.0.0.0, Culture=neutral, PublicKeyToken=71e9bce111e9429c</Assembly>
+    <Class>Microsoft.Office.DocumentManagement.Internal.DocIdHandler</Class>
+    <Data/>
+    <Filter/>
+  </Receiver>
+</spe:Receivers>
+</file>
+
 <file path=customXml/itemProps1.xml><?xml version="1.0" encoding="utf-8"?>
+<ds:datastoreItem xmlns:ds="http://schemas.openxmlformats.org/officeDocument/2006/customXml" ds:itemID="{5CDEB364-43EC-4510-9881-539C2A3FCE9E}">
+  <ds:schemaRefs>
+    <ds:schemaRef ds:uri="http://schemas.microsoft.com/sharepoint/v3/contenttype/forms"/>
+  </ds:schemaRefs>
+</ds:datastoreItem>
+</file>
+
+<file path=customXml/itemProps2.xml><?xml version="1.0" encoding="utf-8"?>
 <ds:datastoreItem xmlns:ds="http://schemas.openxmlformats.org/officeDocument/2006/customXml" ds:itemID="{6921749B-AEB7-461B-845F-603CABD25259}">
   <ds:schemaRefs>
     <ds:schemaRef ds:uri="7bb5d761-a2ea-4873-95f7-7a6658fb3ef0"/>
@@ -18289,23 +19305,7 @@
 </ds:datastoreItem>
 </file>
 
-<file path=customXml/itemProps2.xml><?xml version="1.0" encoding="utf-8"?>
-<ds:datastoreItem xmlns:ds="http://schemas.openxmlformats.org/officeDocument/2006/customXml" ds:itemID="{5CDEB364-43EC-4510-9881-539C2A3FCE9E}">
-  <ds:schemaRefs>
-    <ds:schemaRef ds:uri="http://schemas.microsoft.com/sharepoint/v3/contenttype/forms"/>
-  </ds:schemaRefs>
-</ds:datastoreItem>
-</file>
-
 <file path=customXml/itemProps3.xml><?xml version="1.0" encoding="utf-8"?>
-<ds:datastoreItem xmlns:ds="http://schemas.openxmlformats.org/officeDocument/2006/customXml" ds:itemID="{B13EBC30-FE27-4C6A-B723-23FC2188F7DC}">
-  <ds:schemaRefs>
-    <ds:schemaRef ds:uri="http://schemas.microsoft.com/sharepoint/events"/>
-  </ds:schemaRefs>
-</ds:datastoreItem>
-</file>
-
-<file path=customXml/itemProps4.xml><?xml version="1.0" encoding="utf-8"?>
 <ds:datastoreItem xmlns:ds="http://schemas.openxmlformats.org/officeDocument/2006/customXml" ds:itemID="{164479E5-0B02-49AC-B79E-EC1D6164DDD3}">
   <ds:schemaRefs>
     <ds:schemaRef ds:uri="http://schemas.microsoft.com/office/2006/metadata/contentType"/>
@@ -18321,4 +19321,12 @@
     <ds:schemaRef ds:uri="http://schemas.microsoft.com/internal/obd"/>
   </ds:schemaRefs>
 </ds:datastoreItem>
+</file>
+
+<file path=customXml/itemProps4.xml><?xml version="1.0" encoding="utf-8"?>
+<ds:datastoreItem xmlns:ds="http://schemas.openxmlformats.org/officeDocument/2006/customXml" ds:itemID="{B13EBC30-FE27-4C6A-B723-23FC2188F7DC}">
+  <ds:schemaRefs>
+    <ds:schemaRef ds:uri="http://schemas.microsoft.com/sharepoint/events"/>
+  </ds:schemaRefs>
+</ds:datastoreItem>
 </file>